--- a/022_91893+_+91897+Documentation.pptx
+++ b/022_91893+_+91897+Documentation.pptx
@@ -269,13 +269,106 @@
 <file path=ppt/revisionInfo.xml><?xml version="1.0" encoding="utf-8"?>
 <p1510:revInfo xmlns:a="http://schemas.openxmlformats.org/drawingml/2006/main" xmlns:r="http://schemas.openxmlformats.org/officeDocument/2006/relationships" xmlns:p1510="http://schemas.microsoft.com/office/powerpoint/2015/10/main">
   <p1510:revLst>
-    <p1510:client id="{4F71BE14-C53D-0861-4E1D-406D0C4E55B4}" v="10" dt="2022-02-05T23:55:44.511"/>
+    <p1510:client id="{AE64FCEC-2C26-418C-80E2-383765709D65}" v="4" dt="2022-02-09T23:05:33.616"/>
   </p1510:revLst>
 </p1510:revInfo>
 </file>
 
 <file path=ppt/changesInfos/changesInfo1.xml><?xml version="1.0" encoding="utf-8"?>
 <pc:chgInfo xmlns:a="http://schemas.openxmlformats.org/drawingml/2006/main" xmlns:r="http://schemas.openxmlformats.org/officeDocument/2006/relationships" xmlns:ac="http://schemas.microsoft.com/office/drawing/2013/main/command" xmlns:pc="http://schemas.microsoft.com/office/powerpoint/2013/main/command">
+  <pc:docChgLst>
+    <pc:chgData name="Sean Albertyn" userId="f499a6e059928ae0" providerId="LiveId" clId="{AE64FCEC-2C26-418C-80E2-383765709D65}"/>
+    <pc:docChg chg="undo custSel modSld">
+      <pc:chgData name="Sean Albertyn" userId="f499a6e059928ae0" providerId="LiveId" clId="{AE64FCEC-2C26-418C-80E2-383765709D65}" dt="2022-02-13T23:47:25.331" v="125" actId="1076"/>
+      <pc:docMkLst>
+        <pc:docMk/>
+      </pc:docMkLst>
+      <pc:sldChg chg="modSp mod">
+        <pc:chgData name="Sean Albertyn" userId="f499a6e059928ae0" providerId="LiveId" clId="{AE64FCEC-2C26-418C-80E2-383765709D65}" dt="2022-02-09T22:45:11.257" v="25" actId="20577"/>
+        <pc:sldMkLst>
+          <pc:docMk/>
+          <pc:sldMk cId="0" sldId="256"/>
+        </pc:sldMkLst>
+        <pc:spChg chg="mod">
+          <ac:chgData name="Sean Albertyn" userId="f499a6e059928ae0" providerId="LiveId" clId="{AE64FCEC-2C26-418C-80E2-383765709D65}" dt="2022-02-09T22:45:11.257" v="25" actId="20577"/>
+          <ac:spMkLst>
+            <pc:docMk/>
+            <pc:sldMk cId="0" sldId="256"/>
+            <ac:spMk id="55" creationId="{00000000-0000-0000-0000-000000000000}"/>
+          </ac:spMkLst>
+        </pc:spChg>
+      </pc:sldChg>
+      <pc:sldChg chg="addSp modSp mod">
+        <pc:chgData name="Sean Albertyn" userId="f499a6e059928ae0" providerId="LiveId" clId="{AE64FCEC-2C26-418C-80E2-383765709D65}" dt="2022-02-09T22:49:09.556" v="31" actId="14100"/>
+        <pc:sldMkLst>
+          <pc:docMk/>
+          <pc:sldMk cId="0" sldId="258"/>
+        </pc:sldMkLst>
+        <pc:picChg chg="add mod">
+          <ac:chgData name="Sean Albertyn" userId="f499a6e059928ae0" providerId="LiveId" clId="{AE64FCEC-2C26-418C-80E2-383765709D65}" dt="2022-02-09T22:49:09.556" v="31" actId="14100"/>
+          <ac:picMkLst>
+            <pc:docMk/>
+            <pc:sldMk cId="0" sldId="258"/>
+            <ac:picMk id="3" creationId="{0A711F85-FE64-43EF-B129-2C7D6375C8A1}"/>
+          </ac:picMkLst>
+        </pc:picChg>
+      </pc:sldChg>
+      <pc:sldChg chg="addSp modSp mod">
+        <pc:chgData name="Sean Albertyn" userId="f499a6e059928ae0" providerId="LiveId" clId="{AE64FCEC-2C26-418C-80E2-383765709D65}" dt="2022-02-09T23:05:37.207" v="34" actId="27614"/>
+        <pc:sldMkLst>
+          <pc:docMk/>
+          <pc:sldMk cId="0" sldId="259"/>
+        </pc:sldMkLst>
+        <pc:picChg chg="add mod">
+          <ac:chgData name="Sean Albertyn" userId="f499a6e059928ae0" providerId="LiveId" clId="{AE64FCEC-2C26-418C-80E2-383765709D65}" dt="2022-02-09T23:05:37.207" v="34" actId="27614"/>
+          <ac:picMkLst>
+            <pc:docMk/>
+            <pc:sldMk cId="0" sldId="259"/>
+            <ac:picMk id="3" creationId="{1A910F03-6A26-4AF1-8A56-03A86AF638FA}"/>
+          </ac:picMkLst>
+        </pc:picChg>
+      </pc:sldChg>
+      <pc:sldChg chg="addSp modSp mod">
+        <pc:chgData name="Sean Albertyn" userId="f499a6e059928ae0" providerId="LiveId" clId="{AE64FCEC-2C26-418C-80E2-383765709D65}" dt="2022-02-13T23:47:25.331" v="125" actId="1076"/>
+        <pc:sldMkLst>
+          <pc:docMk/>
+          <pc:sldMk cId="0" sldId="260"/>
+        </pc:sldMkLst>
+        <pc:spChg chg="mod">
+          <ac:chgData name="Sean Albertyn" userId="f499a6e059928ae0" providerId="LiveId" clId="{AE64FCEC-2C26-418C-80E2-383765709D65}" dt="2022-02-13T23:43:41.237" v="39" actId="20577"/>
+          <ac:spMkLst>
+            <pc:docMk/>
+            <pc:sldMk cId="0" sldId="260"/>
+            <ac:spMk id="78" creationId="{00000000-0000-0000-0000-000000000000}"/>
+          </ac:spMkLst>
+        </pc:spChg>
+        <pc:graphicFrameChg chg="mod modGraphic">
+          <ac:chgData name="Sean Albertyn" userId="f499a6e059928ae0" providerId="LiveId" clId="{AE64FCEC-2C26-418C-80E2-383765709D65}" dt="2022-02-13T23:47:25.331" v="125" actId="1076"/>
+          <ac:graphicFrameMkLst>
+            <pc:docMk/>
+            <pc:sldMk cId="0" sldId="260"/>
+            <ac:graphicFrameMk id="79" creationId="{00000000-0000-0000-0000-000000000000}"/>
+          </ac:graphicFrameMkLst>
+        </pc:graphicFrameChg>
+        <pc:picChg chg="add mod">
+          <ac:chgData name="Sean Albertyn" userId="f499a6e059928ae0" providerId="LiveId" clId="{AE64FCEC-2C26-418C-80E2-383765709D65}" dt="2022-02-13T23:45:32.056" v="45" actId="1076"/>
+          <ac:picMkLst>
+            <pc:docMk/>
+            <pc:sldMk cId="0" sldId="260"/>
+            <ac:picMk id="3" creationId="{E5C89010-92EE-4BD1-895D-3FDB2D757E2E}"/>
+          </ac:picMkLst>
+        </pc:picChg>
+        <pc:picChg chg="add mod">
+          <ac:chgData name="Sean Albertyn" userId="f499a6e059928ae0" providerId="LiveId" clId="{AE64FCEC-2C26-418C-80E2-383765709D65}" dt="2022-02-13T23:45:42.878" v="49" actId="1076"/>
+          <ac:picMkLst>
+            <pc:docMk/>
+            <pc:sldMk cId="0" sldId="260"/>
+            <ac:picMk id="5" creationId="{4D5852D8-4D00-41D8-AEF4-666CB79796DB}"/>
+          </ac:picMkLst>
+        </pc:picChg>
+      </pc:sldChg>
+    </pc:docChg>
+  </pc:docChgLst>
   <pc:docChgLst>
     <pc:chgData name="Mark Glasse" userId="S::m.glasse@sanctamaria.school.nz::4001b6f1-9796-4fe4-a857-9145db2b6168" providerId="AD" clId="Web-{4F71BE14-C53D-0861-4E1D-406D0C4E55B4}"/>
     <pc:docChg chg="modSld">
@@ -6405,25 +6498,18 @@
                   <a:srgbClr val="274E13"/>
                 </a:solidFill>
               </a:rPr>
-              <a:t>Link to </a:t>
-            </a:r>
-            <a:r>
-              <a:rPr lang="en" sz="2000" b="1" dirty="0" err="1">
-                <a:solidFill>
-                  <a:srgbClr val="274E13"/>
-                </a:solidFill>
-              </a:rPr>
-              <a:t>github</a:t>
+              <a:t>Link to github Repository: </a:t>
             </a:r>
             <a:r>
               <a:rPr lang="en" sz="2000" b="1" dirty="0">
                 <a:solidFill>
                   <a:srgbClr val="274E13"/>
                 </a:solidFill>
+                <a:hlinkClick r:id="rId3"/>
               </a:rPr>
-              <a:t> Repository: </a:t>
+              <a:t>GitHub</a:t>
             </a:r>
-            <a:endParaRPr sz="2000" b="1" dirty="0">
+            <a:endParaRPr sz="2000" dirty="0">
               <a:solidFill>
                 <a:srgbClr val="274E13"/>
               </a:solidFill>
@@ -6447,7 +6533,7 @@
               <a:buFont typeface="Arial"/>
               <a:buNone/>
             </a:pPr>
-            <a:endParaRPr sz="2000">
+            <a:endParaRPr lang="en" sz="2000" b="1" dirty="0">
               <a:solidFill>
                 <a:srgbClr val="274E13"/>
               </a:solidFill>
@@ -6477,23 +6563,16 @@
                   <a:srgbClr val="274E13"/>
                 </a:solidFill>
               </a:rPr>
-              <a:t>Links to </a:t>
-            </a:r>
-            <a:r>
-              <a:rPr lang="en" sz="2000" b="1" dirty="0" err="1">
-                <a:solidFill>
-                  <a:srgbClr val="274E13"/>
-                </a:solidFill>
-              </a:rPr>
-              <a:t>trello</a:t>
+              <a:t>Links to trello board / project management tools: </a:t>
             </a:r>
             <a:r>
               <a:rPr lang="en" sz="2000" b="1" dirty="0">
                 <a:solidFill>
                   <a:srgbClr val="274E13"/>
                 </a:solidFill>
+                <a:hlinkClick r:id="rId4"/>
               </a:rPr>
-              <a:t> board / project management tools:</a:t>
+              <a:t>Trello</a:t>
             </a:r>
             <a:endParaRPr sz="2000" dirty="0"/>
           </a:p>
@@ -6846,13 +6925,43 @@
               <a:buNone/>
             </a:pPr>
             <a:r>
-              <a:rPr lang="en" i="1"/>
+              <a:rPr lang="en" i="1" dirty="0"/>
               <a:t>Paste screenshots of your initial Trello board / task decomposition on this slide.  If you have a long list, you might need to break it up into several columns.  Delete this instruction when you are done.</a:t>
             </a:r>
-            <a:endParaRPr i="1"/>
+            <a:endParaRPr i="1" dirty="0"/>
           </a:p>
         </p:txBody>
       </p:sp>
+      <p:pic>
+        <p:nvPicPr>
+          <p:cNvPr id="3" name="Picture 2" descr="Graphical user interface, text, application&#10;&#10;Description automatically generated">
+            <a:extLst>
+              <a:ext uri="{FF2B5EF4-FFF2-40B4-BE49-F238E27FC236}">
+                <a16:creationId xmlns:a16="http://schemas.microsoft.com/office/drawing/2014/main" id="{0A711F85-FE64-43EF-B129-2C7D6375C8A1}"/>
+              </a:ext>
+            </a:extLst>
+          </p:cNvPr>
+          <p:cNvPicPr>
+            <a:picLocks noChangeAspect="1"/>
+          </p:cNvPicPr>
+          <p:nvPr/>
+        </p:nvPicPr>
+        <p:blipFill>
+          <a:blip r:embed="rId3"/>
+          <a:stretch>
+            <a:fillRect/>
+          </a:stretch>
+        </p:blipFill>
+        <p:spPr>
+          <a:xfrm>
+            <a:off x="0" y="1"/>
+            <a:ext cx="9144000" cy="5143500"/>
+          </a:xfrm>
+          <a:prstGeom prst="rect">
+            <a:avLst/>
+          </a:prstGeom>
+        </p:spPr>
+      </p:pic>
     </p:spTree>
   </p:cSld>
   <p:clrMapOvr>
@@ -6928,6 +7037,36 @@
           </a:p>
         </p:txBody>
       </p:sp>
+      <p:pic>
+        <p:nvPicPr>
+          <p:cNvPr id="3" name="Picture 2" descr="Graphical user interface, application&#10;&#10;Description automatically generated">
+            <a:extLst>
+              <a:ext uri="{FF2B5EF4-FFF2-40B4-BE49-F238E27FC236}">
+                <a16:creationId xmlns:a16="http://schemas.microsoft.com/office/drawing/2014/main" id="{1A910F03-6A26-4AF1-8A56-03A86AF638FA}"/>
+              </a:ext>
+            </a:extLst>
+          </p:cNvPr>
+          <p:cNvPicPr>
+            <a:picLocks noChangeAspect="1"/>
+          </p:cNvPicPr>
+          <p:nvPr/>
+        </p:nvPicPr>
+        <p:blipFill>
+          <a:blip r:embed="rId3"/>
+          <a:stretch>
+            <a:fillRect/>
+          </a:stretch>
+        </p:blipFill>
+        <p:spPr>
+          <a:xfrm>
+            <a:off x="0" y="1175113"/>
+            <a:ext cx="9144000" cy="1711234"/>
+          </a:xfrm>
+          <a:prstGeom prst="rect">
+            <a:avLst/>
+          </a:prstGeom>
+        </p:spPr>
+      </p:pic>
     </p:spTree>
   </p:cSld>
   <p:clrMapOvr>
@@ -6965,8 +7104,8 @@
         </p:nvSpPr>
         <p:spPr>
           <a:xfrm>
-            <a:off x="311700" y="445025"/>
-            <a:ext cx="8520600" cy="572700"/>
+            <a:off x="128819" y="246370"/>
+            <a:ext cx="8520600" cy="1132264"/>
           </a:xfrm>
           <a:prstGeom prst="rect">
             <a:avLst/>
@@ -6988,10 +7127,13 @@
               <a:buNone/>
             </a:pPr>
             <a:r>
-              <a:rPr lang="en"/>
+              <a:rPr lang="en" dirty="0"/>
               <a:t>Component 1 - Test Plan (?and screenshot)</a:t>
             </a:r>
-            <a:endParaRPr/>
+            <a:br>
+              <a:rPr lang="en" dirty="0"/>
+            </a:br>
+            <a:endParaRPr dirty="0"/>
           </a:p>
         </p:txBody>
       </p:sp>
@@ -6999,11 +7141,17 @@
         <p:nvGraphicFramePr>
           <p:cNvPr id="79" name="Google Shape;79;p17"/>
           <p:cNvGraphicFramePr/>
-          <p:nvPr/>
+          <p:nvPr>
+            <p:extLst>
+              <p:ext uri="{D42A27DB-BD31-4B8C-83A1-F6EECF244321}">
+                <p14:modId xmlns:p14="http://schemas.microsoft.com/office/powerpoint/2010/main" val="3011832350"/>
+              </p:ext>
+            </p:extLst>
+          </p:nvPr>
         </p:nvGraphicFramePr>
         <p:xfrm>
-          <a:off x="382475" y="1267725"/>
-          <a:ext cx="8520600" cy="914340"/>
+          <a:off x="311700" y="3764867"/>
+          <a:ext cx="8520600" cy="1188660"/>
         </p:xfrm>
         <a:graphic>
           <a:graphicData uri="http://schemas.openxmlformats.org/drawingml/2006/table">
@@ -7044,10 +7192,10 @@
                         <a:buNone/>
                       </a:pPr>
                       <a:r>
-                        <a:rPr lang="en" sz="1800" b="1"/>
+                        <a:rPr lang="en" sz="1800" b="1" dirty="0"/>
                         <a:t>Test Case</a:t>
                       </a:r>
-                      <a:endParaRPr sz="1800" b="1"/>
+                      <a:endParaRPr sz="1800" b="1" dirty="0"/>
                     </a:p>
                   </a:txBody>
                   <a:tcPr marL="91425" marR="91425" marT="91425" marB="91425">
@@ -7104,7 +7252,11 @@
                         </a:spcAft>
                         <a:buNone/>
                       </a:pPr>
-                      <a:endParaRPr sz="1800"/>
+                      <a:r>
+                        <a:rPr lang="en-GB" sz="1800" dirty="0"/>
+                        <a:t>Run Program</a:t>
+                      </a:r>
+                      <a:endParaRPr sz="1800" dirty="0"/>
                     </a:p>
                   </a:txBody>
                   <a:tcPr marL="91425" marR="91425" marT="91425" marB="91425"/>
@@ -7123,7 +7275,11 @@
                         </a:spcAft>
                         <a:buNone/>
                       </a:pPr>
-                      <a:endParaRPr sz="1800"/>
+                      <a:r>
+                        <a:rPr lang="en-GB" sz="1800" dirty="0"/>
+                        <a:t>Print Welcome Message With Random Name</a:t>
+                      </a:r>
+                      <a:endParaRPr sz="1800" dirty="0"/>
                     </a:p>
                   </a:txBody>
                   <a:tcPr marL="91425" marR="91425" marT="91425" marB="91425"/>
@@ -7138,6 +7294,66 @@
           </a:graphicData>
         </a:graphic>
       </p:graphicFrame>
+      <p:pic>
+        <p:nvPicPr>
+          <p:cNvPr id="3" name="Picture 2">
+            <a:extLst>
+              <a:ext uri="{FF2B5EF4-FFF2-40B4-BE49-F238E27FC236}">
+                <a16:creationId xmlns:a16="http://schemas.microsoft.com/office/drawing/2014/main" id="{E5C89010-92EE-4BD1-895D-3FDB2D757E2E}"/>
+              </a:ext>
+            </a:extLst>
+          </p:cNvPr>
+          <p:cNvPicPr>
+            <a:picLocks noChangeAspect="1"/>
+          </p:cNvPicPr>
+          <p:nvPr/>
+        </p:nvPicPr>
+        <p:blipFill>
+          <a:blip r:embed="rId3"/>
+          <a:stretch>
+            <a:fillRect/>
+          </a:stretch>
+        </p:blipFill>
+        <p:spPr>
+          <a:xfrm>
+            <a:off x="128818" y="1777627"/>
+            <a:ext cx="4443182" cy="1316501"/>
+          </a:xfrm>
+          <a:prstGeom prst="rect">
+            <a:avLst/>
+          </a:prstGeom>
+        </p:spPr>
+      </p:pic>
+      <p:pic>
+        <p:nvPicPr>
+          <p:cNvPr id="5" name="Picture 4">
+            <a:extLst>
+              <a:ext uri="{FF2B5EF4-FFF2-40B4-BE49-F238E27FC236}">
+                <a16:creationId xmlns:a16="http://schemas.microsoft.com/office/drawing/2014/main" id="{4D5852D8-4D00-41D8-AEF4-666CB79796DB}"/>
+              </a:ext>
+            </a:extLst>
+          </p:cNvPr>
+          <p:cNvPicPr>
+            <a:picLocks noChangeAspect="1"/>
+          </p:cNvPicPr>
+          <p:nvPr/>
+        </p:nvPicPr>
+        <p:blipFill>
+          <a:blip r:embed="rId4"/>
+          <a:stretch>
+            <a:fillRect/>
+          </a:stretch>
+        </p:blipFill>
+        <p:spPr>
+          <a:xfrm>
+            <a:off x="4572000" y="2218233"/>
+            <a:ext cx="4000500" cy="435288"/>
+          </a:xfrm>
+          <a:prstGeom prst="rect">
+            <a:avLst/>
+          </a:prstGeom>
+        </p:spPr>
+      </p:pic>
     </p:spTree>
   </p:cSld>
   <p:clrMapOvr>

--- a/022_91893+_+91897+Documentation.pptx
+++ b/022_91893+_+91897+Documentation.pptx
@@ -5,7 +5,7 @@
     <p:sldMasterId id="2147483659" r:id="rId1"/>
   </p:sldMasterIdLst>
   <p:notesMasterIdLst>
-    <p:notesMasterId r:id="rId9"/>
+    <p:notesMasterId r:id="rId10"/>
   </p:notesMasterIdLst>
   <p:sldIdLst>
     <p:sldId id="256" r:id="rId2"/>
@@ -13,8 +13,9 @@
     <p:sldId id="258" r:id="rId4"/>
     <p:sldId id="259" r:id="rId5"/>
     <p:sldId id="260" r:id="rId6"/>
-    <p:sldId id="261" r:id="rId7"/>
-    <p:sldId id="262" r:id="rId8"/>
+    <p:sldId id="263" r:id="rId7"/>
+    <p:sldId id="261" r:id="rId8"/>
+    <p:sldId id="262" r:id="rId9"/>
   </p:sldIdLst>
   <p:sldSz cx="9144000" cy="5143500" type="screen16x9"/>
   <p:notesSz cx="6858000" cy="9144000"/>
@@ -269,7 +270,7 @@
 <file path=ppt/revisionInfo.xml><?xml version="1.0" encoding="utf-8"?>
 <p1510:revInfo xmlns:a="http://schemas.openxmlformats.org/drawingml/2006/main" xmlns:r="http://schemas.openxmlformats.org/officeDocument/2006/relationships" xmlns:p1510="http://schemas.microsoft.com/office/powerpoint/2015/10/main">
   <p1510:revLst>
-    <p1510:client id="{AE64FCEC-2C26-418C-80E2-383765709D65}" v="4" dt="2022-02-09T23:05:33.616"/>
+    <p1510:client id="{AE64FCEC-2C26-418C-80E2-383765709D65}" v="6" dt="2022-02-14T00:24:55.521"/>
   </p1510:revLst>
 </p1510:revInfo>
 </file>
@@ -278,8 +279,8 @@
 <pc:chgInfo xmlns:a="http://schemas.openxmlformats.org/drawingml/2006/main" xmlns:r="http://schemas.openxmlformats.org/officeDocument/2006/relationships" xmlns:ac="http://schemas.microsoft.com/office/drawing/2013/main/command" xmlns:pc="http://schemas.microsoft.com/office/powerpoint/2013/main/command">
   <pc:docChgLst>
     <pc:chgData name="Sean Albertyn" userId="f499a6e059928ae0" providerId="LiveId" clId="{AE64FCEC-2C26-418C-80E2-383765709D65}"/>
-    <pc:docChg chg="undo custSel modSld">
-      <pc:chgData name="Sean Albertyn" userId="f499a6e059928ae0" providerId="LiveId" clId="{AE64FCEC-2C26-418C-80E2-383765709D65}" dt="2022-02-13T23:47:25.331" v="125" actId="1076"/>
+    <pc:docChg chg="undo custSel addSld modSld">
+      <pc:chgData name="Sean Albertyn" userId="f499a6e059928ae0" providerId="LiveId" clId="{AE64FCEC-2C26-418C-80E2-383765709D65}" dt="2022-02-14T00:24:59.205" v="317" actId="20577"/>
       <pc:docMkLst>
         <pc:docMk/>
       </pc:docMkLst>
@@ -314,17 +315,49 @@
         </pc:picChg>
       </pc:sldChg>
       <pc:sldChg chg="addSp modSp mod">
-        <pc:chgData name="Sean Albertyn" userId="f499a6e059928ae0" providerId="LiveId" clId="{AE64FCEC-2C26-418C-80E2-383765709D65}" dt="2022-02-09T23:05:37.207" v="34" actId="27614"/>
+        <pc:chgData name="Sean Albertyn" userId="f499a6e059928ae0" providerId="LiveId" clId="{AE64FCEC-2C26-418C-80E2-383765709D65}" dt="2022-02-14T00:24:59.205" v="317" actId="20577"/>
         <pc:sldMkLst>
           <pc:docMk/>
           <pc:sldMk cId="0" sldId="259"/>
         </pc:sldMkLst>
+        <pc:spChg chg="add mod">
+          <ac:chgData name="Sean Albertyn" userId="f499a6e059928ae0" providerId="LiveId" clId="{AE64FCEC-2C26-418C-80E2-383765709D65}" dt="2022-02-14T00:24:44.714" v="304" actId="20577"/>
+          <ac:spMkLst>
+            <pc:docMk/>
+            <pc:sldMk cId="0" sldId="259"/>
+            <ac:spMk id="5" creationId="{3604F375-2046-4FD9-97BB-7B2B5001660C}"/>
+          </ac:spMkLst>
+        </pc:spChg>
+        <pc:spChg chg="add mod">
+          <ac:chgData name="Sean Albertyn" userId="f499a6e059928ae0" providerId="LiveId" clId="{AE64FCEC-2C26-418C-80E2-383765709D65}" dt="2022-02-14T00:24:59.205" v="317" actId="20577"/>
+          <ac:spMkLst>
+            <pc:docMk/>
+            <pc:sldMk cId="0" sldId="259"/>
+            <ac:spMk id="6" creationId="{BBE5456E-7120-4FC9-AF8C-95A60E3A437D}"/>
+          </ac:spMkLst>
+        </pc:spChg>
+        <pc:spChg chg="mod">
+          <ac:chgData name="Sean Albertyn" userId="f499a6e059928ae0" providerId="LiveId" clId="{AE64FCEC-2C26-418C-80E2-383765709D65}" dt="2022-02-14T00:24:51.081" v="305" actId="1076"/>
+          <ac:spMkLst>
+            <pc:docMk/>
+            <pc:sldMk cId="0" sldId="259"/>
+            <ac:spMk id="73" creationId="{00000000-0000-0000-0000-000000000000}"/>
+          </ac:spMkLst>
+        </pc:spChg>
         <pc:picChg chg="add mod">
           <ac:chgData name="Sean Albertyn" userId="f499a6e059928ae0" providerId="LiveId" clId="{AE64FCEC-2C26-418C-80E2-383765709D65}" dt="2022-02-09T23:05:37.207" v="34" actId="27614"/>
           <ac:picMkLst>
             <pc:docMk/>
             <pc:sldMk cId="0" sldId="259"/>
             <ac:picMk id="3" creationId="{1A910F03-6A26-4AF1-8A56-03A86AF638FA}"/>
+          </ac:picMkLst>
+        </pc:picChg>
+        <pc:picChg chg="add mod">
+          <ac:chgData name="Sean Albertyn" userId="f499a6e059928ae0" providerId="LiveId" clId="{AE64FCEC-2C26-418C-80E2-383765709D65}" dt="2022-02-14T00:24:35.915" v="294" actId="1076"/>
+          <ac:picMkLst>
+            <pc:docMk/>
+            <pc:sldMk cId="0" sldId="259"/>
+            <ac:picMk id="4" creationId="{C1D7B76B-2E64-4492-913C-BBDAC82450E8}"/>
           </ac:picMkLst>
         </pc:picChg>
       </pc:sldChg>
@@ -364,6 +397,61 @@
             <pc:docMk/>
             <pc:sldMk cId="0" sldId="260"/>
             <ac:picMk id="5" creationId="{4D5852D8-4D00-41D8-AEF4-666CB79796DB}"/>
+          </ac:picMkLst>
+        </pc:picChg>
+      </pc:sldChg>
+      <pc:sldChg chg="addSp delSp modSp add mod">
+        <pc:chgData name="Sean Albertyn" userId="f499a6e059928ae0" providerId="LiveId" clId="{AE64FCEC-2C26-418C-80E2-383765709D65}" dt="2022-02-14T00:21:12.026" v="290" actId="1076"/>
+        <pc:sldMkLst>
+          <pc:docMk/>
+          <pc:sldMk cId="1258928549" sldId="263"/>
+        </pc:sldMkLst>
+        <pc:spChg chg="mod">
+          <ac:chgData name="Sean Albertyn" userId="f499a6e059928ae0" providerId="LiveId" clId="{AE64FCEC-2C26-418C-80E2-383765709D65}" dt="2022-02-14T00:20:17.768" v="153" actId="14100"/>
+          <ac:spMkLst>
+            <pc:docMk/>
+            <pc:sldMk cId="1258928549" sldId="263"/>
+            <ac:spMk id="78" creationId="{00000000-0000-0000-0000-000000000000}"/>
+          </ac:spMkLst>
+        </pc:spChg>
+        <pc:graphicFrameChg chg="mod modGraphic">
+          <ac:chgData name="Sean Albertyn" userId="f499a6e059928ae0" providerId="LiveId" clId="{AE64FCEC-2C26-418C-80E2-383765709D65}" dt="2022-02-14T00:21:12.026" v="290" actId="1076"/>
+          <ac:graphicFrameMkLst>
+            <pc:docMk/>
+            <pc:sldMk cId="1258928549" sldId="263"/>
+            <ac:graphicFrameMk id="79" creationId="{00000000-0000-0000-0000-000000000000}"/>
+          </ac:graphicFrameMkLst>
+        </pc:graphicFrameChg>
+        <pc:picChg chg="del">
+          <ac:chgData name="Sean Albertyn" userId="f499a6e059928ae0" providerId="LiveId" clId="{AE64FCEC-2C26-418C-80E2-383765709D65}" dt="2022-02-14T00:16:41.297" v="127" actId="478"/>
+          <ac:picMkLst>
+            <pc:docMk/>
+            <pc:sldMk cId="1258928549" sldId="263"/>
+            <ac:picMk id="3" creationId="{E5C89010-92EE-4BD1-895D-3FDB2D757E2E}"/>
+          </ac:picMkLst>
+        </pc:picChg>
+        <pc:picChg chg="add mod">
+          <ac:chgData name="Sean Albertyn" userId="f499a6e059928ae0" providerId="LiveId" clId="{AE64FCEC-2C26-418C-80E2-383765709D65}" dt="2022-02-14T00:21:04.152" v="288" actId="1076"/>
+          <ac:picMkLst>
+            <pc:docMk/>
+            <pc:sldMk cId="1258928549" sldId="263"/>
+            <ac:picMk id="4" creationId="{5837E6CE-D17D-4045-A4BE-7EA741889E41}"/>
+          </ac:picMkLst>
+        </pc:picChg>
+        <pc:picChg chg="del">
+          <ac:chgData name="Sean Albertyn" userId="f499a6e059928ae0" providerId="LiveId" clId="{AE64FCEC-2C26-418C-80E2-383765709D65}" dt="2022-02-14T00:16:42.108" v="128" actId="478"/>
+          <ac:picMkLst>
+            <pc:docMk/>
+            <pc:sldMk cId="1258928549" sldId="263"/>
+            <ac:picMk id="5" creationId="{4D5852D8-4D00-41D8-AEF4-666CB79796DB}"/>
+          </ac:picMkLst>
+        </pc:picChg>
+        <pc:picChg chg="add mod">
+          <ac:chgData name="Sean Albertyn" userId="f499a6e059928ae0" providerId="LiveId" clId="{AE64FCEC-2C26-418C-80E2-383765709D65}" dt="2022-02-14T00:17:39.188" v="148" actId="1076"/>
+          <ac:picMkLst>
+            <pc:docMk/>
+            <pc:sldMk cId="1258928549" sldId="263"/>
+            <ac:picMk id="7" creationId="{02E8C8D6-C0BA-4533-A431-3DE050FB751A}"/>
           </ac:picMkLst>
         </pc:picChg>
       </pc:sldChg>
@@ -1402,6 +1490,115 @@
   <p:cSld>
     <p:spTree>
       <p:nvGrpSpPr>
+        <p:cNvPr id="1" name="Shape 74"/>
+        <p:cNvGrpSpPr/>
+        <p:nvPr/>
+      </p:nvGrpSpPr>
+      <p:grpSpPr>
+        <a:xfrm>
+          <a:off x="0" y="0"/>
+          <a:ext cx="0" cy="0"/>
+          <a:chOff x="0" y="0"/>
+          <a:chExt cx="0" cy="0"/>
+        </a:xfrm>
+      </p:grpSpPr>
+      <p:sp>
+        <p:nvSpPr>
+          <p:cNvPr id="75" name="Google Shape;75;gac10fef634_0_20:notes"/>
+          <p:cNvSpPr>
+            <a:spLocks noGrp="1" noRot="1" noChangeAspect="1"/>
+          </p:cNvSpPr>
+          <p:nvPr>
+            <p:ph type="sldImg" idx="2"/>
+          </p:nvPr>
+        </p:nvSpPr>
+        <p:spPr>
+          <a:xfrm>
+            <a:off x="381000" y="685800"/>
+            <a:ext cx="6096000" cy="3429000"/>
+          </a:xfrm>
+          <a:custGeom>
+            <a:avLst/>
+            <a:gdLst/>
+            <a:ahLst/>
+            <a:cxnLst/>
+            <a:rect l="l" t="t" r="r" b="b"/>
+            <a:pathLst>
+              <a:path w="120000" h="120000" extrusionOk="0">
+                <a:moveTo>
+                  <a:pt x="0" y="0"/>
+                </a:moveTo>
+                <a:lnTo>
+                  <a:pt x="120000" y="0"/>
+                </a:lnTo>
+                <a:lnTo>
+                  <a:pt x="120000" y="120000"/>
+                </a:lnTo>
+                <a:lnTo>
+                  <a:pt x="0" y="120000"/>
+                </a:lnTo>
+                <a:close/>
+              </a:path>
+            </a:pathLst>
+          </a:custGeom>
+        </p:spPr>
+      </p:sp>
+      <p:sp>
+        <p:nvSpPr>
+          <p:cNvPr id="76" name="Google Shape;76;gac10fef634_0_20:notes"/>
+          <p:cNvSpPr txBox="1">
+            <a:spLocks noGrp="1"/>
+          </p:cNvSpPr>
+          <p:nvPr>
+            <p:ph type="body" idx="1"/>
+          </p:nvPr>
+        </p:nvSpPr>
+        <p:spPr>
+          <a:xfrm>
+            <a:off x="685800" y="4343400"/>
+            <a:ext cx="5486400" cy="4114800"/>
+          </a:xfrm>
+          <a:prstGeom prst="rect">
+            <a:avLst/>
+          </a:prstGeom>
+        </p:spPr>
+        <p:txBody>
+          <a:bodyPr spcFirstLastPara="1" wrap="square" lIns="91425" tIns="91425" rIns="91425" bIns="91425" anchor="t" anchorCtr="0">
+            <a:noAutofit/>
+          </a:bodyPr>
+          <a:lstStyle/>
+          <a:p>
+            <a:pPr marL="0" lvl="0" indent="0" algn="l" rtl="0">
+              <a:spcBef>
+                <a:spcPts val="0"/>
+              </a:spcBef>
+              <a:spcAft>
+                <a:spcPts val="0"/>
+              </a:spcAft>
+              <a:buNone/>
+            </a:pPr>
+            <a:endParaRPr/>
+          </a:p>
+        </p:txBody>
+      </p:sp>
+    </p:spTree>
+    <p:extLst>
+      <p:ext uri="{BB962C8B-B14F-4D97-AF65-F5344CB8AC3E}">
+        <p14:creationId xmlns:p14="http://schemas.microsoft.com/office/powerpoint/2010/main" val="353189132"/>
+      </p:ext>
+    </p:extLst>
+  </p:cSld>
+  <p:clrMapOvr>
+    <a:masterClrMapping/>
+  </p:clrMapOvr>
+</p:notes>
+</file>
+
+<file path=ppt/notesSlides/notesSlide7.xml><?xml version="1.0" encoding="utf-8"?>
+<p:notes xmlns:a="http://schemas.openxmlformats.org/drawingml/2006/main" xmlns:r="http://schemas.openxmlformats.org/officeDocument/2006/relationships" xmlns:p="http://schemas.openxmlformats.org/presentationml/2006/main" showMasterSp="0" showMasterPhAnim="0">
+  <p:cSld>
+    <p:spTree>
+      <p:nvGrpSpPr>
         <p:cNvPr id="1" name="Shape 80"/>
         <p:cNvGrpSpPr/>
         <p:nvPr/>
@@ -1522,7 +1719,7 @@
 </p:notes>
 </file>
 
-<file path=ppt/notesSlides/notesSlide7.xml><?xml version="1.0" encoding="utf-8"?>
+<file path=ppt/notesSlides/notesSlide8.xml><?xml version="1.0" encoding="utf-8"?>
 <p:notes xmlns:a="http://schemas.openxmlformats.org/drawingml/2006/main" xmlns:r="http://schemas.openxmlformats.org/officeDocument/2006/relationships" xmlns:p="http://schemas.openxmlformats.org/presentationml/2006/main" showMasterSp="0" showMasterPhAnim="0">
   <p:cSld>
     <p:spTree>
@@ -7007,7 +7204,7 @@
         </p:nvSpPr>
         <p:spPr>
           <a:xfrm>
-            <a:off x="311700" y="445025"/>
+            <a:off x="185090" y="54943"/>
             <a:ext cx="8520600" cy="572700"/>
           </a:xfrm>
           <a:prstGeom prst="rect">
@@ -7030,10 +7227,10 @@
               <a:buNone/>
             </a:pPr>
             <a:r>
-              <a:rPr lang="en"/>
+              <a:rPr lang="en" dirty="0"/>
               <a:t>Component 1 (Trello screenshot)</a:t>
             </a:r>
-            <a:endParaRPr/>
+            <a:endParaRPr dirty="0"/>
           </a:p>
         </p:txBody>
       </p:sp>
@@ -7067,6 +7264,107 @@
           </a:prstGeom>
         </p:spPr>
       </p:pic>
+      <p:pic>
+        <p:nvPicPr>
+          <p:cNvPr id="4" name="Picture 3">
+            <a:extLst>
+              <a:ext uri="{FF2B5EF4-FFF2-40B4-BE49-F238E27FC236}">
+                <a16:creationId xmlns:a16="http://schemas.microsoft.com/office/drawing/2014/main" id="{C1D7B76B-2E64-4492-913C-BBDAC82450E8}"/>
+              </a:ext>
+            </a:extLst>
+          </p:cNvPr>
+          <p:cNvPicPr>
+            <a:picLocks noChangeAspect="1"/>
+          </p:cNvPicPr>
+          <p:nvPr/>
+        </p:nvPicPr>
+        <p:blipFill>
+          <a:blip r:embed="rId4"/>
+          <a:stretch>
+            <a:fillRect/>
+          </a:stretch>
+        </p:blipFill>
+        <p:spPr>
+          <a:xfrm>
+            <a:off x="0" y="3482711"/>
+            <a:ext cx="6013938" cy="1660789"/>
+          </a:xfrm>
+          <a:prstGeom prst="rect">
+            <a:avLst/>
+          </a:prstGeom>
+        </p:spPr>
+      </p:pic>
+      <p:sp>
+        <p:nvSpPr>
+          <p:cNvPr id="5" name="TextBox 4">
+            <a:extLst>
+              <a:ext uri="{FF2B5EF4-FFF2-40B4-BE49-F238E27FC236}">
+                <a16:creationId xmlns:a16="http://schemas.microsoft.com/office/drawing/2014/main" id="{3604F375-2046-4FD9-97BB-7B2B5001660C}"/>
+              </a:ext>
+            </a:extLst>
+          </p:cNvPr>
+          <p:cNvSpPr txBox="1"/>
+          <p:nvPr/>
+        </p:nvSpPr>
+        <p:spPr>
+          <a:xfrm>
+            <a:off x="105508" y="3003452"/>
+            <a:ext cx="5908430" cy="307777"/>
+          </a:xfrm>
+          <a:prstGeom prst="rect">
+            <a:avLst/>
+          </a:prstGeom>
+          <a:noFill/>
+        </p:spPr>
+        <p:txBody>
+          <a:bodyPr wrap="square" rtlCol="0">
+            <a:spAutoFit/>
+          </a:bodyPr>
+          <a:lstStyle/>
+          <a:p>
+            <a:r>
+              <a:rPr lang="en-GB" dirty="0"/>
+              <a:t>Version 2</a:t>
+            </a:r>
+            <a:endParaRPr lang="en-NZ" dirty="0"/>
+          </a:p>
+        </p:txBody>
+      </p:sp>
+      <p:sp>
+        <p:nvSpPr>
+          <p:cNvPr id="6" name="TextBox 5">
+            <a:extLst>
+              <a:ext uri="{FF2B5EF4-FFF2-40B4-BE49-F238E27FC236}">
+                <a16:creationId xmlns:a16="http://schemas.microsoft.com/office/drawing/2014/main" id="{BBE5456E-7120-4FC9-AF8C-95A60E3A437D}"/>
+              </a:ext>
+            </a:extLst>
+          </p:cNvPr>
+          <p:cNvSpPr txBox="1"/>
+          <p:nvPr/>
+        </p:nvSpPr>
+        <p:spPr>
+          <a:xfrm>
+            <a:off x="161778" y="830211"/>
+            <a:ext cx="2630659" cy="307777"/>
+          </a:xfrm>
+          <a:prstGeom prst="rect">
+            <a:avLst/>
+          </a:prstGeom>
+          <a:noFill/>
+        </p:spPr>
+        <p:txBody>
+          <a:bodyPr wrap="square" rtlCol="0">
+            <a:spAutoFit/>
+          </a:bodyPr>
+          <a:lstStyle/>
+          <a:p>
+            <a:r>
+              <a:rPr lang="en-GB" dirty="0"/>
+              <a:t>Version 1</a:t>
+            </a:r>
+          </a:p>
+        </p:txBody>
+      </p:sp>
     </p:spTree>
   </p:cSld>
   <p:clrMapOvr>
@@ -7365,6 +7663,298 @@
 <file path=ppt/slides/slide6.xml><?xml version="1.0" encoding="utf-8"?>
 <p:sld xmlns:a="http://schemas.openxmlformats.org/drawingml/2006/main" xmlns:r="http://schemas.openxmlformats.org/officeDocument/2006/relationships" xmlns:p="http://schemas.openxmlformats.org/presentationml/2006/main">
   <p:cSld>
+    <p:spTree>
+      <p:nvGrpSpPr>
+        <p:cNvPr id="1" name="Shape 77"/>
+        <p:cNvGrpSpPr/>
+        <p:nvPr/>
+      </p:nvGrpSpPr>
+      <p:grpSpPr>
+        <a:xfrm>
+          <a:off x="0" y="0"/>
+          <a:ext cx="0" cy="0"/>
+          <a:chOff x="0" y="0"/>
+          <a:chExt cx="0" cy="0"/>
+        </a:xfrm>
+      </p:grpSpPr>
+      <p:sp>
+        <p:nvSpPr>
+          <p:cNvPr id="78" name="Google Shape;78;p17"/>
+          <p:cNvSpPr txBox="1">
+            <a:spLocks noGrp="1"/>
+          </p:cNvSpPr>
+          <p:nvPr>
+            <p:ph type="title"/>
+          </p:nvPr>
+        </p:nvSpPr>
+        <p:spPr>
+          <a:xfrm>
+            <a:off x="128819" y="246370"/>
+            <a:ext cx="8520600" cy="787605"/>
+          </a:xfrm>
+          <a:prstGeom prst="rect">
+            <a:avLst/>
+          </a:prstGeom>
+        </p:spPr>
+        <p:txBody>
+          <a:bodyPr spcFirstLastPara="1" wrap="square" lIns="91425" tIns="91425" rIns="91425" bIns="91425" anchor="t" anchorCtr="0">
+            <a:noAutofit/>
+          </a:bodyPr>
+          <a:lstStyle/>
+          <a:p>
+            <a:pPr marL="0" lvl="0" indent="0" algn="l" rtl="0">
+              <a:spcBef>
+                <a:spcPts val="0"/>
+              </a:spcBef>
+              <a:spcAft>
+                <a:spcPts val="0"/>
+              </a:spcAft>
+              <a:buNone/>
+            </a:pPr>
+            <a:r>
+              <a:rPr lang="en" dirty="0"/>
+              <a:t>Component 2 - Test Plan (?and screenshot)</a:t>
+            </a:r>
+            <a:br>
+              <a:rPr lang="en" dirty="0"/>
+            </a:br>
+            <a:endParaRPr dirty="0"/>
+          </a:p>
+        </p:txBody>
+      </p:sp>
+      <p:graphicFrame>
+        <p:nvGraphicFramePr>
+          <p:cNvPr id="79" name="Google Shape;79;p17"/>
+          <p:cNvGraphicFramePr/>
+          <p:nvPr>
+            <p:extLst>
+              <p:ext uri="{D42A27DB-BD31-4B8C-83A1-F6EECF244321}">
+                <p14:modId xmlns:p14="http://schemas.microsoft.com/office/powerpoint/2010/main" val="386250250"/>
+              </p:ext>
+            </p:extLst>
+          </p:nvPr>
+        </p:nvGraphicFramePr>
+        <p:xfrm>
+          <a:off x="311700" y="3563192"/>
+          <a:ext cx="8520600" cy="1462980"/>
+        </p:xfrm>
+        <a:graphic>
+          <a:graphicData uri="http://schemas.openxmlformats.org/drawingml/2006/table">
+            <a:tbl>
+              <a:tblPr>
+                <a:noFill/>
+                <a:tableStyleId>{E1099E06-0E6B-448D-9D27-60429F06E6F4}</a:tableStyleId>
+              </a:tblPr>
+              <a:tblGrid>
+                <a:gridCol w="4260300">
+                  <a:extLst>
+                    <a:ext uri="{9D8B030D-6E8A-4147-A177-3AD203B41FA5}">
+                      <a16:colId xmlns:a16="http://schemas.microsoft.com/office/drawing/2014/main" val="20000"/>
+                    </a:ext>
+                  </a:extLst>
+                </a:gridCol>
+                <a:gridCol w="4260300">
+                  <a:extLst>
+                    <a:ext uri="{9D8B030D-6E8A-4147-A177-3AD203B41FA5}">
+                      <a16:colId xmlns:a16="http://schemas.microsoft.com/office/drawing/2014/main" val="20001"/>
+                    </a:ext>
+                  </a:extLst>
+                </a:gridCol>
+              </a:tblGrid>
+              <a:tr h="381000">
+                <a:tc>
+                  <a:txBody>
+                    <a:bodyPr/>
+                    <a:lstStyle/>
+                    <a:p>
+                      <a:pPr marL="0" lvl="0" indent="0" algn="l" rtl="0">
+                        <a:spcBef>
+                          <a:spcPts val="0"/>
+                        </a:spcBef>
+                        <a:spcAft>
+                          <a:spcPts val="0"/>
+                        </a:spcAft>
+                        <a:buNone/>
+                      </a:pPr>
+                      <a:r>
+                        <a:rPr lang="en" sz="1800" b="1" dirty="0"/>
+                        <a:t>Test Case</a:t>
+                      </a:r>
+                      <a:endParaRPr sz="1800" b="1" dirty="0"/>
+                    </a:p>
+                  </a:txBody>
+                  <a:tcPr marL="91425" marR="91425" marT="91425" marB="91425">
+                    <a:solidFill>
+                      <a:srgbClr val="CCCCCC"/>
+                    </a:solidFill>
+                  </a:tcPr>
+                </a:tc>
+                <a:tc>
+                  <a:txBody>
+                    <a:bodyPr/>
+                    <a:lstStyle/>
+                    <a:p>
+                      <a:pPr marL="0" lvl="0" indent="0" algn="l" rtl="0">
+                        <a:spcBef>
+                          <a:spcPts val="0"/>
+                        </a:spcBef>
+                        <a:spcAft>
+                          <a:spcPts val="0"/>
+                        </a:spcAft>
+                        <a:buNone/>
+                      </a:pPr>
+                      <a:r>
+                        <a:rPr lang="en" sz="1800" b="1"/>
+                        <a:t>Expected Values</a:t>
+                      </a:r>
+                      <a:endParaRPr sz="1800" b="1"/>
+                    </a:p>
+                  </a:txBody>
+                  <a:tcPr marL="91425" marR="91425" marT="91425" marB="91425">
+                    <a:solidFill>
+                      <a:srgbClr val="CCCCCC"/>
+                    </a:solidFill>
+                  </a:tcPr>
+                </a:tc>
+                <a:extLst>
+                  <a:ext uri="{0D108BD9-81ED-4DB2-BD59-A6C34878D82A}">
+                    <a16:rowId xmlns:a16="http://schemas.microsoft.com/office/drawing/2014/main" val="10000"/>
+                  </a:ext>
+                </a:extLst>
+              </a:tr>
+              <a:tr h="396200">
+                <a:tc>
+                  <a:txBody>
+                    <a:bodyPr/>
+                    <a:lstStyle/>
+                    <a:p>
+                      <a:pPr marL="0" lvl="0" indent="0" algn="l" rtl="0">
+                        <a:spcBef>
+                          <a:spcPts val="0"/>
+                        </a:spcBef>
+                        <a:spcAft>
+                          <a:spcPts val="0"/>
+                        </a:spcAft>
+                        <a:buNone/>
+                      </a:pPr>
+                      <a:r>
+                        <a:rPr lang="en-GB" sz="1800" dirty="0"/>
+                        <a:t>Run Program</a:t>
+                      </a:r>
+                      <a:endParaRPr sz="1800" dirty="0"/>
+                    </a:p>
+                  </a:txBody>
+                  <a:tcPr marL="91425" marR="91425" marT="91425" marB="91425"/>
+                </a:tc>
+                <a:tc>
+                  <a:txBody>
+                    <a:bodyPr/>
+                    <a:lstStyle/>
+                    <a:p>
+                      <a:pPr marL="0" lvl="0" indent="0" algn="l" rtl="0">
+                        <a:spcBef>
+                          <a:spcPts val="0"/>
+                        </a:spcBef>
+                        <a:spcAft>
+                          <a:spcPts val="0"/>
+                        </a:spcAft>
+                        <a:buNone/>
+                      </a:pPr>
+                      <a:r>
+                        <a:rPr lang="en-GB" sz="1800" dirty="0"/>
+                        <a:t>Main and Welcome run correctly. Welcome message prints with random name </a:t>
+                      </a:r>
+                      <a:endParaRPr sz="1800" dirty="0"/>
+                    </a:p>
+                  </a:txBody>
+                  <a:tcPr marL="91425" marR="91425" marT="91425" marB="91425"/>
+                </a:tc>
+                <a:extLst>
+                  <a:ext uri="{0D108BD9-81ED-4DB2-BD59-A6C34878D82A}">
+                    <a16:rowId xmlns:a16="http://schemas.microsoft.com/office/drawing/2014/main" val="10001"/>
+                  </a:ext>
+                </a:extLst>
+              </a:tr>
+            </a:tbl>
+          </a:graphicData>
+        </a:graphic>
+      </p:graphicFrame>
+      <p:pic>
+        <p:nvPicPr>
+          <p:cNvPr id="4" name="Picture 3">
+            <a:extLst>
+              <a:ext uri="{FF2B5EF4-FFF2-40B4-BE49-F238E27FC236}">
+                <a16:creationId xmlns:a16="http://schemas.microsoft.com/office/drawing/2014/main" id="{5837E6CE-D17D-4045-A4BE-7EA741889E41}"/>
+              </a:ext>
+            </a:extLst>
+          </p:cNvPr>
+          <p:cNvPicPr>
+            <a:picLocks noChangeAspect="1"/>
+          </p:cNvPicPr>
+          <p:nvPr/>
+        </p:nvPicPr>
+        <p:blipFill>
+          <a:blip r:embed="rId3"/>
+          <a:stretch>
+            <a:fillRect/>
+          </a:stretch>
+        </p:blipFill>
+        <p:spPr>
+          <a:xfrm>
+            <a:off x="578985" y="957759"/>
+            <a:ext cx="3697592" cy="2605433"/>
+          </a:xfrm>
+          <a:prstGeom prst="rect">
+            <a:avLst/>
+          </a:prstGeom>
+        </p:spPr>
+      </p:pic>
+      <p:pic>
+        <p:nvPicPr>
+          <p:cNvPr id="7" name="Picture 6">
+            <a:extLst>
+              <a:ext uri="{FF2B5EF4-FFF2-40B4-BE49-F238E27FC236}">
+                <a16:creationId xmlns:a16="http://schemas.microsoft.com/office/drawing/2014/main" id="{02E8C8D6-C0BA-4533-A431-3DE050FB751A}"/>
+              </a:ext>
+            </a:extLst>
+          </p:cNvPr>
+          <p:cNvPicPr>
+            <a:picLocks noChangeAspect="1"/>
+          </p:cNvPicPr>
+          <p:nvPr/>
+        </p:nvPicPr>
+        <p:blipFill>
+          <a:blip r:embed="rId4"/>
+          <a:stretch>
+            <a:fillRect/>
+          </a:stretch>
+        </p:blipFill>
+        <p:spPr>
+          <a:xfrm>
+            <a:off x="4276577" y="2010902"/>
+            <a:ext cx="4677509" cy="499149"/>
+          </a:xfrm>
+          <a:prstGeom prst="rect">
+            <a:avLst/>
+          </a:prstGeom>
+        </p:spPr>
+      </p:pic>
+    </p:spTree>
+    <p:extLst>
+      <p:ext uri="{BB962C8B-B14F-4D97-AF65-F5344CB8AC3E}">
+        <p14:creationId xmlns:p14="http://schemas.microsoft.com/office/powerpoint/2010/main" val="1258928549"/>
+      </p:ext>
+    </p:extLst>
+  </p:cSld>
+  <p:clrMapOvr>
+    <a:masterClrMapping/>
+  </p:clrMapOvr>
+</p:sld>
+</file>
+
+<file path=ppt/slides/slide7.xml><?xml version="1.0" encoding="utf-8"?>
+<p:sld xmlns:a="http://schemas.openxmlformats.org/drawingml/2006/main" xmlns:r="http://schemas.openxmlformats.org/officeDocument/2006/relationships" xmlns:p="http://schemas.openxmlformats.org/presentationml/2006/main">
+  <p:cSld>
     <p:bg>
       <p:bgPr>
         <a:solidFill>
@@ -7479,7 +8069,7 @@
 </p:sld>
 </file>
 
-<file path=ppt/slides/slide7.xml><?xml version="1.0" encoding="utf-8"?>
+<file path=ppt/slides/slide8.xml><?xml version="1.0" encoding="utf-8"?>
 <p:sld xmlns:a="http://schemas.openxmlformats.org/drawingml/2006/main" xmlns:r="http://schemas.openxmlformats.org/officeDocument/2006/relationships" xmlns:p="http://schemas.openxmlformats.org/presentationml/2006/main">
   <p:cSld>
     <p:bg>

--- a/022_91893+_+91897+Documentation.pptx
+++ b/022_91893+_+91897+Documentation.pptx
@@ -5,7 +5,7 @@
     <p:sldMasterId id="2147483659" r:id="rId1"/>
   </p:sldMasterIdLst>
   <p:notesMasterIdLst>
-    <p:notesMasterId r:id="rId10"/>
+    <p:notesMasterId r:id="rId16"/>
   </p:notesMasterIdLst>
   <p:sldIdLst>
     <p:sldId id="256" r:id="rId2"/>
@@ -14,8 +14,14 @@
     <p:sldId id="259" r:id="rId5"/>
     <p:sldId id="260" r:id="rId6"/>
     <p:sldId id="263" r:id="rId7"/>
-    <p:sldId id="261" r:id="rId8"/>
-    <p:sldId id="262" r:id="rId9"/>
+    <p:sldId id="264" r:id="rId8"/>
+    <p:sldId id="265" r:id="rId9"/>
+    <p:sldId id="266" r:id="rId10"/>
+    <p:sldId id="267" r:id="rId11"/>
+    <p:sldId id="268" r:id="rId12"/>
+    <p:sldId id="269" r:id="rId13"/>
+    <p:sldId id="261" r:id="rId14"/>
+    <p:sldId id="262" r:id="rId15"/>
   </p:sldIdLst>
   <p:sldSz cx="9144000" cy="5143500" type="screen16x9"/>
   <p:notesSz cx="6858000" cy="9144000"/>
@@ -270,7 +276,7 @@
 <file path=ppt/revisionInfo.xml><?xml version="1.0" encoding="utf-8"?>
 <p1510:revInfo xmlns:a="http://schemas.openxmlformats.org/drawingml/2006/main" xmlns:r="http://schemas.openxmlformats.org/officeDocument/2006/relationships" xmlns:p1510="http://schemas.microsoft.com/office/powerpoint/2015/10/main">
   <p1510:revLst>
-    <p1510:client id="{AE64FCEC-2C26-418C-80E2-383765709D65}" v="6" dt="2022-02-14T00:24:55.521"/>
+    <p1510:client id="{AE64FCEC-2C26-418C-80E2-383765709D65}" v="7" dt="2022-02-15T20:16:13.941"/>
   </p1510:revLst>
 </p1510:revInfo>
 </file>
@@ -279,8 +285,8 @@
 <pc:chgInfo xmlns:a="http://schemas.openxmlformats.org/drawingml/2006/main" xmlns:r="http://schemas.openxmlformats.org/officeDocument/2006/relationships" xmlns:ac="http://schemas.microsoft.com/office/drawing/2013/main/command" xmlns:pc="http://schemas.microsoft.com/office/powerpoint/2013/main/command">
   <pc:docChgLst>
     <pc:chgData name="Sean Albertyn" userId="f499a6e059928ae0" providerId="LiveId" clId="{AE64FCEC-2C26-418C-80E2-383765709D65}"/>
-    <pc:docChg chg="undo custSel addSld modSld">
-      <pc:chgData name="Sean Albertyn" userId="f499a6e059928ae0" providerId="LiveId" clId="{AE64FCEC-2C26-418C-80E2-383765709D65}" dt="2022-02-14T00:24:59.205" v="317" actId="20577"/>
+    <pc:docChg chg="undo custSel addSld modSld sldOrd">
+      <pc:chgData name="Sean Albertyn" userId="f499a6e059928ae0" providerId="LiveId" clId="{AE64FCEC-2C26-418C-80E2-383765709D65}" dt="2022-02-18T01:37:44.816" v="1066" actId="20577"/>
       <pc:docMkLst>
         <pc:docMk/>
       </pc:docMkLst>
@@ -400,14 +406,14 @@
           </ac:picMkLst>
         </pc:picChg>
       </pc:sldChg>
-      <pc:sldChg chg="addSp delSp modSp add mod">
-        <pc:chgData name="Sean Albertyn" userId="f499a6e059928ae0" providerId="LiveId" clId="{AE64FCEC-2C26-418C-80E2-383765709D65}" dt="2022-02-14T00:21:12.026" v="290" actId="1076"/>
+      <pc:sldChg chg="addSp delSp modSp add mod ord">
+        <pc:chgData name="Sean Albertyn" userId="f499a6e059928ae0" providerId="LiveId" clId="{AE64FCEC-2C26-418C-80E2-383765709D65}" dt="2022-02-15T20:11:10.393" v="351"/>
         <pc:sldMkLst>
           <pc:docMk/>
           <pc:sldMk cId="1258928549" sldId="263"/>
         </pc:sldMkLst>
         <pc:spChg chg="mod">
-          <ac:chgData name="Sean Albertyn" userId="f499a6e059928ae0" providerId="LiveId" clId="{AE64FCEC-2C26-418C-80E2-383765709D65}" dt="2022-02-14T00:20:17.768" v="153" actId="14100"/>
+          <ac:chgData name="Sean Albertyn" userId="f499a6e059928ae0" providerId="LiveId" clId="{AE64FCEC-2C26-418C-80E2-383765709D65}" dt="2022-02-15T20:10:56.996" v="349" actId="1076"/>
           <ac:spMkLst>
             <pc:docMk/>
             <pc:sldMk cId="1258928549" sldId="263"/>
@@ -452,6 +458,320 @@
             <pc:docMk/>
             <pc:sldMk cId="1258928549" sldId="263"/>
             <ac:picMk id="7" creationId="{02E8C8D6-C0BA-4533-A431-3DE050FB751A}"/>
+          </ac:picMkLst>
+        </pc:picChg>
+      </pc:sldChg>
+      <pc:sldChg chg="addSp delSp modSp add mod ord">
+        <pc:chgData name="Sean Albertyn" userId="f499a6e059928ae0" providerId="LiveId" clId="{AE64FCEC-2C26-418C-80E2-383765709D65}" dt="2022-02-15T20:09:48.970" v="328"/>
+        <pc:sldMkLst>
+          <pc:docMk/>
+          <pc:sldMk cId="618949734" sldId="264"/>
+        </pc:sldMkLst>
+        <pc:spChg chg="mod">
+          <ac:chgData name="Sean Albertyn" userId="f499a6e059928ae0" providerId="LiveId" clId="{AE64FCEC-2C26-418C-80E2-383765709D65}" dt="2022-02-15T20:09:25.948" v="320" actId="20577"/>
+          <ac:spMkLst>
+            <pc:docMk/>
+            <pc:sldMk cId="618949734" sldId="264"/>
+            <ac:spMk id="73" creationId="{00000000-0000-0000-0000-000000000000}"/>
+          </ac:spMkLst>
+        </pc:spChg>
+        <pc:picChg chg="del">
+          <ac:chgData name="Sean Albertyn" userId="f499a6e059928ae0" providerId="LiveId" clId="{AE64FCEC-2C26-418C-80E2-383765709D65}" dt="2022-02-15T20:09:27.679" v="321" actId="478"/>
+          <ac:picMkLst>
+            <pc:docMk/>
+            <pc:sldMk cId="618949734" sldId="264"/>
+            <ac:picMk id="3" creationId="{1A910F03-6A26-4AF1-8A56-03A86AF638FA}"/>
+          </ac:picMkLst>
+        </pc:picChg>
+        <pc:picChg chg="del">
+          <ac:chgData name="Sean Albertyn" userId="f499a6e059928ae0" providerId="LiveId" clId="{AE64FCEC-2C26-418C-80E2-383765709D65}" dt="2022-02-15T20:09:28.315" v="322" actId="478"/>
+          <ac:picMkLst>
+            <pc:docMk/>
+            <pc:sldMk cId="618949734" sldId="264"/>
+            <ac:picMk id="4" creationId="{C1D7B76B-2E64-4492-913C-BBDAC82450E8}"/>
+          </ac:picMkLst>
+        </pc:picChg>
+        <pc:picChg chg="add mod">
+          <ac:chgData name="Sean Albertyn" userId="f499a6e059928ae0" providerId="LiveId" clId="{AE64FCEC-2C26-418C-80E2-383765709D65}" dt="2022-02-15T20:09:32.016" v="324" actId="1076"/>
+          <ac:picMkLst>
+            <pc:docMk/>
+            <pc:sldMk cId="618949734" sldId="264"/>
+            <ac:picMk id="7" creationId="{0B19969F-F206-474A-9896-5FC7182938E9}"/>
+          </ac:picMkLst>
+        </pc:picChg>
+      </pc:sldChg>
+      <pc:sldChg chg="addSp delSp modSp add mod ord">
+        <pc:chgData name="Sean Albertyn" userId="f499a6e059928ae0" providerId="LiveId" clId="{AE64FCEC-2C26-418C-80E2-383765709D65}" dt="2022-02-15T20:13:56.962" v="490" actId="14100"/>
+        <pc:sldMkLst>
+          <pc:docMk/>
+          <pc:sldMk cId="1350725316" sldId="265"/>
+        </pc:sldMkLst>
+        <pc:spChg chg="mod">
+          <ac:chgData name="Sean Albertyn" userId="f499a6e059928ae0" providerId="LiveId" clId="{AE64FCEC-2C26-418C-80E2-383765709D65}" dt="2022-02-15T20:11:31.190" v="356" actId="20577"/>
+          <ac:spMkLst>
+            <pc:docMk/>
+            <pc:sldMk cId="1350725316" sldId="265"/>
+            <ac:spMk id="78" creationId="{00000000-0000-0000-0000-000000000000}"/>
+          </ac:spMkLst>
+        </pc:spChg>
+        <pc:graphicFrameChg chg="mod modGraphic">
+          <ac:chgData name="Sean Albertyn" userId="f499a6e059928ae0" providerId="LiveId" clId="{AE64FCEC-2C26-418C-80E2-383765709D65}" dt="2022-02-15T20:12:30.272" v="483" actId="1076"/>
+          <ac:graphicFrameMkLst>
+            <pc:docMk/>
+            <pc:sldMk cId="1350725316" sldId="265"/>
+            <ac:graphicFrameMk id="79" creationId="{00000000-0000-0000-0000-000000000000}"/>
+          </ac:graphicFrameMkLst>
+        </pc:graphicFrameChg>
+        <pc:picChg chg="del">
+          <ac:chgData name="Sean Albertyn" userId="f499a6e059928ae0" providerId="LiveId" clId="{AE64FCEC-2C26-418C-80E2-383765709D65}" dt="2022-02-15T20:11:32.622" v="357" actId="478"/>
+          <ac:picMkLst>
+            <pc:docMk/>
+            <pc:sldMk cId="1350725316" sldId="265"/>
+            <ac:picMk id="3" creationId="{E5C89010-92EE-4BD1-895D-3FDB2D757E2E}"/>
+          </ac:picMkLst>
+        </pc:picChg>
+        <pc:picChg chg="add mod">
+          <ac:chgData name="Sean Albertyn" userId="f499a6e059928ae0" providerId="LiveId" clId="{AE64FCEC-2C26-418C-80E2-383765709D65}" dt="2022-02-15T20:13:21.321" v="486" actId="1076"/>
+          <ac:picMkLst>
+            <pc:docMk/>
+            <pc:sldMk cId="1350725316" sldId="265"/>
+            <ac:picMk id="4" creationId="{200C8786-237C-4132-9A5A-4A623E019802}"/>
+          </ac:picMkLst>
+        </pc:picChg>
+        <pc:picChg chg="del">
+          <ac:chgData name="Sean Albertyn" userId="f499a6e059928ae0" providerId="LiveId" clId="{AE64FCEC-2C26-418C-80E2-383765709D65}" dt="2022-02-15T20:11:33.171" v="358" actId="478"/>
+          <ac:picMkLst>
+            <pc:docMk/>
+            <pc:sldMk cId="1350725316" sldId="265"/>
+            <ac:picMk id="5" creationId="{4D5852D8-4D00-41D8-AEF4-666CB79796DB}"/>
+          </ac:picMkLst>
+        </pc:picChg>
+        <pc:picChg chg="add mod">
+          <ac:chgData name="Sean Albertyn" userId="f499a6e059928ae0" providerId="LiveId" clId="{AE64FCEC-2C26-418C-80E2-383765709D65}" dt="2022-02-15T20:13:56.962" v="490" actId="14100"/>
+          <ac:picMkLst>
+            <pc:docMk/>
+            <pc:sldMk cId="1350725316" sldId="265"/>
+            <ac:picMk id="7" creationId="{7B37B3E9-0663-472C-8388-E3A0879AE8F4}"/>
+          </ac:picMkLst>
+        </pc:picChg>
+      </pc:sldChg>
+      <pc:sldChg chg="addSp delSp modSp add mod">
+        <pc:chgData name="Sean Albertyn" userId="f499a6e059928ae0" providerId="LiveId" clId="{AE64FCEC-2C26-418C-80E2-383765709D65}" dt="2022-02-15T20:16:28.253" v="721" actId="1076"/>
+        <pc:sldMkLst>
+          <pc:docMk/>
+          <pc:sldMk cId="3150406373" sldId="266"/>
+        </pc:sldMkLst>
+        <pc:spChg chg="mod">
+          <ac:chgData name="Sean Albertyn" userId="f499a6e059928ae0" providerId="LiveId" clId="{AE64FCEC-2C26-418C-80E2-383765709D65}" dt="2022-02-15T20:14:27.970" v="502" actId="1076"/>
+          <ac:spMkLst>
+            <pc:docMk/>
+            <pc:sldMk cId="3150406373" sldId="266"/>
+            <ac:spMk id="78" creationId="{00000000-0000-0000-0000-000000000000}"/>
+          </ac:spMkLst>
+        </pc:spChg>
+        <pc:graphicFrameChg chg="mod modGraphic">
+          <ac:chgData name="Sean Albertyn" userId="f499a6e059928ae0" providerId="LiveId" clId="{AE64FCEC-2C26-418C-80E2-383765709D65}" dt="2022-02-15T20:16:25.193" v="720" actId="20577"/>
+          <ac:graphicFrameMkLst>
+            <pc:docMk/>
+            <pc:sldMk cId="3150406373" sldId="266"/>
+            <ac:graphicFrameMk id="79" creationId="{00000000-0000-0000-0000-000000000000}"/>
+          </ac:graphicFrameMkLst>
+        </pc:graphicFrameChg>
+        <pc:picChg chg="add mod">
+          <ac:chgData name="Sean Albertyn" userId="f499a6e059928ae0" providerId="LiveId" clId="{AE64FCEC-2C26-418C-80E2-383765709D65}" dt="2022-02-15T20:16:28.253" v="721" actId="1076"/>
+          <ac:picMkLst>
+            <pc:docMk/>
+            <pc:sldMk cId="3150406373" sldId="266"/>
+            <ac:picMk id="3" creationId="{45AC4A6D-070B-4567-8E4D-C87B2F450E86}"/>
+          </ac:picMkLst>
+        </pc:picChg>
+        <pc:picChg chg="del">
+          <ac:chgData name="Sean Albertyn" userId="f499a6e059928ae0" providerId="LiveId" clId="{AE64FCEC-2C26-418C-80E2-383765709D65}" dt="2022-02-15T20:14:29.141" v="503" actId="478"/>
+          <ac:picMkLst>
+            <pc:docMk/>
+            <pc:sldMk cId="3150406373" sldId="266"/>
+            <ac:picMk id="4" creationId="{200C8786-237C-4132-9A5A-4A623E019802}"/>
+          </ac:picMkLst>
+        </pc:picChg>
+        <pc:picChg chg="add mod">
+          <ac:chgData name="Sean Albertyn" userId="f499a6e059928ae0" providerId="LiveId" clId="{AE64FCEC-2C26-418C-80E2-383765709D65}" dt="2022-02-15T20:15:30.407" v="513" actId="1076"/>
+          <ac:picMkLst>
+            <pc:docMk/>
+            <pc:sldMk cId="3150406373" sldId="266"/>
+            <ac:picMk id="6" creationId="{8544C780-D657-4E81-BAA7-2C45A2FCC60B}"/>
+          </ac:picMkLst>
+        </pc:picChg>
+        <pc:picChg chg="del">
+          <ac:chgData name="Sean Albertyn" userId="f499a6e059928ae0" providerId="LiveId" clId="{AE64FCEC-2C26-418C-80E2-383765709D65}" dt="2022-02-15T20:14:29.564" v="504" actId="478"/>
+          <ac:picMkLst>
+            <pc:docMk/>
+            <pc:sldMk cId="3150406373" sldId="266"/>
+            <ac:picMk id="7" creationId="{7B37B3E9-0663-472C-8388-E3A0879AE8F4}"/>
+          </ac:picMkLst>
+        </pc:picChg>
+      </pc:sldChg>
+      <pc:sldChg chg="addSp delSp modSp add mod">
+        <pc:chgData name="Sean Albertyn" userId="f499a6e059928ae0" providerId="LiveId" clId="{AE64FCEC-2C26-418C-80E2-383765709D65}" dt="2022-02-15T20:34:19.104" v="785" actId="20577"/>
+        <pc:sldMkLst>
+          <pc:docMk/>
+          <pc:sldMk cId="2510574012" sldId="267"/>
+        </pc:sldMkLst>
+        <pc:spChg chg="mod">
+          <ac:chgData name="Sean Albertyn" userId="f499a6e059928ae0" providerId="LiveId" clId="{AE64FCEC-2C26-418C-80E2-383765709D65}" dt="2022-02-15T20:33:11.296" v="724" actId="20577"/>
+          <ac:spMkLst>
+            <pc:docMk/>
+            <pc:sldMk cId="2510574012" sldId="267"/>
+            <ac:spMk id="78" creationId="{00000000-0000-0000-0000-000000000000}"/>
+          </ac:spMkLst>
+        </pc:spChg>
+        <pc:graphicFrameChg chg="modGraphic">
+          <ac:chgData name="Sean Albertyn" userId="f499a6e059928ae0" providerId="LiveId" clId="{AE64FCEC-2C26-418C-80E2-383765709D65}" dt="2022-02-15T20:34:19.104" v="785" actId="20577"/>
+          <ac:graphicFrameMkLst>
+            <pc:docMk/>
+            <pc:sldMk cId="2510574012" sldId="267"/>
+            <ac:graphicFrameMk id="79" creationId="{00000000-0000-0000-0000-000000000000}"/>
+          </ac:graphicFrameMkLst>
+        </pc:graphicFrameChg>
+        <pc:picChg chg="del">
+          <ac:chgData name="Sean Albertyn" userId="f499a6e059928ae0" providerId="LiveId" clId="{AE64FCEC-2C26-418C-80E2-383765709D65}" dt="2022-02-15T20:33:13.107" v="725" actId="478"/>
+          <ac:picMkLst>
+            <pc:docMk/>
+            <pc:sldMk cId="2510574012" sldId="267"/>
+            <ac:picMk id="3" creationId="{45AC4A6D-070B-4567-8E4D-C87B2F450E86}"/>
+          </ac:picMkLst>
+        </pc:picChg>
+        <pc:picChg chg="add mod">
+          <ac:chgData name="Sean Albertyn" userId="f499a6e059928ae0" providerId="LiveId" clId="{AE64FCEC-2C26-418C-80E2-383765709D65}" dt="2022-02-15T20:33:36.023" v="731" actId="1076"/>
+          <ac:picMkLst>
+            <pc:docMk/>
+            <pc:sldMk cId="2510574012" sldId="267"/>
+            <ac:picMk id="4" creationId="{116BADDC-FBEF-47C4-9C40-90E590C4C9CD}"/>
+          </ac:picMkLst>
+        </pc:picChg>
+        <pc:picChg chg="del">
+          <ac:chgData name="Sean Albertyn" userId="f499a6e059928ae0" providerId="LiveId" clId="{AE64FCEC-2C26-418C-80E2-383765709D65}" dt="2022-02-15T20:33:13.498" v="726" actId="478"/>
+          <ac:picMkLst>
+            <pc:docMk/>
+            <pc:sldMk cId="2510574012" sldId="267"/>
+            <ac:picMk id="6" creationId="{8544C780-D657-4E81-BAA7-2C45A2FCC60B}"/>
+          </ac:picMkLst>
+        </pc:picChg>
+        <pc:picChg chg="add mod">
+          <ac:chgData name="Sean Albertyn" userId="f499a6e059928ae0" providerId="LiveId" clId="{AE64FCEC-2C26-418C-80E2-383765709D65}" dt="2022-02-15T20:33:58.300" v="735" actId="14100"/>
+          <ac:picMkLst>
+            <pc:docMk/>
+            <pc:sldMk cId="2510574012" sldId="267"/>
+            <ac:picMk id="7" creationId="{B7E41895-E44D-468B-B113-E4D7DE0D6D48}"/>
+          </ac:picMkLst>
+        </pc:picChg>
+      </pc:sldChg>
+      <pc:sldChg chg="addSp delSp modSp add mod">
+        <pc:chgData name="Sean Albertyn" userId="f499a6e059928ae0" providerId="LiveId" clId="{AE64FCEC-2C26-418C-80E2-383765709D65}" dt="2022-02-15T21:00:04.409" v="958" actId="1076"/>
+        <pc:sldMkLst>
+          <pc:docMk/>
+          <pc:sldMk cId="3807352144" sldId="268"/>
+        </pc:sldMkLst>
+        <pc:spChg chg="mod">
+          <ac:chgData name="Sean Albertyn" userId="f499a6e059928ae0" providerId="LiveId" clId="{AE64FCEC-2C26-418C-80E2-383765709D65}" dt="2022-02-15T20:34:28.306" v="788" actId="20577"/>
+          <ac:spMkLst>
+            <pc:docMk/>
+            <pc:sldMk cId="3807352144" sldId="268"/>
+            <ac:spMk id="78" creationId="{00000000-0000-0000-0000-000000000000}"/>
+          </ac:spMkLst>
+        </pc:spChg>
+        <pc:graphicFrameChg chg="mod modGraphic">
+          <ac:chgData name="Sean Albertyn" userId="f499a6e059928ae0" providerId="LiveId" clId="{AE64FCEC-2C26-418C-80E2-383765709D65}" dt="2022-02-15T21:00:04.409" v="958" actId="1076"/>
+          <ac:graphicFrameMkLst>
+            <pc:docMk/>
+            <pc:sldMk cId="3807352144" sldId="268"/>
+            <ac:graphicFrameMk id="79" creationId="{00000000-0000-0000-0000-000000000000}"/>
+          </ac:graphicFrameMkLst>
+        </pc:graphicFrameChg>
+        <pc:picChg chg="add mod">
+          <ac:chgData name="Sean Albertyn" userId="f499a6e059928ae0" providerId="LiveId" clId="{AE64FCEC-2C26-418C-80E2-383765709D65}" dt="2022-02-15T20:58:06.224" v="799" actId="1076"/>
+          <ac:picMkLst>
+            <pc:docMk/>
+            <pc:sldMk cId="3807352144" sldId="268"/>
+            <ac:picMk id="3" creationId="{D45969E3-10A9-4567-8296-7F9FA6C68FB1}"/>
+          </ac:picMkLst>
+        </pc:picChg>
+        <pc:picChg chg="del mod">
+          <ac:chgData name="Sean Albertyn" userId="f499a6e059928ae0" providerId="LiveId" clId="{AE64FCEC-2C26-418C-80E2-383765709D65}" dt="2022-02-15T20:34:29.959" v="790" actId="478"/>
+          <ac:picMkLst>
+            <pc:docMk/>
+            <pc:sldMk cId="3807352144" sldId="268"/>
+            <ac:picMk id="4" creationId="{116BADDC-FBEF-47C4-9C40-90E590C4C9CD}"/>
+          </ac:picMkLst>
+        </pc:picChg>
+        <pc:picChg chg="add mod">
+          <ac:chgData name="Sean Albertyn" userId="f499a6e059928ae0" providerId="LiveId" clId="{AE64FCEC-2C26-418C-80E2-383765709D65}" dt="2022-02-15T20:58:05.062" v="798" actId="1076"/>
+          <ac:picMkLst>
+            <pc:docMk/>
+            <pc:sldMk cId="3807352144" sldId="268"/>
+            <ac:picMk id="6" creationId="{7989276F-B83C-43F5-BD98-B222CF4642EA}"/>
+          </ac:picMkLst>
+        </pc:picChg>
+        <pc:picChg chg="del">
+          <ac:chgData name="Sean Albertyn" userId="f499a6e059928ae0" providerId="LiveId" clId="{AE64FCEC-2C26-418C-80E2-383765709D65}" dt="2022-02-15T20:34:30.388" v="791" actId="478"/>
+          <ac:picMkLst>
+            <pc:docMk/>
+            <pc:sldMk cId="3807352144" sldId="268"/>
+            <ac:picMk id="7" creationId="{B7E41895-E44D-468B-B113-E4D7DE0D6D48}"/>
+          </ac:picMkLst>
+        </pc:picChg>
+      </pc:sldChg>
+      <pc:sldChg chg="addSp delSp modSp add mod">
+        <pc:chgData name="Sean Albertyn" userId="f499a6e059928ae0" providerId="LiveId" clId="{AE64FCEC-2C26-418C-80E2-383765709D65}" dt="2022-02-18T01:37:44.816" v="1066" actId="20577"/>
+        <pc:sldMkLst>
+          <pc:docMk/>
+          <pc:sldMk cId="2147607838" sldId="269"/>
+        </pc:sldMkLst>
+        <pc:spChg chg="mod">
+          <ac:chgData name="Sean Albertyn" userId="f499a6e059928ae0" providerId="LiveId" clId="{AE64FCEC-2C26-418C-80E2-383765709D65}" dt="2022-02-18T01:20:11.113" v="961" actId="20577"/>
+          <ac:spMkLst>
+            <pc:docMk/>
+            <pc:sldMk cId="2147607838" sldId="269"/>
+            <ac:spMk id="78" creationId="{00000000-0000-0000-0000-000000000000}"/>
+          </ac:spMkLst>
+        </pc:spChg>
+        <pc:graphicFrameChg chg="modGraphic">
+          <ac:chgData name="Sean Albertyn" userId="f499a6e059928ae0" providerId="LiveId" clId="{AE64FCEC-2C26-418C-80E2-383765709D65}" dt="2022-02-18T01:37:44.816" v="1066" actId="20577"/>
+          <ac:graphicFrameMkLst>
+            <pc:docMk/>
+            <pc:sldMk cId="2147607838" sldId="269"/>
+            <ac:graphicFrameMk id="79" creationId="{00000000-0000-0000-0000-000000000000}"/>
+          </ac:graphicFrameMkLst>
+        </pc:graphicFrameChg>
+        <pc:picChg chg="del">
+          <ac:chgData name="Sean Albertyn" userId="f499a6e059928ae0" providerId="LiveId" clId="{AE64FCEC-2C26-418C-80E2-383765709D65}" dt="2022-02-18T01:20:12.134" v="962" actId="478"/>
+          <ac:picMkLst>
+            <pc:docMk/>
+            <pc:sldMk cId="2147607838" sldId="269"/>
+            <ac:picMk id="3" creationId="{D45969E3-10A9-4567-8296-7F9FA6C68FB1}"/>
+          </ac:picMkLst>
+        </pc:picChg>
+        <pc:picChg chg="add mod">
+          <ac:chgData name="Sean Albertyn" userId="f499a6e059928ae0" providerId="LiveId" clId="{AE64FCEC-2C26-418C-80E2-383765709D65}" dt="2022-02-18T01:34:38.815" v="968" actId="1076"/>
+          <ac:picMkLst>
+            <pc:docMk/>
+            <pc:sldMk cId="2147607838" sldId="269"/>
+            <ac:picMk id="4" creationId="{04433B80-6AE1-4F35-91D8-122159C09872}"/>
+          </ac:picMkLst>
+        </pc:picChg>
+        <pc:picChg chg="del">
+          <ac:chgData name="Sean Albertyn" userId="f499a6e059928ae0" providerId="LiveId" clId="{AE64FCEC-2C26-418C-80E2-383765709D65}" dt="2022-02-18T01:20:12.478" v="963" actId="478"/>
+          <ac:picMkLst>
+            <pc:docMk/>
+            <pc:sldMk cId="2147607838" sldId="269"/>
+            <ac:picMk id="6" creationId="{7989276F-B83C-43F5-BD98-B222CF4642EA}"/>
+          </ac:picMkLst>
+        </pc:picChg>
+        <pc:picChg chg="add mod">
+          <ac:chgData name="Sean Albertyn" userId="f499a6e059928ae0" providerId="LiveId" clId="{AE64FCEC-2C26-418C-80E2-383765709D65}" dt="2022-02-18T01:35:24.132" v="973" actId="1076"/>
+          <ac:picMkLst>
+            <pc:docMk/>
+            <pc:sldMk cId="2147607838" sldId="269"/>
+            <ac:picMk id="7" creationId="{3C59C378-FDD6-4170-8C56-9CC2C5278602}"/>
           </ac:picMkLst>
         </pc:picChg>
       </pc:sldChg>
@@ -1044,6 +1364,566 @@
 </p:notes>
 </file>
 
+<file path=ppt/notesSlides/notesSlide10.xml><?xml version="1.0" encoding="utf-8"?>
+<p:notes xmlns:a="http://schemas.openxmlformats.org/drawingml/2006/main" xmlns:r="http://schemas.openxmlformats.org/officeDocument/2006/relationships" xmlns:p="http://schemas.openxmlformats.org/presentationml/2006/main" showMasterSp="0" showMasterPhAnim="0">
+  <p:cSld>
+    <p:spTree>
+      <p:nvGrpSpPr>
+        <p:cNvPr id="1" name="Shape 74"/>
+        <p:cNvGrpSpPr/>
+        <p:nvPr/>
+      </p:nvGrpSpPr>
+      <p:grpSpPr>
+        <a:xfrm>
+          <a:off x="0" y="0"/>
+          <a:ext cx="0" cy="0"/>
+          <a:chOff x="0" y="0"/>
+          <a:chExt cx="0" cy="0"/>
+        </a:xfrm>
+      </p:grpSpPr>
+      <p:sp>
+        <p:nvSpPr>
+          <p:cNvPr id="75" name="Google Shape;75;gac10fef634_0_20:notes"/>
+          <p:cNvSpPr>
+            <a:spLocks noGrp="1" noRot="1" noChangeAspect="1"/>
+          </p:cNvSpPr>
+          <p:nvPr>
+            <p:ph type="sldImg" idx="2"/>
+          </p:nvPr>
+        </p:nvSpPr>
+        <p:spPr>
+          <a:xfrm>
+            <a:off x="381000" y="685800"/>
+            <a:ext cx="6096000" cy="3429000"/>
+          </a:xfrm>
+          <a:custGeom>
+            <a:avLst/>
+            <a:gdLst/>
+            <a:ahLst/>
+            <a:cxnLst/>
+            <a:rect l="l" t="t" r="r" b="b"/>
+            <a:pathLst>
+              <a:path w="120000" h="120000" extrusionOk="0">
+                <a:moveTo>
+                  <a:pt x="0" y="0"/>
+                </a:moveTo>
+                <a:lnTo>
+                  <a:pt x="120000" y="0"/>
+                </a:lnTo>
+                <a:lnTo>
+                  <a:pt x="120000" y="120000"/>
+                </a:lnTo>
+                <a:lnTo>
+                  <a:pt x="0" y="120000"/>
+                </a:lnTo>
+                <a:close/>
+              </a:path>
+            </a:pathLst>
+          </a:custGeom>
+        </p:spPr>
+      </p:sp>
+      <p:sp>
+        <p:nvSpPr>
+          <p:cNvPr id="76" name="Google Shape;76;gac10fef634_0_20:notes"/>
+          <p:cNvSpPr txBox="1">
+            <a:spLocks noGrp="1"/>
+          </p:cNvSpPr>
+          <p:nvPr>
+            <p:ph type="body" idx="1"/>
+          </p:nvPr>
+        </p:nvSpPr>
+        <p:spPr>
+          <a:xfrm>
+            <a:off x="685800" y="4343400"/>
+            <a:ext cx="5486400" cy="4114800"/>
+          </a:xfrm>
+          <a:prstGeom prst="rect">
+            <a:avLst/>
+          </a:prstGeom>
+        </p:spPr>
+        <p:txBody>
+          <a:bodyPr spcFirstLastPara="1" wrap="square" lIns="91425" tIns="91425" rIns="91425" bIns="91425" anchor="t" anchorCtr="0">
+            <a:noAutofit/>
+          </a:bodyPr>
+          <a:lstStyle/>
+          <a:p>
+            <a:pPr marL="0" lvl="0" indent="0" algn="l" rtl="0">
+              <a:spcBef>
+                <a:spcPts val="0"/>
+              </a:spcBef>
+              <a:spcAft>
+                <a:spcPts val="0"/>
+              </a:spcAft>
+              <a:buNone/>
+            </a:pPr>
+            <a:endParaRPr/>
+          </a:p>
+        </p:txBody>
+      </p:sp>
+    </p:spTree>
+    <p:extLst>
+      <p:ext uri="{BB962C8B-B14F-4D97-AF65-F5344CB8AC3E}">
+        <p14:creationId xmlns:p14="http://schemas.microsoft.com/office/powerpoint/2010/main" val="599820591"/>
+      </p:ext>
+    </p:extLst>
+  </p:cSld>
+  <p:clrMapOvr>
+    <a:masterClrMapping/>
+  </p:clrMapOvr>
+</p:notes>
+</file>
+
+<file path=ppt/notesSlides/notesSlide11.xml><?xml version="1.0" encoding="utf-8"?>
+<p:notes xmlns:a="http://schemas.openxmlformats.org/drawingml/2006/main" xmlns:r="http://schemas.openxmlformats.org/officeDocument/2006/relationships" xmlns:p="http://schemas.openxmlformats.org/presentationml/2006/main" showMasterSp="0" showMasterPhAnim="0">
+  <p:cSld>
+    <p:spTree>
+      <p:nvGrpSpPr>
+        <p:cNvPr id="1" name="Shape 74"/>
+        <p:cNvGrpSpPr/>
+        <p:nvPr/>
+      </p:nvGrpSpPr>
+      <p:grpSpPr>
+        <a:xfrm>
+          <a:off x="0" y="0"/>
+          <a:ext cx="0" cy="0"/>
+          <a:chOff x="0" y="0"/>
+          <a:chExt cx="0" cy="0"/>
+        </a:xfrm>
+      </p:grpSpPr>
+      <p:sp>
+        <p:nvSpPr>
+          <p:cNvPr id="75" name="Google Shape;75;gac10fef634_0_20:notes"/>
+          <p:cNvSpPr>
+            <a:spLocks noGrp="1" noRot="1" noChangeAspect="1"/>
+          </p:cNvSpPr>
+          <p:nvPr>
+            <p:ph type="sldImg" idx="2"/>
+          </p:nvPr>
+        </p:nvSpPr>
+        <p:spPr>
+          <a:xfrm>
+            <a:off x="381000" y="685800"/>
+            <a:ext cx="6096000" cy="3429000"/>
+          </a:xfrm>
+          <a:custGeom>
+            <a:avLst/>
+            <a:gdLst/>
+            <a:ahLst/>
+            <a:cxnLst/>
+            <a:rect l="l" t="t" r="r" b="b"/>
+            <a:pathLst>
+              <a:path w="120000" h="120000" extrusionOk="0">
+                <a:moveTo>
+                  <a:pt x="0" y="0"/>
+                </a:moveTo>
+                <a:lnTo>
+                  <a:pt x="120000" y="0"/>
+                </a:lnTo>
+                <a:lnTo>
+                  <a:pt x="120000" y="120000"/>
+                </a:lnTo>
+                <a:lnTo>
+                  <a:pt x="0" y="120000"/>
+                </a:lnTo>
+                <a:close/>
+              </a:path>
+            </a:pathLst>
+          </a:custGeom>
+        </p:spPr>
+      </p:sp>
+      <p:sp>
+        <p:nvSpPr>
+          <p:cNvPr id="76" name="Google Shape;76;gac10fef634_0_20:notes"/>
+          <p:cNvSpPr txBox="1">
+            <a:spLocks noGrp="1"/>
+          </p:cNvSpPr>
+          <p:nvPr>
+            <p:ph type="body" idx="1"/>
+          </p:nvPr>
+        </p:nvSpPr>
+        <p:spPr>
+          <a:xfrm>
+            <a:off x="685800" y="4343400"/>
+            <a:ext cx="5486400" cy="4114800"/>
+          </a:xfrm>
+          <a:prstGeom prst="rect">
+            <a:avLst/>
+          </a:prstGeom>
+        </p:spPr>
+        <p:txBody>
+          <a:bodyPr spcFirstLastPara="1" wrap="square" lIns="91425" tIns="91425" rIns="91425" bIns="91425" anchor="t" anchorCtr="0">
+            <a:noAutofit/>
+          </a:bodyPr>
+          <a:lstStyle/>
+          <a:p>
+            <a:pPr marL="0" lvl="0" indent="0" algn="l" rtl="0">
+              <a:spcBef>
+                <a:spcPts val="0"/>
+              </a:spcBef>
+              <a:spcAft>
+                <a:spcPts val="0"/>
+              </a:spcAft>
+              <a:buNone/>
+            </a:pPr>
+            <a:endParaRPr/>
+          </a:p>
+        </p:txBody>
+      </p:sp>
+    </p:spTree>
+    <p:extLst>
+      <p:ext uri="{BB962C8B-B14F-4D97-AF65-F5344CB8AC3E}">
+        <p14:creationId xmlns:p14="http://schemas.microsoft.com/office/powerpoint/2010/main" val="2389826428"/>
+      </p:ext>
+    </p:extLst>
+  </p:cSld>
+  <p:clrMapOvr>
+    <a:masterClrMapping/>
+  </p:clrMapOvr>
+</p:notes>
+</file>
+
+<file path=ppt/notesSlides/notesSlide12.xml><?xml version="1.0" encoding="utf-8"?>
+<p:notes xmlns:a="http://schemas.openxmlformats.org/drawingml/2006/main" xmlns:r="http://schemas.openxmlformats.org/officeDocument/2006/relationships" xmlns:p="http://schemas.openxmlformats.org/presentationml/2006/main" showMasterSp="0" showMasterPhAnim="0">
+  <p:cSld>
+    <p:spTree>
+      <p:nvGrpSpPr>
+        <p:cNvPr id="1" name="Shape 74"/>
+        <p:cNvGrpSpPr/>
+        <p:nvPr/>
+      </p:nvGrpSpPr>
+      <p:grpSpPr>
+        <a:xfrm>
+          <a:off x="0" y="0"/>
+          <a:ext cx="0" cy="0"/>
+          <a:chOff x="0" y="0"/>
+          <a:chExt cx="0" cy="0"/>
+        </a:xfrm>
+      </p:grpSpPr>
+      <p:sp>
+        <p:nvSpPr>
+          <p:cNvPr id="75" name="Google Shape;75;gac10fef634_0_20:notes"/>
+          <p:cNvSpPr>
+            <a:spLocks noGrp="1" noRot="1" noChangeAspect="1"/>
+          </p:cNvSpPr>
+          <p:nvPr>
+            <p:ph type="sldImg" idx="2"/>
+          </p:nvPr>
+        </p:nvSpPr>
+        <p:spPr>
+          <a:xfrm>
+            <a:off x="381000" y="685800"/>
+            <a:ext cx="6096000" cy="3429000"/>
+          </a:xfrm>
+          <a:custGeom>
+            <a:avLst/>
+            <a:gdLst/>
+            <a:ahLst/>
+            <a:cxnLst/>
+            <a:rect l="l" t="t" r="r" b="b"/>
+            <a:pathLst>
+              <a:path w="120000" h="120000" extrusionOk="0">
+                <a:moveTo>
+                  <a:pt x="0" y="0"/>
+                </a:moveTo>
+                <a:lnTo>
+                  <a:pt x="120000" y="0"/>
+                </a:lnTo>
+                <a:lnTo>
+                  <a:pt x="120000" y="120000"/>
+                </a:lnTo>
+                <a:lnTo>
+                  <a:pt x="0" y="120000"/>
+                </a:lnTo>
+                <a:close/>
+              </a:path>
+            </a:pathLst>
+          </a:custGeom>
+        </p:spPr>
+      </p:sp>
+      <p:sp>
+        <p:nvSpPr>
+          <p:cNvPr id="76" name="Google Shape;76;gac10fef634_0_20:notes"/>
+          <p:cNvSpPr txBox="1">
+            <a:spLocks noGrp="1"/>
+          </p:cNvSpPr>
+          <p:nvPr>
+            <p:ph type="body" idx="1"/>
+          </p:nvPr>
+        </p:nvSpPr>
+        <p:spPr>
+          <a:xfrm>
+            <a:off x="685800" y="4343400"/>
+            <a:ext cx="5486400" cy="4114800"/>
+          </a:xfrm>
+          <a:prstGeom prst="rect">
+            <a:avLst/>
+          </a:prstGeom>
+        </p:spPr>
+        <p:txBody>
+          <a:bodyPr spcFirstLastPara="1" wrap="square" lIns="91425" tIns="91425" rIns="91425" bIns="91425" anchor="t" anchorCtr="0">
+            <a:noAutofit/>
+          </a:bodyPr>
+          <a:lstStyle/>
+          <a:p>
+            <a:pPr marL="0" lvl="0" indent="0" algn="l" rtl="0">
+              <a:spcBef>
+                <a:spcPts val="0"/>
+              </a:spcBef>
+              <a:spcAft>
+                <a:spcPts val="0"/>
+              </a:spcAft>
+              <a:buNone/>
+            </a:pPr>
+            <a:endParaRPr/>
+          </a:p>
+        </p:txBody>
+      </p:sp>
+    </p:spTree>
+    <p:extLst>
+      <p:ext uri="{BB962C8B-B14F-4D97-AF65-F5344CB8AC3E}">
+        <p14:creationId xmlns:p14="http://schemas.microsoft.com/office/powerpoint/2010/main" val="2334375988"/>
+      </p:ext>
+    </p:extLst>
+  </p:cSld>
+  <p:clrMapOvr>
+    <a:masterClrMapping/>
+  </p:clrMapOvr>
+</p:notes>
+</file>
+
+<file path=ppt/notesSlides/notesSlide13.xml><?xml version="1.0" encoding="utf-8"?>
+<p:notes xmlns:a="http://schemas.openxmlformats.org/drawingml/2006/main" xmlns:r="http://schemas.openxmlformats.org/officeDocument/2006/relationships" xmlns:p="http://schemas.openxmlformats.org/presentationml/2006/main" showMasterSp="0" showMasterPhAnim="0">
+  <p:cSld>
+    <p:spTree>
+      <p:nvGrpSpPr>
+        <p:cNvPr id="1" name="Shape 80"/>
+        <p:cNvGrpSpPr/>
+        <p:nvPr/>
+      </p:nvGrpSpPr>
+      <p:grpSpPr>
+        <a:xfrm>
+          <a:off x="0" y="0"/>
+          <a:ext cx="0" cy="0"/>
+          <a:chOff x="0" y="0"/>
+          <a:chExt cx="0" cy="0"/>
+        </a:xfrm>
+      </p:grpSpPr>
+      <p:sp>
+        <p:nvSpPr>
+          <p:cNvPr id="81" name="Google Shape;81;gac10fef634_0_25:notes"/>
+          <p:cNvSpPr>
+            <a:spLocks noGrp="1" noRot="1" noChangeAspect="1"/>
+          </p:cNvSpPr>
+          <p:nvPr>
+            <p:ph type="sldImg" idx="2"/>
+          </p:nvPr>
+        </p:nvSpPr>
+        <p:spPr>
+          <a:xfrm>
+            <a:off x="381000" y="685800"/>
+            <a:ext cx="6096000" cy="3429000"/>
+          </a:xfrm>
+          <a:custGeom>
+            <a:avLst/>
+            <a:gdLst/>
+            <a:ahLst/>
+            <a:cxnLst/>
+            <a:rect l="l" t="t" r="r" b="b"/>
+            <a:pathLst>
+              <a:path w="120000" h="120000" extrusionOk="0">
+                <a:moveTo>
+                  <a:pt x="0" y="0"/>
+                </a:moveTo>
+                <a:lnTo>
+                  <a:pt x="120000" y="0"/>
+                </a:lnTo>
+                <a:lnTo>
+                  <a:pt x="120000" y="120000"/>
+                </a:lnTo>
+                <a:lnTo>
+                  <a:pt x="0" y="120000"/>
+                </a:lnTo>
+                <a:close/>
+              </a:path>
+            </a:pathLst>
+          </a:custGeom>
+        </p:spPr>
+      </p:sp>
+      <p:sp>
+        <p:nvSpPr>
+          <p:cNvPr id="82" name="Google Shape;82;gac10fef634_0_25:notes"/>
+          <p:cNvSpPr txBox="1">
+            <a:spLocks noGrp="1"/>
+          </p:cNvSpPr>
+          <p:nvPr>
+            <p:ph type="body" idx="1"/>
+          </p:nvPr>
+        </p:nvSpPr>
+        <p:spPr>
+          <a:xfrm>
+            <a:off x="685800" y="4343400"/>
+            <a:ext cx="5486400" cy="4114800"/>
+          </a:xfrm>
+          <a:prstGeom prst="rect">
+            <a:avLst/>
+          </a:prstGeom>
+        </p:spPr>
+        <p:txBody>
+          <a:bodyPr spcFirstLastPara="1" wrap="square" lIns="91425" tIns="91425" rIns="91425" bIns="91425" anchor="t" anchorCtr="0">
+            <a:noAutofit/>
+          </a:bodyPr>
+          <a:lstStyle/>
+          <a:p>
+            <a:pPr marL="0" lvl="0" indent="0" algn="l" rtl="0">
+              <a:spcBef>
+                <a:spcPts val="0"/>
+              </a:spcBef>
+              <a:spcAft>
+                <a:spcPts val="0"/>
+              </a:spcAft>
+              <a:buClr>
+                <a:schemeClr val="dk1"/>
+              </a:buClr>
+              <a:buSzPts val="1100"/>
+              <a:buFont typeface="Arial"/>
+              <a:buNone/>
+            </a:pPr>
+            <a:r>
+              <a:rPr lang="en"/>
+              <a:t>Your version control evidence should go here.  This could be in the form of annotated screenshots which show you you managed this process or you could make a brief screencast explaining how you implemented version control.</a:t>
+            </a:r>
+            <a:endParaRPr/>
+          </a:p>
+          <a:p>
+            <a:pPr marL="0" lvl="0" indent="0" algn="l" rtl="0">
+              <a:spcBef>
+                <a:spcPts val="0"/>
+              </a:spcBef>
+              <a:spcAft>
+                <a:spcPts val="0"/>
+              </a:spcAft>
+              <a:buNone/>
+            </a:pPr>
+            <a:endParaRPr/>
+          </a:p>
+        </p:txBody>
+      </p:sp>
+    </p:spTree>
+  </p:cSld>
+  <p:clrMapOvr>
+    <a:masterClrMapping/>
+  </p:clrMapOvr>
+</p:notes>
+</file>
+
+<file path=ppt/notesSlides/notesSlide14.xml><?xml version="1.0" encoding="utf-8"?>
+<p:notes xmlns:a="http://schemas.openxmlformats.org/drawingml/2006/main" xmlns:r="http://schemas.openxmlformats.org/officeDocument/2006/relationships" xmlns:p="http://schemas.openxmlformats.org/presentationml/2006/main" showMasterSp="0" showMasterPhAnim="0">
+  <p:cSld>
+    <p:spTree>
+      <p:nvGrpSpPr>
+        <p:cNvPr id="1" name="Shape 86"/>
+        <p:cNvGrpSpPr/>
+        <p:nvPr/>
+      </p:nvGrpSpPr>
+      <p:grpSpPr>
+        <a:xfrm>
+          <a:off x="0" y="0"/>
+          <a:ext cx="0" cy="0"/>
+          <a:chOff x="0" y="0"/>
+          <a:chExt cx="0" cy="0"/>
+        </a:xfrm>
+      </p:grpSpPr>
+      <p:sp>
+        <p:nvSpPr>
+          <p:cNvPr id="87" name="Google Shape;87;gac10fef634_0_30:notes"/>
+          <p:cNvSpPr>
+            <a:spLocks noGrp="1" noRot="1" noChangeAspect="1"/>
+          </p:cNvSpPr>
+          <p:nvPr>
+            <p:ph type="sldImg" idx="2"/>
+          </p:nvPr>
+        </p:nvSpPr>
+        <p:spPr>
+          <a:xfrm>
+            <a:off x="381000" y="685800"/>
+            <a:ext cx="6096000" cy="3429000"/>
+          </a:xfrm>
+          <a:custGeom>
+            <a:avLst/>
+            <a:gdLst/>
+            <a:ahLst/>
+            <a:cxnLst/>
+            <a:rect l="l" t="t" r="r" b="b"/>
+            <a:pathLst>
+              <a:path w="120000" h="120000" extrusionOk="0">
+                <a:moveTo>
+                  <a:pt x="0" y="0"/>
+                </a:moveTo>
+                <a:lnTo>
+                  <a:pt x="120000" y="0"/>
+                </a:lnTo>
+                <a:lnTo>
+                  <a:pt x="120000" y="120000"/>
+                </a:lnTo>
+                <a:lnTo>
+                  <a:pt x="0" y="120000"/>
+                </a:lnTo>
+                <a:close/>
+              </a:path>
+            </a:pathLst>
+          </a:custGeom>
+        </p:spPr>
+      </p:sp>
+      <p:sp>
+        <p:nvSpPr>
+          <p:cNvPr id="88" name="Google Shape;88;gac10fef634_0_30:notes"/>
+          <p:cNvSpPr txBox="1">
+            <a:spLocks noGrp="1"/>
+          </p:cNvSpPr>
+          <p:nvPr>
+            <p:ph type="body" idx="1"/>
+          </p:nvPr>
+        </p:nvSpPr>
+        <p:spPr>
+          <a:xfrm>
+            <a:off x="685800" y="4343400"/>
+            <a:ext cx="5486400" cy="4114800"/>
+          </a:xfrm>
+          <a:prstGeom prst="rect">
+            <a:avLst/>
+          </a:prstGeom>
+        </p:spPr>
+        <p:txBody>
+          <a:bodyPr spcFirstLastPara="1" wrap="square" lIns="91425" tIns="91425" rIns="91425" bIns="91425" anchor="t" anchorCtr="0">
+            <a:noAutofit/>
+          </a:bodyPr>
+          <a:lstStyle/>
+          <a:p>
+            <a:pPr marL="0" lvl="0" indent="0" algn="l" rtl="0">
+              <a:spcBef>
+                <a:spcPts val="0"/>
+              </a:spcBef>
+              <a:spcAft>
+                <a:spcPts val="0"/>
+              </a:spcAft>
+              <a:buNone/>
+            </a:pPr>
+            <a:r>
+              <a:rPr lang="en"/>
+              <a:t>Discusses how the information from planning, testing and trialling of components assisted in the development of a high-quality outcome</a:t>
+            </a:r>
+            <a:endParaRPr/>
+          </a:p>
+        </p:txBody>
+      </p:sp>
+    </p:spTree>
+  </p:cSld>
+  <p:clrMapOvr>
+    <a:masterClrMapping/>
+  </p:clrMapOvr>
+</p:notes>
+</file>
+
 <file path=ppt/notesSlides/notesSlide2.xml><?xml version="1.0" encoding="utf-8"?>
 <p:notes xmlns:a="http://schemas.openxmlformats.org/drawingml/2006/main" xmlns:r="http://schemas.openxmlformats.org/officeDocument/2006/relationships" xmlns:p="http://schemas.openxmlformats.org/presentationml/2006/main" showMasterSp="0" showMasterPhAnim="0">
   <p:cSld>
@@ -1599,7 +2479,7 @@
   <p:cSld>
     <p:spTree>
       <p:nvGrpSpPr>
-        <p:cNvPr id="1" name="Shape 80"/>
+        <p:cNvPr id="1" name="Shape 69"/>
         <p:cNvGrpSpPr/>
         <p:nvPr/>
       </p:nvGrpSpPr>
@@ -1613,7 +2493,7 @@
       </p:grpSpPr>
       <p:sp>
         <p:nvSpPr>
-          <p:cNvPr id="81" name="Google Shape;81;gac10fef634_0_25:notes"/>
+          <p:cNvPr id="70" name="Google Shape;70;gac10fef634_0_16:notes"/>
           <p:cNvSpPr>
             <a:spLocks noGrp="1" noRot="1" noChangeAspect="1"/>
           </p:cNvSpPr>
@@ -1654,7 +2534,7 @@
       </p:sp>
       <p:sp>
         <p:nvSpPr>
-          <p:cNvPr id="82" name="Google Shape;82;gac10fef634_0_25:notes"/>
+          <p:cNvPr id="71" name="Google Shape;71;gac10fef634_0_16:notes"/>
           <p:cNvSpPr txBox="1">
             <a:spLocks noGrp="1"/>
           </p:cNvSpPr>
@@ -1684,27 +2564,6 @@
               <a:spcAft>
                 <a:spcPts val="0"/>
               </a:spcAft>
-              <a:buClr>
-                <a:schemeClr val="dk1"/>
-              </a:buClr>
-              <a:buSzPts val="1100"/>
-              <a:buFont typeface="Arial"/>
-              <a:buNone/>
-            </a:pPr>
-            <a:r>
-              <a:rPr lang="en"/>
-              <a:t>Your version control evidence should go here.  This could be in the form of annotated screenshots which show you you managed this process or you could make a brief screencast explaining how you implemented version control.</a:t>
-            </a:r>
-            <a:endParaRPr/>
-          </a:p>
-          <a:p>
-            <a:pPr marL="0" lvl="0" indent="0" algn="l" rtl="0">
-              <a:spcBef>
-                <a:spcPts val="0"/>
-              </a:spcBef>
-              <a:spcAft>
-                <a:spcPts val="0"/>
-              </a:spcAft>
               <a:buNone/>
             </a:pPr>
             <a:endParaRPr/>
@@ -1712,6 +2571,11 @@
         </p:txBody>
       </p:sp>
     </p:spTree>
+    <p:extLst>
+      <p:ext uri="{BB962C8B-B14F-4D97-AF65-F5344CB8AC3E}">
+        <p14:creationId xmlns:p14="http://schemas.microsoft.com/office/powerpoint/2010/main" val="316226909"/>
+      </p:ext>
+    </p:extLst>
   </p:cSld>
   <p:clrMapOvr>
     <a:masterClrMapping/>
@@ -1724,7 +2588,7 @@
   <p:cSld>
     <p:spTree>
       <p:nvGrpSpPr>
-        <p:cNvPr id="1" name="Shape 86"/>
+        <p:cNvPr id="1" name="Shape 74"/>
         <p:cNvGrpSpPr/>
         <p:nvPr/>
       </p:nvGrpSpPr>
@@ -1738,7 +2602,7 @@
       </p:grpSpPr>
       <p:sp>
         <p:nvSpPr>
-          <p:cNvPr id="87" name="Google Shape;87;gac10fef634_0_30:notes"/>
+          <p:cNvPr id="75" name="Google Shape;75;gac10fef634_0_20:notes"/>
           <p:cNvSpPr>
             <a:spLocks noGrp="1" noRot="1" noChangeAspect="1"/>
           </p:cNvSpPr>
@@ -1779,7 +2643,7 @@
       </p:sp>
       <p:sp>
         <p:nvSpPr>
-          <p:cNvPr id="88" name="Google Shape;88;gac10fef634_0_30:notes"/>
+          <p:cNvPr id="76" name="Google Shape;76;gac10fef634_0_20:notes"/>
           <p:cNvSpPr txBox="1">
             <a:spLocks noGrp="1"/>
           </p:cNvSpPr>
@@ -1811,15 +2675,125 @@
               </a:spcAft>
               <a:buNone/>
             </a:pPr>
-            <a:r>
-              <a:rPr lang="en"/>
-              <a:t>Discusses how the information from planning, testing and trialling of components assisted in the development of a high-quality outcome</a:t>
-            </a:r>
             <a:endParaRPr/>
           </a:p>
         </p:txBody>
       </p:sp>
     </p:spTree>
+    <p:extLst>
+      <p:ext uri="{BB962C8B-B14F-4D97-AF65-F5344CB8AC3E}">
+        <p14:creationId xmlns:p14="http://schemas.microsoft.com/office/powerpoint/2010/main" val="3263594737"/>
+      </p:ext>
+    </p:extLst>
+  </p:cSld>
+  <p:clrMapOvr>
+    <a:masterClrMapping/>
+  </p:clrMapOvr>
+</p:notes>
+</file>
+
+<file path=ppt/notesSlides/notesSlide9.xml><?xml version="1.0" encoding="utf-8"?>
+<p:notes xmlns:a="http://schemas.openxmlformats.org/drawingml/2006/main" xmlns:r="http://schemas.openxmlformats.org/officeDocument/2006/relationships" xmlns:p="http://schemas.openxmlformats.org/presentationml/2006/main" showMasterSp="0" showMasterPhAnim="0">
+  <p:cSld>
+    <p:spTree>
+      <p:nvGrpSpPr>
+        <p:cNvPr id="1" name="Shape 74"/>
+        <p:cNvGrpSpPr/>
+        <p:nvPr/>
+      </p:nvGrpSpPr>
+      <p:grpSpPr>
+        <a:xfrm>
+          <a:off x="0" y="0"/>
+          <a:ext cx="0" cy="0"/>
+          <a:chOff x="0" y="0"/>
+          <a:chExt cx="0" cy="0"/>
+        </a:xfrm>
+      </p:grpSpPr>
+      <p:sp>
+        <p:nvSpPr>
+          <p:cNvPr id="75" name="Google Shape;75;gac10fef634_0_20:notes"/>
+          <p:cNvSpPr>
+            <a:spLocks noGrp="1" noRot="1" noChangeAspect="1"/>
+          </p:cNvSpPr>
+          <p:nvPr>
+            <p:ph type="sldImg" idx="2"/>
+          </p:nvPr>
+        </p:nvSpPr>
+        <p:spPr>
+          <a:xfrm>
+            <a:off x="381000" y="685800"/>
+            <a:ext cx="6096000" cy="3429000"/>
+          </a:xfrm>
+          <a:custGeom>
+            <a:avLst/>
+            <a:gdLst/>
+            <a:ahLst/>
+            <a:cxnLst/>
+            <a:rect l="l" t="t" r="r" b="b"/>
+            <a:pathLst>
+              <a:path w="120000" h="120000" extrusionOk="0">
+                <a:moveTo>
+                  <a:pt x="0" y="0"/>
+                </a:moveTo>
+                <a:lnTo>
+                  <a:pt x="120000" y="0"/>
+                </a:lnTo>
+                <a:lnTo>
+                  <a:pt x="120000" y="120000"/>
+                </a:lnTo>
+                <a:lnTo>
+                  <a:pt x="0" y="120000"/>
+                </a:lnTo>
+                <a:close/>
+              </a:path>
+            </a:pathLst>
+          </a:custGeom>
+        </p:spPr>
+      </p:sp>
+      <p:sp>
+        <p:nvSpPr>
+          <p:cNvPr id="76" name="Google Shape;76;gac10fef634_0_20:notes"/>
+          <p:cNvSpPr txBox="1">
+            <a:spLocks noGrp="1"/>
+          </p:cNvSpPr>
+          <p:nvPr>
+            <p:ph type="body" idx="1"/>
+          </p:nvPr>
+        </p:nvSpPr>
+        <p:spPr>
+          <a:xfrm>
+            <a:off x="685800" y="4343400"/>
+            <a:ext cx="5486400" cy="4114800"/>
+          </a:xfrm>
+          <a:prstGeom prst="rect">
+            <a:avLst/>
+          </a:prstGeom>
+        </p:spPr>
+        <p:txBody>
+          <a:bodyPr spcFirstLastPara="1" wrap="square" lIns="91425" tIns="91425" rIns="91425" bIns="91425" anchor="t" anchorCtr="0">
+            <a:noAutofit/>
+          </a:bodyPr>
+          <a:lstStyle/>
+          <a:p>
+            <a:pPr marL="0" lvl="0" indent="0" algn="l" rtl="0">
+              <a:spcBef>
+                <a:spcPts val="0"/>
+              </a:spcBef>
+              <a:spcAft>
+                <a:spcPts val="0"/>
+              </a:spcAft>
+              <a:buNone/>
+            </a:pPr>
+            <a:endParaRPr/>
+          </a:p>
+        </p:txBody>
+      </p:sp>
+    </p:spTree>
+    <p:extLst>
+      <p:ext uri="{BB962C8B-B14F-4D97-AF65-F5344CB8AC3E}">
+        <p14:creationId xmlns:p14="http://schemas.microsoft.com/office/powerpoint/2010/main" val="879393648"/>
+      </p:ext>
+    </p:extLst>
   </p:cSld>
   <p:clrMapOvr>
     <a:masterClrMapping/>
@@ -6858,6 +7832,1090 @@
 </p:sld>
 </file>
 
+<file path=ppt/slides/slide10.xml><?xml version="1.0" encoding="utf-8"?>
+<p:sld xmlns:a="http://schemas.openxmlformats.org/drawingml/2006/main" xmlns:r="http://schemas.openxmlformats.org/officeDocument/2006/relationships" xmlns:p="http://schemas.openxmlformats.org/presentationml/2006/main">
+  <p:cSld>
+    <p:spTree>
+      <p:nvGrpSpPr>
+        <p:cNvPr id="1" name="Shape 77"/>
+        <p:cNvGrpSpPr/>
+        <p:nvPr/>
+      </p:nvGrpSpPr>
+      <p:grpSpPr>
+        <a:xfrm>
+          <a:off x="0" y="0"/>
+          <a:ext cx="0" cy="0"/>
+          <a:chOff x="0" y="0"/>
+          <a:chExt cx="0" cy="0"/>
+        </a:xfrm>
+      </p:grpSpPr>
+      <p:sp>
+        <p:nvSpPr>
+          <p:cNvPr id="78" name="Google Shape;78;p17"/>
+          <p:cNvSpPr txBox="1">
+            <a:spLocks noGrp="1"/>
+          </p:cNvSpPr>
+          <p:nvPr>
+            <p:ph type="title"/>
+          </p:nvPr>
+        </p:nvSpPr>
+        <p:spPr>
+          <a:xfrm>
+            <a:off x="128819" y="147386"/>
+            <a:ext cx="8520600" cy="1132264"/>
+          </a:xfrm>
+          <a:prstGeom prst="rect">
+            <a:avLst/>
+          </a:prstGeom>
+        </p:spPr>
+        <p:txBody>
+          <a:bodyPr spcFirstLastPara="1" wrap="square" lIns="91425" tIns="91425" rIns="91425" bIns="91425" anchor="t" anchorCtr="0">
+            <a:noAutofit/>
+          </a:bodyPr>
+          <a:lstStyle/>
+          <a:p>
+            <a:pPr marL="0" lvl="0" indent="0" algn="l" rtl="0">
+              <a:spcBef>
+                <a:spcPts val="0"/>
+              </a:spcBef>
+              <a:spcAft>
+                <a:spcPts val="0"/>
+              </a:spcAft>
+              <a:buNone/>
+            </a:pPr>
+            <a:r>
+              <a:rPr lang="en" dirty="0"/>
+              <a:t>Component 2 version 3 - Test Plan (?and screenshot)</a:t>
+            </a:r>
+            <a:br>
+              <a:rPr lang="en" dirty="0"/>
+            </a:br>
+            <a:endParaRPr dirty="0"/>
+          </a:p>
+        </p:txBody>
+      </p:sp>
+      <p:graphicFrame>
+        <p:nvGraphicFramePr>
+          <p:cNvPr id="79" name="Google Shape;79;p17"/>
+          <p:cNvGraphicFramePr/>
+          <p:nvPr>
+            <p:extLst>
+              <p:ext uri="{D42A27DB-BD31-4B8C-83A1-F6EECF244321}">
+                <p14:modId xmlns:p14="http://schemas.microsoft.com/office/powerpoint/2010/main" val="3975193897"/>
+              </p:ext>
+            </p:extLst>
+          </p:nvPr>
+        </p:nvGraphicFramePr>
+        <p:xfrm>
+          <a:off x="311700" y="3631224"/>
+          <a:ext cx="8520600" cy="1188660"/>
+        </p:xfrm>
+        <a:graphic>
+          <a:graphicData uri="http://schemas.openxmlformats.org/drawingml/2006/table">
+            <a:tbl>
+              <a:tblPr>
+                <a:noFill/>
+                <a:tableStyleId>{E1099E06-0E6B-448D-9D27-60429F06E6F4}</a:tableStyleId>
+              </a:tblPr>
+              <a:tblGrid>
+                <a:gridCol w="4260300">
+                  <a:extLst>
+                    <a:ext uri="{9D8B030D-6E8A-4147-A177-3AD203B41FA5}">
+                      <a16:colId xmlns:a16="http://schemas.microsoft.com/office/drawing/2014/main" val="20000"/>
+                    </a:ext>
+                  </a:extLst>
+                </a:gridCol>
+                <a:gridCol w="4260300">
+                  <a:extLst>
+                    <a:ext uri="{9D8B030D-6E8A-4147-A177-3AD203B41FA5}">
+                      <a16:colId xmlns:a16="http://schemas.microsoft.com/office/drawing/2014/main" val="20001"/>
+                    </a:ext>
+                  </a:extLst>
+                </a:gridCol>
+              </a:tblGrid>
+              <a:tr h="381000">
+                <a:tc>
+                  <a:txBody>
+                    <a:bodyPr/>
+                    <a:lstStyle/>
+                    <a:p>
+                      <a:pPr marL="0" lvl="0" indent="0" algn="l" rtl="0">
+                        <a:spcBef>
+                          <a:spcPts val="0"/>
+                        </a:spcBef>
+                        <a:spcAft>
+                          <a:spcPts val="0"/>
+                        </a:spcAft>
+                        <a:buNone/>
+                      </a:pPr>
+                      <a:r>
+                        <a:rPr lang="en" sz="1800" b="1" dirty="0"/>
+                        <a:t>Test Case</a:t>
+                      </a:r>
+                      <a:endParaRPr sz="1800" b="1" dirty="0"/>
+                    </a:p>
+                  </a:txBody>
+                  <a:tcPr marL="91425" marR="91425" marT="91425" marB="91425">
+                    <a:solidFill>
+                      <a:srgbClr val="CCCCCC"/>
+                    </a:solidFill>
+                  </a:tcPr>
+                </a:tc>
+                <a:tc>
+                  <a:txBody>
+                    <a:bodyPr/>
+                    <a:lstStyle/>
+                    <a:p>
+                      <a:pPr marL="0" lvl="0" indent="0" algn="l" rtl="0">
+                        <a:spcBef>
+                          <a:spcPts val="0"/>
+                        </a:spcBef>
+                        <a:spcAft>
+                          <a:spcPts val="0"/>
+                        </a:spcAft>
+                        <a:buNone/>
+                      </a:pPr>
+                      <a:r>
+                        <a:rPr lang="en" sz="1800" b="1"/>
+                        <a:t>Expected Values</a:t>
+                      </a:r>
+                      <a:endParaRPr sz="1800" b="1"/>
+                    </a:p>
+                  </a:txBody>
+                  <a:tcPr marL="91425" marR="91425" marT="91425" marB="91425">
+                    <a:solidFill>
+                      <a:srgbClr val="CCCCCC"/>
+                    </a:solidFill>
+                  </a:tcPr>
+                </a:tc>
+                <a:extLst>
+                  <a:ext uri="{0D108BD9-81ED-4DB2-BD59-A6C34878D82A}">
+                    <a16:rowId xmlns:a16="http://schemas.microsoft.com/office/drawing/2014/main" val="10000"/>
+                  </a:ext>
+                </a:extLst>
+              </a:tr>
+              <a:tr h="396200">
+                <a:tc>
+                  <a:txBody>
+                    <a:bodyPr/>
+                    <a:lstStyle/>
+                    <a:p>
+                      <a:pPr marL="0" lvl="0" indent="0" algn="l" rtl="0">
+                        <a:spcBef>
+                          <a:spcPts val="0"/>
+                        </a:spcBef>
+                        <a:spcAft>
+                          <a:spcPts val="0"/>
+                        </a:spcAft>
+                        <a:buNone/>
+                      </a:pPr>
+                      <a:r>
+                        <a:rPr lang="en-GB" sz="1800" dirty="0"/>
+                        <a:t>Run Program</a:t>
+                      </a:r>
+                      <a:endParaRPr sz="1800" dirty="0"/>
+                    </a:p>
+                  </a:txBody>
+                  <a:tcPr marL="91425" marR="91425" marT="91425" marB="91425"/>
+                </a:tc>
+                <a:tc>
+                  <a:txBody>
+                    <a:bodyPr/>
+                    <a:lstStyle/>
+                    <a:p>
+                      <a:pPr marL="0" lvl="0" indent="0" algn="l" rtl="0">
+                        <a:spcBef>
+                          <a:spcPts val="0"/>
+                        </a:spcBef>
+                        <a:spcAft>
+                          <a:spcPts val="0"/>
+                        </a:spcAft>
+                        <a:buNone/>
+                      </a:pPr>
+                      <a:r>
+                        <a:rPr lang="en-GB" sz="1800" dirty="0"/>
+                        <a:t>Able to order 1 for delivery or 2 for pickup rather then D or P </a:t>
+                      </a:r>
+                      <a:endParaRPr sz="1800" dirty="0"/>
+                    </a:p>
+                  </a:txBody>
+                  <a:tcPr marL="91425" marR="91425" marT="91425" marB="91425"/>
+                </a:tc>
+                <a:extLst>
+                  <a:ext uri="{0D108BD9-81ED-4DB2-BD59-A6C34878D82A}">
+                    <a16:rowId xmlns:a16="http://schemas.microsoft.com/office/drawing/2014/main" val="10001"/>
+                  </a:ext>
+                </a:extLst>
+              </a:tr>
+            </a:tbl>
+          </a:graphicData>
+        </a:graphic>
+      </p:graphicFrame>
+      <p:pic>
+        <p:nvPicPr>
+          <p:cNvPr id="4" name="Picture 3">
+            <a:extLst>
+              <a:ext uri="{FF2B5EF4-FFF2-40B4-BE49-F238E27FC236}">
+                <a16:creationId xmlns:a16="http://schemas.microsoft.com/office/drawing/2014/main" id="{116BADDC-FBEF-47C4-9C40-90E590C4C9CD}"/>
+              </a:ext>
+            </a:extLst>
+          </p:cNvPr>
+          <p:cNvPicPr>
+            <a:picLocks noChangeAspect="1"/>
+          </p:cNvPicPr>
+          <p:nvPr/>
+        </p:nvPicPr>
+        <p:blipFill>
+          <a:blip r:embed="rId3"/>
+          <a:stretch>
+            <a:fillRect/>
+          </a:stretch>
+        </p:blipFill>
+        <p:spPr>
+          <a:xfrm>
+            <a:off x="0" y="1264072"/>
+            <a:ext cx="4712677" cy="1811216"/>
+          </a:xfrm>
+          <a:prstGeom prst="rect">
+            <a:avLst/>
+          </a:prstGeom>
+        </p:spPr>
+      </p:pic>
+      <p:pic>
+        <p:nvPicPr>
+          <p:cNvPr id="7" name="Picture 6">
+            <a:extLst>
+              <a:ext uri="{FF2B5EF4-FFF2-40B4-BE49-F238E27FC236}">
+                <a16:creationId xmlns:a16="http://schemas.microsoft.com/office/drawing/2014/main" id="{B7E41895-E44D-468B-B113-E4D7DE0D6D48}"/>
+              </a:ext>
+            </a:extLst>
+          </p:cNvPr>
+          <p:cNvPicPr>
+            <a:picLocks noChangeAspect="1"/>
+          </p:cNvPicPr>
+          <p:nvPr/>
+        </p:nvPicPr>
+        <p:blipFill>
+          <a:blip r:embed="rId4"/>
+          <a:stretch>
+            <a:fillRect/>
+          </a:stretch>
+        </p:blipFill>
+        <p:spPr>
+          <a:xfrm>
+            <a:off x="4738747" y="1835586"/>
+            <a:ext cx="4309715" cy="534820"/>
+          </a:xfrm>
+          <a:prstGeom prst="rect">
+            <a:avLst/>
+          </a:prstGeom>
+        </p:spPr>
+      </p:pic>
+    </p:spTree>
+    <p:extLst>
+      <p:ext uri="{BB962C8B-B14F-4D97-AF65-F5344CB8AC3E}">
+        <p14:creationId xmlns:p14="http://schemas.microsoft.com/office/powerpoint/2010/main" val="2510574012"/>
+      </p:ext>
+    </p:extLst>
+  </p:cSld>
+  <p:clrMapOvr>
+    <a:masterClrMapping/>
+  </p:clrMapOvr>
+</p:sld>
+</file>
+
+<file path=ppt/slides/slide11.xml><?xml version="1.0" encoding="utf-8"?>
+<p:sld xmlns:a="http://schemas.openxmlformats.org/drawingml/2006/main" xmlns:r="http://schemas.openxmlformats.org/officeDocument/2006/relationships" xmlns:p="http://schemas.openxmlformats.org/presentationml/2006/main">
+  <p:cSld>
+    <p:spTree>
+      <p:nvGrpSpPr>
+        <p:cNvPr id="1" name="Shape 77"/>
+        <p:cNvGrpSpPr/>
+        <p:nvPr/>
+      </p:nvGrpSpPr>
+      <p:grpSpPr>
+        <a:xfrm>
+          <a:off x="0" y="0"/>
+          <a:ext cx="0" cy="0"/>
+          <a:chOff x="0" y="0"/>
+          <a:chExt cx="0" cy="0"/>
+        </a:xfrm>
+      </p:grpSpPr>
+      <p:sp>
+        <p:nvSpPr>
+          <p:cNvPr id="78" name="Google Shape;78;p17"/>
+          <p:cNvSpPr txBox="1">
+            <a:spLocks noGrp="1"/>
+          </p:cNvSpPr>
+          <p:nvPr>
+            <p:ph type="title"/>
+          </p:nvPr>
+        </p:nvSpPr>
+        <p:spPr>
+          <a:xfrm>
+            <a:off x="128819" y="147386"/>
+            <a:ext cx="8520600" cy="1132264"/>
+          </a:xfrm>
+          <a:prstGeom prst="rect">
+            <a:avLst/>
+          </a:prstGeom>
+        </p:spPr>
+        <p:txBody>
+          <a:bodyPr spcFirstLastPara="1" wrap="square" lIns="91425" tIns="91425" rIns="91425" bIns="91425" anchor="t" anchorCtr="0">
+            <a:noAutofit/>
+          </a:bodyPr>
+          <a:lstStyle/>
+          <a:p>
+            <a:pPr marL="0" lvl="0" indent="0" algn="l" rtl="0">
+              <a:spcBef>
+                <a:spcPts val="0"/>
+              </a:spcBef>
+              <a:spcAft>
+                <a:spcPts val="0"/>
+              </a:spcAft>
+              <a:buNone/>
+            </a:pPr>
+            <a:r>
+              <a:rPr lang="en" dirty="0"/>
+              <a:t>Component 2 version 4 - Test Plan (?and screenshot)</a:t>
+            </a:r>
+            <a:br>
+              <a:rPr lang="en" dirty="0"/>
+            </a:br>
+            <a:endParaRPr dirty="0"/>
+          </a:p>
+        </p:txBody>
+      </p:sp>
+      <p:graphicFrame>
+        <p:nvGraphicFramePr>
+          <p:cNvPr id="79" name="Google Shape;79;p17"/>
+          <p:cNvGraphicFramePr/>
+          <p:nvPr>
+            <p:extLst>
+              <p:ext uri="{D42A27DB-BD31-4B8C-83A1-F6EECF244321}">
+                <p14:modId xmlns:p14="http://schemas.microsoft.com/office/powerpoint/2010/main" val="3006882174"/>
+              </p:ext>
+            </p:extLst>
+          </p:nvPr>
+        </p:nvGraphicFramePr>
+        <p:xfrm>
+          <a:off x="311700" y="3474720"/>
+          <a:ext cx="8520600" cy="1737300"/>
+        </p:xfrm>
+        <a:graphic>
+          <a:graphicData uri="http://schemas.openxmlformats.org/drawingml/2006/table">
+            <a:tbl>
+              <a:tblPr>
+                <a:noFill/>
+                <a:tableStyleId>{E1099E06-0E6B-448D-9D27-60429F06E6F4}</a:tableStyleId>
+              </a:tblPr>
+              <a:tblGrid>
+                <a:gridCol w="4260300">
+                  <a:extLst>
+                    <a:ext uri="{9D8B030D-6E8A-4147-A177-3AD203B41FA5}">
+                      <a16:colId xmlns:a16="http://schemas.microsoft.com/office/drawing/2014/main" val="20000"/>
+                    </a:ext>
+                  </a:extLst>
+                </a:gridCol>
+                <a:gridCol w="4260300">
+                  <a:extLst>
+                    <a:ext uri="{9D8B030D-6E8A-4147-A177-3AD203B41FA5}">
+                      <a16:colId xmlns:a16="http://schemas.microsoft.com/office/drawing/2014/main" val="20001"/>
+                    </a:ext>
+                  </a:extLst>
+                </a:gridCol>
+              </a:tblGrid>
+              <a:tr h="381000">
+                <a:tc>
+                  <a:txBody>
+                    <a:bodyPr/>
+                    <a:lstStyle/>
+                    <a:p>
+                      <a:pPr marL="0" lvl="0" indent="0" algn="l" rtl="0">
+                        <a:spcBef>
+                          <a:spcPts val="0"/>
+                        </a:spcBef>
+                        <a:spcAft>
+                          <a:spcPts val="0"/>
+                        </a:spcAft>
+                        <a:buNone/>
+                      </a:pPr>
+                      <a:r>
+                        <a:rPr lang="en" sz="1800" b="1" dirty="0"/>
+                        <a:t>Test Case</a:t>
+                      </a:r>
+                      <a:endParaRPr sz="1800" b="1" dirty="0"/>
+                    </a:p>
+                  </a:txBody>
+                  <a:tcPr marL="91425" marR="91425" marT="91425" marB="91425">
+                    <a:solidFill>
+                      <a:srgbClr val="CCCCCC"/>
+                    </a:solidFill>
+                  </a:tcPr>
+                </a:tc>
+                <a:tc>
+                  <a:txBody>
+                    <a:bodyPr/>
+                    <a:lstStyle/>
+                    <a:p>
+                      <a:pPr marL="0" lvl="0" indent="0" algn="l" rtl="0">
+                        <a:spcBef>
+                          <a:spcPts val="0"/>
+                        </a:spcBef>
+                        <a:spcAft>
+                          <a:spcPts val="0"/>
+                        </a:spcAft>
+                        <a:buNone/>
+                      </a:pPr>
+                      <a:r>
+                        <a:rPr lang="en" sz="1800" b="1"/>
+                        <a:t>Expected Values</a:t>
+                      </a:r>
+                      <a:endParaRPr sz="1800" b="1"/>
+                    </a:p>
+                  </a:txBody>
+                  <a:tcPr marL="91425" marR="91425" marT="91425" marB="91425">
+                    <a:solidFill>
+                      <a:srgbClr val="CCCCCC"/>
+                    </a:solidFill>
+                  </a:tcPr>
+                </a:tc>
+                <a:extLst>
+                  <a:ext uri="{0D108BD9-81ED-4DB2-BD59-A6C34878D82A}">
+                    <a16:rowId xmlns:a16="http://schemas.microsoft.com/office/drawing/2014/main" val="10000"/>
+                  </a:ext>
+                </a:extLst>
+              </a:tr>
+              <a:tr h="396200">
+                <a:tc>
+                  <a:txBody>
+                    <a:bodyPr/>
+                    <a:lstStyle/>
+                    <a:p>
+                      <a:pPr marL="0" lvl="0" indent="0" algn="l" rtl="0">
+                        <a:spcBef>
+                          <a:spcPts val="0"/>
+                        </a:spcBef>
+                        <a:spcAft>
+                          <a:spcPts val="0"/>
+                        </a:spcAft>
+                        <a:buNone/>
+                      </a:pPr>
+                      <a:r>
+                        <a:rPr lang="en-GB" sz="1800" dirty="0"/>
+                        <a:t>Run Program</a:t>
+                      </a:r>
+                      <a:endParaRPr sz="1800" dirty="0"/>
+                    </a:p>
+                  </a:txBody>
+                  <a:tcPr marL="91425" marR="91425" marT="91425" marB="91425"/>
+                </a:tc>
+                <a:tc>
+                  <a:txBody>
+                    <a:bodyPr/>
+                    <a:lstStyle/>
+                    <a:p>
+                      <a:pPr marL="0" lvl="0" indent="0" algn="l" rtl="0">
+                        <a:spcBef>
+                          <a:spcPts val="0"/>
+                        </a:spcBef>
+                        <a:spcAft>
+                          <a:spcPts val="0"/>
+                        </a:spcAft>
+                        <a:buNone/>
+                      </a:pPr>
+                      <a:r>
+                        <a:rPr lang="en-GB" sz="1800" dirty="0"/>
+                        <a:t>Can enter 1 for delivery or 2 for pickup, invalid response means error message but enter number other then 1 or 2 </a:t>
+                      </a:r>
+                      <a:r>
+                        <a:rPr lang="en-GB" sz="1800" dirty="0" err="1"/>
+                        <a:t>dosen’t</a:t>
+                      </a:r>
+                      <a:r>
+                        <a:rPr lang="en-GB" sz="1800" dirty="0"/>
+                        <a:t> work</a:t>
+                      </a:r>
+                      <a:endParaRPr sz="1800" dirty="0"/>
+                    </a:p>
+                  </a:txBody>
+                  <a:tcPr marL="91425" marR="91425" marT="91425" marB="91425"/>
+                </a:tc>
+                <a:extLst>
+                  <a:ext uri="{0D108BD9-81ED-4DB2-BD59-A6C34878D82A}">
+                    <a16:rowId xmlns:a16="http://schemas.microsoft.com/office/drawing/2014/main" val="10001"/>
+                  </a:ext>
+                </a:extLst>
+              </a:tr>
+            </a:tbl>
+          </a:graphicData>
+        </a:graphic>
+      </p:graphicFrame>
+      <p:pic>
+        <p:nvPicPr>
+          <p:cNvPr id="3" name="Picture 2">
+            <a:extLst>
+              <a:ext uri="{FF2B5EF4-FFF2-40B4-BE49-F238E27FC236}">
+                <a16:creationId xmlns:a16="http://schemas.microsoft.com/office/drawing/2014/main" id="{D45969E3-10A9-4567-8296-7F9FA6C68FB1}"/>
+              </a:ext>
+            </a:extLst>
+          </p:cNvPr>
+          <p:cNvPicPr>
+            <a:picLocks noChangeAspect="1"/>
+          </p:cNvPicPr>
+          <p:nvPr/>
+        </p:nvPicPr>
+        <p:blipFill>
+          <a:blip r:embed="rId3"/>
+          <a:stretch>
+            <a:fillRect/>
+          </a:stretch>
+        </p:blipFill>
+        <p:spPr>
+          <a:xfrm>
+            <a:off x="578985" y="1216855"/>
+            <a:ext cx="3268056" cy="2257865"/>
+          </a:xfrm>
+          <a:prstGeom prst="rect">
+            <a:avLst/>
+          </a:prstGeom>
+        </p:spPr>
+      </p:pic>
+      <p:pic>
+        <p:nvPicPr>
+          <p:cNvPr id="6" name="Picture 5">
+            <a:extLst>
+              <a:ext uri="{FF2B5EF4-FFF2-40B4-BE49-F238E27FC236}">
+                <a16:creationId xmlns:a16="http://schemas.microsoft.com/office/drawing/2014/main" id="{7989276F-B83C-43F5-BD98-B222CF4642EA}"/>
+              </a:ext>
+            </a:extLst>
+          </p:cNvPr>
+          <p:cNvPicPr>
+            <a:picLocks noChangeAspect="1"/>
+          </p:cNvPicPr>
+          <p:nvPr/>
+        </p:nvPicPr>
+        <p:blipFill>
+          <a:blip r:embed="rId4"/>
+          <a:stretch>
+            <a:fillRect/>
+          </a:stretch>
+        </p:blipFill>
+        <p:spPr>
+          <a:xfrm>
+            <a:off x="4226815" y="1590383"/>
+            <a:ext cx="4605485" cy="1149756"/>
+          </a:xfrm>
+          <a:prstGeom prst="rect">
+            <a:avLst/>
+          </a:prstGeom>
+        </p:spPr>
+      </p:pic>
+    </p:spTree>
+    <p:extLst>
+      <p:ext uri="{BB962C8B-B14F-4D97-AF65-F5344CB8AC3E}">
+        <p14:creationId xmlns:p14="http://schemas.microsoft.com/office/powerpoint/2010/main" val="3807352144"/>
+      </p:ext>
+    </p:extLst>
+  </p:cSld>
+  <p:clrMapOvr>
+    <a:masterClrMapping/>
+  </p:clrMapOvr>
+</p:sld>
+</file>
+
+<file path=ppt/slides/slide12.xml><?xml version="1.0" encoding="utf-8"?>
+<p:sld xmlns:a="http://schemas.openxmlformats.org/drawingml/2006/main" xmlns:r="http://schemas.openxmlformats.org/officeDocument/2006/relationships" xmlns:p="http://schemas.openxmlformats.org/presentationml/2006/main">
+  <p:cSld>
+    <p:spTree>
+      <p:nvGrpSpPr>
+        <p:cNvPr id="1" name="Shape 77"/>
+        <p:cNvGrpSpPr/>
+        <p:nvPr/>
+      </p:nvGrpSpPr>
+      <p:grpSpPr>
+        <a:xfrm>
+          <a:off x="0" y="0"/>
+          <a:ext cx="0" cy="0"/>
+          <a:chOff x="0" y="0"/>
+          <a:chExt cx="0" cy="0"/>
+        </a:xfrm>
+      </p:grpSpPr>
+      <p:sp>
+        <p:nvSpPr>
+          <p:cNvPr id="78" name="Google Shape;78;p17"/>
+          <p:cNvSpPr txBox="1">
+            <a:spLocks noGrp="1"/>
+          </p:cNvSpPr>
+          <p:nvPr>
+            <p:ph type="title"/>
+          </p:nvPr>
+        </p:nvSpPr>
+        <p:spPr>
+          <a:xfrm>
+            <a:off x="128819" y="147386"/>
+            <a:ext cx="8520600" cy="1132264"/>
+          </a:xfrm>
+          <a:prstGeom prst="rect">
+            <a:avLst/>
+          </a:prstGeom>
+        </p:spPr>
+        <p:txBody>
+          <a:bodyPr spcFirstLastPara="1" wrap="square" lIns="91425" tIns="91425" rIns="91425" bIns="91425" anchor="t" anchorCtr="0">
+            <a:noAutofit/>
+          </a:bodyPr>
+          <a:lstStyle/>
+          <a:p>
+            <a:pPr marL="0" lvl="0" indent="0" algn="l" rtl="0">
+              <a:spcBef>
+                <a:spcPts val="0"/>
+              </a:spcBef>
+              <a:spcAft>
+                <a:spcPts val="0"/>
+              </a:spcAft>
+              <a:buNone/>
+            </a:pPr>
+            <a:r>
+              <a:rPr lang="en" dirty="0"/>
+              <a:t>Component 2 version 5 - Test Plan (?and screenshot)</a:t>
+            </a:r>
+            <a:br>
+              <a:rPr lang="en" dirty="0"/>
+            </a:br>
+            <a:endParaRPr dirty="0"/>
+          </a:p>
+        </p:txBody>
+      </p:sp>
+      <p:graphicFrame>
+        <p:nvGraphicFramePr>
+          <p:cNvPr id="79" name="Google Shape;79;p17"/>
+          <p:cNvGraphicFramePr/>
+          <p:nvPr>
+            <p:extLst>
+              <p:ext uri="{D42A27DB-BD31-4B8C-83A1-F6EECF244321}">
+                <p14:modId xmlns:p14="http://schemas.microsoft.com/office/powerpoint/2010/main" val="2619352496"/>
+              </p:ext>
+            </p:extLst>
+          </p:nvPr>
+        </p:nvGraphicFramePr>
+        <p:xfrm>
+          <a:off x="311700" y="3474720"/>
+          <a:ext cx="8520600" cy="1493460"/>
+        </p:xfrm>
+        <a:graphic>
+          <a:graphicData uri="http://schemas.openxmlformats.org/drawingml/2006/table">
+            <a:tbl>
+              <a:tblPr>
+                <a:noFill/>
+                <a:tableStyleId>{E1099E06-0E6B-448D-9D27-60429F06E6F4}</a:tableStyleId>
+              </a:tblPr>
+              <a:tblGrid>
+                <a:gridCol w="4260300">
+                  <a:extLst>
+                    <a:ext uri="{9D8B030D-6E8A-4147-A177-3AD203B41FA5}">
+                      <a16:colId xmlns:a16="http://schemas.microsoft.com/office/drawing/2014/main" val="20000"/>
+                    </a:ext>
+                  </a:extLst>
+                </a:gridCol>
+                <a:gridCol w="4260300">
+                  <a:extLst>
+                    <a:ext uri="{9D8B030D-6E8A-4147-A177-3AD203B41FA5}">
+                      <a16:colId xmlns:a16="http://schemas.microsoft.com/office/drawing/2014/main" val="20001"/>
+                    </a:ext>
+                  </a:extLst>
+                </a:gridCol>
+              </a:tblGrid>
+              <a:tr h="381000">
+                <a:tc>
+                  <a:txBody>
+                    <a:bodyPr/>
+                    <a:lstStyle/>
+                    <a:p>
+                      <a:pPr marL="0" lvl="0" indent="0" algn="l" rtl="0">
+                        <a:spcBef>
+                          <a:spcPts val="0"/>
+                        </a:spcBef>
+                        <a:spcAft>
+                          <a:spcPts val="0"/>
+                        </a:spcAft>
+                        <a:buNone/>
+                      </a:pPr>
+                      <a:r>
+                        <a:rPr lang="en" sz="1800" b="1" dirty="0"/>
+                        <a:t>Test Case</a:t>
+                      </a:r>
+                      <a:endParaRPr sz="1800" b="1" dirty="0"/>
+                    </a:p>
+                  </a:txBody>
+                  <a:tcPr marL="91425" marR="91425" marT="91425" marB="91425">
+                    <a:solidFill>
+                      <a:srgbClr val="CCCCCC"/>
+                    </a:solidFill>
+                  </a:tcPr>
+                </a:tc>
+                <a:tc>
+                  <a:txBody>
+                    <a:bodyPr/>
+                    <a:lstStyle/>
+                    <a:p>
+                      <a:pPr marL="0" lvl="0" indent="0" algn="l" rtl="0">
+                        <a:spcBef>
+                          <a:spcPts val="0"/>
+                        </a:spcBef>
+                        <a:spcAft>
+                          <a:spcPts val="0"/>
+                        </a:spcAft>
+                        <a:buNone/>
+                      </a:pPr>
+                      <a:r>
+                        <a:rPr lang="en" sz="1800" b="1"/>
+                        <a:t>Expected Values</a:t>
+                      </a:r>
+                      <a:endParaRPr sz="1800" b="1"/>
+                    </a:p>
+                  </a:txBody>
+                  <a:tcPr marL="91425" marR="91425" marT="91425" marB="91425">
+                    <a:solidFill>
+                      <a:srgbClr val="CCCCCC"/>
+                    </a:solidFill>
+                  </a:tcPr>
+                </a:tc>
+                <a:extLst>
+                  <a:ext uri="{0D108BD9-81ED-4DB2-BD59-A6C34878D82A}">
+                    <a16:rowId xmlns:a16="http://schemas.microsoft.com/office/drawing/2014/main" val="10000"/>
+                  </a:ext>
+                </a:extLst>
+              </a:tr>
+              <a:tr h="396200">
+                <a:tc>
+                  <a:txBody>
+                    <a:bodyPr/>
+                    <a:lstStyle/>
+                    <a:p>
+                      <a:pPr marL="0" lvl="0" indent="0" algn="l" rtl="0">
+                        <a:spcBef>
+                          <a:spcPts val="0"/>
+                        </a:spcBef>
+                        <a:spcAft>
+                          <a:spcPts val="0"/>
+                        </a:spcAft>
+                        <a:buNone/>
+                      </a:pPr>
+                      <a:r>
+                        <a:rPr lang="en-GB" sz="1800" dirty="0"/>
+                        <a:t>Run Program</a:t>
+                      </a:r>
+                      <a:endParaRPr sz="1800" dirty="0"/>
+                    </a:p>
+                  </a:txBody>
+                  <a:tcPr marL="91425" marR="91425" marT="91425" marB="91425"/>
+                </a:tc>
+                <a:tc>
+                  <a:txBody>
+                    <a:bodyPr/>
+                    <a:lstStyle/>
+                    <a:p>
+                      <a:pPr marL="0" lvl="0" indent="0" algn="l" rtl="0">
+                        <a:spcBef>
+                          <a:spcPts val="0"/>
+                        </a:spcBef>
+                        <a:spcAft>
+                          <a:spcPts val="0"/>
+                        </a:spcAft>
+                        <a:buNone/>
+                      </a:pPr>
+                      <a:r>
+                        <a:rPr lang="en-GB" sz="1400" dirty="0"/>
+                        <a:t>Can enter 1 for delivery or 2 for pickup, invalid response means error message and when you enter number other then 1 or 2 pops up with same </a:t>
+                      </a:r>
+                      <a:r>
+                        <a:rPr lang="en-GB" sz="1400"/>
+                        <a:t>error message</a:t>
+                      </a:r>
+                      <a:endParaRPr sz="1400" dirty="0"/>
+                    </a:p>
+                  </a:txBody>
+                  <a:tcPr marL="91425" marR="91425" marT="91425" marB="91425"/>
+                </a:tc>
+                <a:extLst>
+                  <a:ext uri="{0D108BD9-81ED-4DB2-BD59-A6C34878D82A}">
+                    <a16:rowId xmlns:a16="http://schemas.microsoft.com/office/drawing/2014/main" val="10001"/>
+                  </a:ext>
+                </a:extLst>
+              </a:tr>
+            </a:tbl>
+          </a:graphicData>
+        </a:graphic>
+      </p:graphicFrame>
+      <p:pic>
+        <p:nvPicPr>
+          <p:cNvPr id="4" name="Picture 3">
+            <a:extLst>
+              <a:ext uri="{FF2B5EF4-FFF2-40B4-BE49-F238E27FC236}">
+                <a16:creationId xmlns:a16="http://schemas.microsoft.com/office/drawing/2014/main" id="{04433B80-6AE1-4F35-91D8-122159C09872}"/>
+              </a:ext>
+            </a:extLst>
+          </p:cNvPr>
+          <p:cNvPicPr>
+            <a:picLocks noChangeAspect="1"/>
+          </p:cNvPicPr>
+          <p:nvPr/>
+        </p:nvPicPr>
+        <p:blipFill>
+          <a:blip r:embed="rId3"/>
+          <a:stretch>
+            <a:fillRect/>
+          </a:stretch>
+        </p:blipFill>
+        <p:spPr>
+          <a:xfrm>
+            <a:off x="128819" y="1116288"/>
+            <a:ext cx="4149300" cy="2169568"/>
+          </a:xfrm>
+          <a:prstGeom prst="rect">
+            <a:avLst/>
+          </a:prstGeom>
+        </p:spPr>
+      </p:pic>
+      <p:pic>
+        <p:nvPicPr>
+          <p:cNvPr id="7" name="Picture 6">
+            <a:extLst>
+              <a:ext uri="{FF2B5EF4-FFF2-40B4-BE49-F238E27FC236}">
+                <a16:creationId xmlns:a16="http://schemas.microsoft.com/office/drawing/2014/main" id="{3C59C378-FDD6-4170-8C56-9CC2C5278602}"/>
+              </a:ext>
+            </a:extLst>
+          </p:cNvPr>
+          <p:cNvPicPr>
+            <a:picLocks noChangeAspect="1"/>
+          </p:cNvPicPr>
+          <p:nvPr/>
+        </p:nvPicPr>
+        <p:blipFill>
+          <a:blip r:embed="rId4"/>
+          <a:stretch>
+            <a:fillRect/>
+          </a:stretch>
+        </p:blipFill>
+        <p:spPr>
+          <a:xfrm>
+            <a:off x="4331887" y="1387627"/>
+            <a:ext cx="4500413" cy="1427573"/>
+          </a:xfrm>
+          <a:prstGeom prst="rect">
+            <a:avLst/>
+          </a:prstGeom>
+        </p:spPr>
+      </p:pic>
+    </p:spTree>
+    <p:extLst>
+      <p:ext uri="{BB962C8B-B14F-4D97-AF65-F5344CB8AC3E}">
+        <p14:creationId xmlns:p14="http://schemas.microsoft.com/office/powerpoint/2010/main" val="2147607838"/>
+      </p:ext>
+    </p:extLst>
+  </p:cSld>
+  <p:clrMapOvr>
+    <a:masterClrMapping/>
+  </p:clrMapOvr>
+</p:sld>
+</file>
+
+<file path=ppt/slides/slide13.xml><?xml version="1.0" encoding="utf-8"?>
+<p:sld xmlns:a="http://schemas.openxmlformats.org/drawingml/2006/main" xmlns:r="http://schemas.openxmlformats.org/officeDocument/2006/relationships" xmlns:p="http://schemas.openxmlformats.org/presentationml/2006/main">
+  <p:cSld>
+    <p:bg>
+      <p:bgPr>
+        <a:solidFill>
+          <a:srgbClr val="D9EAD3"/>
+        </a:solidFill>
+        <a:effectLst/>
+      </p:bgPr>
+    </p:bg>
+    <p:spTree>
+      <p:nvGrpSpPr>
+        <p:cNvPr id="1" name="Shape 83"/>
+        <p:cNvGrpSpPr/>
+        <p:nvPr/>
+      </p:nvGrpSpPr>
+      <p:grpSpPr>
+        <a:xfrm>
+          <a:off x="0" y="0"/>
+          <a:ext cx="0" cy="0"/>
+          <a:chOff x="0" y="0"/>
+          <a:chExt cx="0" cy="0"/>
+        </a:xfrm>
+      </p:grpSpPr>
+      <p:sp>
+        <p:nvSpPr>
+          <p:cNvPr id="84" name="Google Shape;84;p18"/>
+          <p:cNvSpPr txBox="1">
+            <a:spLocks noGrp="1"/>
+          </p:cNvSpPr>
+          <p:nvPr>
+            <p:ph type="title"/>
+          </p:nvPr>
+        </p:nvSpPr>
+        <p:spPr>
+          <a:xfrm>
+            <a:off x="311700" y="445025"/>
+            <a:ext cx="8520600" cy="572700"/>
+          </a:xfrm>
+          <a:prstGeom prst="rect">
+            <a:avLst/>
+          </a:prstGeom>
+        </p:spPr>
+        <p:txBody>
+          <a:bodyPr spcFirstLastPara="1" wrap="square" lIns="91425" tIns="91425" rIns="91425" bIns="91425" anchor="t" anchorCtr="0">
+            <a:noAutofit/>
+          </a:bodyPr>
+          <a:lstStyle/>
+          <a:p>
+            <a:pPr marL="0" lvl="0" indent="0" algn="l" rtl="0">
+              <a:spcBef>
+                <a:spcPts val="0"/>
+              </a:spcBef>
+              <a:spcAft>
+                <a:spcPts val="0"/>
+              </a:spcAft>
+              <a:buNone/>
+            </a:pPr>
+            <a:r>
+              <a:rPr lang="en"/>
+              <a:t>Version Control Evidence</a:t>
+            </a:r>
+            <a:endParaRPr/>
+          </a:p>
+        </p:txBody>
+      </p:sp>
+      <p:sp>
+        <p:nvSpPr>
+          <p:cNvPr id="85" name="Google Shape;85;p18"/>
+          <p:cNvSpPr txBox="1">
+            <a:spLocks noGrp="1"/>
+          </p:cNvSpPr>
+          <p:nvPr>
+            <p:ph type="body" idx="1"/>
+          </p:nvPr>
+        </p:nvSpPr>
+        <p:spPr>
+          <a:xfrm>
+            <a:off x="311700" y="1152475"/>
+            <a:ext cx="8464200" cy="3739200"/>
+          </a:xfrm>
+          <a:prstGeom prst="rect">
+            <a:avLst/>
+          </a:prstGeom>
+        </p:spPr>
+        <p:txBody>
+          <a:bodyPr spcFirstLastPara="1" wrap="square" lIns="91425" tIns="91425" rIns="91425" bIns="91425" anchor="t" anchorCtr="0">
+            <a:noAutofit/>
+          </a:bodyPr>
+          <a:lstStyle/>
+          <a:p>
+            <a:pPr marL="0" lvl="0" indent="0" algn="l" rtl="0">
+              <a:spcBef>
+                <a:spcPts val="0"/>
+              </a:spcBef>
+              <a:spcAft>
+                <a:spcPts val="1600"/>
+              </a:spcAft>
+              <a:buNone/>
+            </a:pPr>
+            <a:r>
+              <a:rPr lang="en" i="1"/>
+              <a:t>Your version control evidence should go here.  This could be in the form of annotated screenshots which show you you managed this process or you could make a brief screencast explaining how you implemented version control.</a:t>
+            </a:r>
+            <a:endParaRPr i="1"/>
+          </a:p>
+        </p:txBody>
+      </p:sp>
+    </p:spTree>
+  </p:cSld>
+  <p:clrMapOvr>
+    <a:masterClrMapping/>
+  </p:clrMapOvr>
+</p:sld>
+</file>
+
+<file path=ppt/slides/slide14.xml><?xml version="1.0" encoding="utf-8"?>
+<p:sld xmlns:a="http://schemas.openxmlformats.org/drawingml/2006/main" xmlns:r="http://schemas.openxmlformats.org/officeDocument/2006/relationships" xmlns:p="http://schemas.openxmlformats.org/presentationml/2006/main">
+  <p:cSld>
+    <p:bg>
+      <p:bgPr>
+        <a:solidFill>
+          <a:srgbClr val="FFE599"/>
+        </a:solidFill>
+        <a:effectLst/>
+      </p:bgPr>
+    </p:bg>
+    <p:spTree>
+      <p:nvGrpSpPr>
+        <p:cNvPr id="1" name="Shape 89"/>
+        <p:cNvGrpSpPr/>
+        <p:nvPr/>
+      </p:nvGrpSpPr>
+      <p:grpSpPr>
+        <a:xfrm>
+          <a:off x="0" y="0"/>
+          <a:ext cx="0" cy="0"/>
+          <a:chOff x="0" y="0"/>
+          <a:chExt cx="0" cy="0"/>
+        </a:xfrm>
+      </p:grpSpPr>
+      <p:sp>
+        <p:nvSpPr>
+          <p:cNvPr id="90" name="Google Shape;90;p19"/>
+          <p:cNvSpPr txBox="1">
+            <a:spLocks noGrp="1"/>
+          </p:cNvSpPr>
+          <p:nvPr>
+            <p:ph type="body" idx="1"/>
+          </p:nvPr>
+        </p:nvSpPr>
+        <p:spPr>
+          <a:xfrm>
+            <a:off x="311700" y="397700"/>
+            <a:ext cx="8520600" cy="4171200"/>
+          </a:xfrm>
+          <a:prstGeom prst="rect">
+            <a:avLst/>
+          </a:prstGeom>
+        </p:spPr>
+        <p:txBody>
+          <a:bodyPr spcFirstLastPara="1" wrap="square" lIns="91425" tIns="91425" rIns="91425" bIns="91425" anchor="t" anchorCtr="0">
+            <a:noAutofit/>
+          </a:bodyPr>
+          <a:lstStyle/>
+          <a:p>
+            <a:pPr marL="0" lvl="0" indent="0" algn="l" rtl="0">
+              <a:spcBef>
+                <a:spcPts val="0"/>
+              </a:spcBef>
+              <a:spcAft>
+                <a:spcPts val="1600"/>
+              </a:spcAft>
+              <a:buNone/>
+            </a:pPr>
+            <a:r>
+              <a:rPr lang="en" b="1" i="1">
+                <a:solidFill>
+                  <a:srgbClr val="595959"/>
+                </a:solidFill>
+              </a:rPr>
+              <a:t>Discusses how the information from planning, testing and trialling of components assisted in the development of a high-quality outcome</a:t>
+            </a:r>
+            <a:endParaRPr/>
+          </a:p>
+        </p:txBody>
+      </p:sp>
+    </p:spTree>
+  </p:cSld>
+  <p:clrMapOvr>
+    <a:masterClrMapping/>
+  </p:clrMapOvr>
+</p:sld>
+</file>
+
 <file path=ppt/slides/slide2.xml><?xml version="1.0" encoding="utf-8"?>
 <p:sld xmlns:a="http://schemas.openxmlformats.org/drawingml/2006/main" xmlns:r="http://schemas.openxmlformats.org/officeDocument/2006/relationships" xmlns:p="http://schemas.openxmlformats.org/presentationml/2006/main">
   <p:cSld>
@@ -7689,8 +9747,8 @@
         </p:nvSpPr>
         <p:spPr>
           <a:xfrm>
-            <a:off x="128819" y="246370"/>
-            <a:ext cx="8520600" cy="787605"/>
+            <a:off x="121785" y="0"/>
+            <a:ext cx="8520600" cy="618793"/>
           </a:xfrm>
           <a:prstGeom prst="rect">
             <a:avLst/>
@@ -7713,7 +9771,7 @@
             </a:pPr>
             <a:r>
               <a:rPr lang="en" dirty="0"/>
-              <a:t>Component 2 - Test Plan (?and screenshot)</a:t>
+              <a:t>Component 1 version 2 - Test Plan (?and screenshot)</a:t>
             </a:r>
             <a:br>
               <a:rPr lang="en" dirty="0"/>
@@ -7965,7 +10023,7 @@
     </p:bg>
     <p:spTree>
       <p:nvGrpSpPr>
-        <p:cNvPr id="1" name="Shape 83"/>
+        <p:cNvPr id="1" name="Shape 72"/>
         <p:cNvGrpSpPr/>
         <p:nvPr/>
       </p:nvGrpSpPr>
@@ -7979,7 +10037,7 @@
       </p:grpSpPr>
       <p:sp>
         <p:nvSpPr>
-          <p:cNvPr id="84" name="Google Shape;84;p18"/>
+          <p:cNvPr id="73" name="Google Shape;73;p16"/>
           <p:cNvSpPr txBox="1">
             <a:spLocks noGrp="1"/>
           </p:cNvSpPr>
@@ -7989,7 +10047,7 @@
         </p:nvSpPr>
         <p:spPr>
           <a:xfrm>
-            <a:off x="311700" y="445025"/>
+            <a:off x="185090" y="54943"/>
             <a:ext cx="8520600" cy="572700"/>
           </a:xfrm>
           <a:prstGeom prst="rect">
@@ -8012,56 +10070,120 @@
               <a:buNone/>
             </a:pPr>
             <a:r>
-              <a:rPr lang="en"/>
-              <a:t>Version Control Evidence</a:t>
+              <a:rPr lang="en" dirty="0"/>
+              <a:t>Component 2 (Trello screenshot)</a:t>
             </a:r>
-            <a:endParaRPr/>
+            <a:endParaRPr dirty="0"/>
           </a:p>
         </p:txBody>
       </p:sp>
       <p:sp>
         <p:nvSpPr>
-          <p:cNvPr id="85" name="Google Shape;85;p18"/>
-          <p:cNvSpPr txBox="1">
-            <a:spLocks noGrp="1"/>
-          </p:cNvSpPr>
-          <p:nvPr>
-            <p:ph type="body" idx="1"/>
-          </p:nvPr>
+          <p:cNvPr id="5" name="TextBox 4">
+            <a:extLst>
+              <a:ext uri="{FF2B5EF4-FFF2-40B4-BE49-F238E27FC236}">
+                <a16:creationId xmlns:a16="http://schemas.microsoft.com/office/drawing/2014/main" id="{3604F375-2046-4FD9-97BB-7B2B5001660C}"/>
+              </a:ext>
+            </a:extLst>
+          </p:cNvPr>
+          <p:cNvSpPr txBox="1"/>
+          <p:nvPr/>
         </p:nvSpPr>
         <p:spPr>
           <a:xfrm>
-            <a:off x="311700" y="1152475"/>
-            <a:ext cx="8464200" cy="3739200"/>
+            <a:off x="105508" y="3003452"/>
+            <a:ext cx="5908430" cy="307777"/>
+          </a:xfrm>
+          <a:prstGeom prst="rect">
+            <a:avLst/>
+          </a:prstGeom>
+          <a:noFill/>
+        </p:spPr>
+        <p:txBody>
+          <a:bodyPr wrap="square" rtlCol="0">
+            <a:spAutoFit/>
+          </a:bodyPr>
+          <a:lstStyle/>
+          <a:p>
+            <a:r>
+              <a:rPr lang="en-GB" dirty="0"/>
+              <a:t>Version 2</a:t>
+            </a:r>
+            <a:endParaRPr lang="en-NZ" dirty="0"/>
+          </a:p>
+        </p:txBody>
+      </p:sp>
+      <p:sp>
+        <p:nvSpPr>
+          <p:cNvPr id="6" name="TextBox 5">
+            <a:extLst>
+              <a:ext uri="{FF2B5EF4-FFF2-40B4-BE49-F238E27FC236}">
+                <a16:creationId xmlns:a16="http://schemas.microsoft.com/office/drawing/2014/main" id="{BBE5456E-7120-4FC9-AF8C-95A60E3A437D}"/>
+              </a:ext>
+            </a:extLst>
+          </p:cNvPr>
+          <p:cNvSpPr txBox="1"/>
+          <p:nvPr/>
+        </p:nvSpPr>
+        <p:spPr>
+          <a:xfrm>
+            <a:off x="161778" y="830211"/>
+            <a:ext cx="2630659" cy="307777"/>
+          </a:xfrm>
+          <a:prstGeom prst="rect">
+            <a:avLst/>
+          </a:prstGeom>
+          <a:noFill/>
+        </p:spPr>
+        <p:txBody>
+          <a:bodyPr wrap="square" rtlCol="0">
+            <a:spAutoFit/>
+          </a:bodyPr>
+          <a:lstStyle/>
+          <a:p>
+            <a:r>
+              <a:rPr lang="en-GB" dirty="0"/>
+              <a:t>Version 1</a:t>
+            </a:r>
+          </a:p>
+        </p:txBody>
+      </p:sp>
+      <p:pic>
+        <p:nvPicPr>
+          <p:cNvPr id="7" name="Picture 6">
+            <a:extLst>
+              <a:ext uri="{FF2B5EF4-FFF2-40B4-BE49-F238E27FC236}">
+                <a16:creationId xmlns:a16="http://schemas.microsoft.com/office/drawing/2014/main" id="{0B19969F-F206-474A-9896-5FC7182938E9}"/>
+              </a:ext>
+            </a:extLst>
+          </p:cNvPr>
+          <p:cNvPicPr>
+            <a:picLocks noChangeAspect="1"/>
+          </p:cNvPicPr>
+          <p:nvPr/>
+        </p:nvPicPr>
+        <p:blipFill>
+          <a:blip r:embed="rId3"/>
+          <a:stretch>
+            <a:fillRect/>
+          </a:stretch>
+        </p:blipFill>
+        <p:spPr>
+          <a:xfrm>
+            <a:off x="0" y="1151102"/>
+            <a:ext cx="9144000" cy="1839235"/>
           </a:xfrm>
           <a:prstGeom prst="rect">
             <a:avLst/>
           </a:prstGeom>
         </p:spPr>
-        <p:txBody>
-          <a:bodyPr spcFirstLastPara="1" wrap="square" lIns="91425" tIns="91425" rIns="91425" bIns="91425" anchor="t" anchorCtr="0">
-            <a:noAutofit/>
-          </a:bodyPr>
-          <a:lstStyle/>
-          <a:p>
-            <a:pPr marL="0" lvl="0" indent="0" algn="l" rtl="0">
-              <a:spcBef>
-                <a:spcPts val="0"/>
-              </a:spcBef>
-              <a:spcAft>
-                <a:spcPts val="1600"/>
-              </a:spcAft>
-              <a:buNone/>
-            </a:pPr>
-            <a:r>
-              <a:rPr lang="en" i="1"/>
-              <a:t>Your version control evidence should go here.  This could be in the form of annotated screenshots which show you you managed this process or you could make a brief screencast explaining how you implemented version control.</a:t>
-            </a:r>
-            <a:endParaRPr i="1"/>
-          </a:p>
-        </p:txBody>
-      </p:sp>
+      </p:pic>
     </p:spTree>
+    <p:extLst>
+      <p:ext uri="{BB962C8B-B14F-4D97-AF65-F5344CB8AC3E}">
+        <p14:creationId xmlns:p14="http://schemas.microsoft.com/office/powerpoint/2010/main" val="618949734"/>
+      </p:ext>
+    </p:extLst>
   </p:cSld>
   <p:clrMapOvr>
     <a:masterClrMapping/>
@@ -8072,17 +10194,9 @@
 <file path=ppt/slides/slide8.xml><?xml version="1.0" encoding="utf-8"?>
 <p:sld xmlns:a="http://schemas.openxmlformats.org/drawingml/2006/main" xmlns:r="http://schemas.openxmlformats.org/officeDocument/2006/relationships" xmlns:p="http://schemas.openxmlformats.org/presentationml/2006/main">
   <p:cSld>
-    <p:bg>
-      <p:bgPr>
-        <a:solidFill>
-          <a:srgbClr val="FFE599"/>
-        </a:solidFill>
-        <a:effectLst/>
-      </p:bgPr>
-    </p:bg>
     <p:spTree>
       <p:nvGrpSpPr>
-        <p:cNvPr id="1" name="Shape 89"/>
+        <p:cNvPr id="1" name="Shape 77"/>
         <p:cNvGrpSpPr/>
         <p:nvPr/>
       </p:nvGrpSpPr>
@@ -8096,18 +10210,18 @@
       </p:grpSpPr>
       <p:sp>
         <p:nvSpPr>
-          <p:cNvPr id="90" name="Google Shape;90;p19"/>
+          <p:cNvPr id="78" name="Google Shape;78;p17"/>
           <p:cNvSpPr txBox="1">
             <a:spLocks noGrp="1"/>
           </p:cNvSpPr>
           <p:nvPr>
-            <p:ph type="body" idx="1"/>
+            <p:ph type="title"/>
           </p:nvPr>
         </p:nvSpPr>
         <p:spPr>
           <a:xfrm>
-            <a:off x="311700" y="397700"/>
-            <a:ext cx="8520600" cy="4171200"/>
+            <a:off x="128819" y="246370"/>
+            <a:ext cx="8520600" cy="1132264"/>
           </a:xfrm>
           <a:prstGeom prst="rect">
             <a:avLst/>
@@ -8124,23 +10238,544 @@
                 <a:spcPts val="0"/>
               </a:spcBef>
               <a:spcAft>
-                <a:spcPts val="1600"/>
+                <a:spcPts val="0"/>
               </a:spcAft>
               <a:buNone/>
             </a:pPr>
             <a:r>
-              <a:rPr lang="en" b="1" i="1">
-                <a:solidFill>
-                  <a:srgbClr val="595959"/>
-                </a:solidFill>
-              </a:rPr>
-              <a:t>Discusses how the information from planning, testing and trialling of components assisted in the development of a high-quality outcome</a:t>
+              <a:rPr lang="en" dirty="0"/>
+              <a:t>Component 2 - Test Plan (?and screenshot)</a:t>
             </a:r>
-            <a:endParaRPr/>
+            <a:br>
+              <a:rPr lang="en" dirty="0"/>
+            </a:br>
+            <a:endParaRPr dirty="0"/>
           </a:p>
         </p:txBody>
       </p:sp>
+      <p:graphicFrame>
+        <p:nvGraphicFramePr>
+          <p:cNvPr id="79" name="Google Shape;79;p17"/>
+          <p:cNvGraphicFramePr/>
+          <p:nvPr>
+            <p:extLst>
+              <p:ext uri="{D42A27DB-BD31-4B8C-83A1-F6EECF244321}">
+                <p14:modId xmlns:p14="http://schemas.microsoft.com/office/powerpoint/2010/main" val="2808934606"/>
+              </p:ext>
+            </p:extLst>
+          </p:nvPr>
+        </p:nvGraphicFramePr>
+        <p:xfrm>
+          <a:off x="311700" y="3631224"/>
+          <a:ext cx="8520600" cy="1462980"/>
+        </p:xfrm>
+        <a:graphic>
+          <a:graphicData uri="http://schemas.openxmlformats.org/drawingml/2006/table">
+            <a:tbl>
+              <a:tblPr>
+                <a:noFill/>
+                <a:tableStyleId>{E1099E06-0E6B-448D-9D27-60429F06E6F4}</a:tableStyleId>
+              </a:tblPr>
+              <a:tblGrid>
+                <a:gridCol w="4260300">
+                  <a:extLst>
+                    <a:ext uri="{9D8B030D-6E8A-4147-A177-3AD203B41FA5}">
+                      <a16:colId xmlns:a16="http://schemas.microsoft.com/office/drawing/2014/main" val="20000"/>
+                    </a:ext>
+                  </a:extLst>
+                </a:gridCol>
+                <a:gridCol w="4260300">
+                  <a:extLst>
+                    <a:ext uri="{9D8B030D-6E8A-4147-A177-3AD203B41FA5}">
+                      <a16:colId xmlns:a16="http://schemas.microsoft.com/office/drawing/2014/main" val="20001"/>
+                    </a:ext>
+                  </a:extLst>
+                </a:gridCol>
+              </a:tblGrid>
+              <a:tr h="381000">
+                <a:tc>
+                  <a:txBody>
+                    <a:bodyPr/>
+                    <a:lstStyle/>
+                    <a:p>
+                      <a:pPr marL="0" lvl="0" indent="0" algn="l" rtl="0">
+                        <a:spcBef>
+                          <a:spcPts val="0"/>
+                        </a:spcBef>
+                        <a:spcAft>
+                          <a:spcPts val="0"/>
+                        </a:spcAft>
+                        <a:buNone/>
+                      </a:pPr>
+                      <a:r>
+                        <a:rPr lang="en" sz="1800" b="1" dirty="0"/>
+                        <a:t>Test Case</a:t>
+                      </a:r>
+                      <a:endParaRPr sz="1800" b="1" dirty="0"/>
+                    </a:p>
+                  </a:txBody>
+                  <a:tcPr marL="91425" marR="91425" marT="91425" marB="91425">
+                    <a:solidFill>
+                      <a:srgbClr val="CCCCCC"/>
+                    </a:solidFill>
+                  </a:tcPr>
+                </a:tc>
+                <a:tc>
+                  <a:txBody>
+                    <a:bodyPr/>
+                    <a:lstStyle/>
+                    <a:p>
+                      <a:pPr marL="0" lvl="0" indent="0" algn="l" rtl="0">
+                        <a:spcBef>
+                          <a:spcPts val="0"/>
+                        </a:spcBef>
+                        <a:spcAft>
+                          <a:spcPts val="0"/>
+                        </a:spcAft>
+                        <a:buNone/>
+                      </a:pPr>
+                      <a:r>
+                        <a:rPr lang="en" sz="1800" b="1"/>
+                        <a:t>Expected Values</a:t>
+                      </a:r>
+                      <a:endParaRPr sz="1800" b="1"/>
+                    </a:p>
+                  </a:txBody>
+                  <a:tcPr marL="91425" marR="91425" marT="91425" marB="91425">
+                    <a:solidFill>
+                      <a:srgbClr val="CCCCCC"/>
+                    </a:solidFill>
+                  </a:tcPr>
+                </a:tc>
+                <a:extLst>
+                  <a:ext uri="{0D108BD9-81ED-4DB2-BD59-A6C34878D82A}">
+                    <a16:rowId xmlns:a16="http://schemas.microsoft.com/office/drawing/2014/main" val="10000"/>
+                  </a:ext>
+                </a:extLst>
+              </a:tr>
+              <a:tr h="396200">
+                <a:tc>
+                  <a:txBody>
+                    <a:bodyPr/>
+                    <a:lstStyle/>
+                    <a:p>
+                      <a:pPr marL="0" lvl="0" indent="0" algn="l" rtl="0">
+                        <a:spcBef>
+                          <a:spcPts val="0"/>
+                        </a:spcBef>
+                        <a:spcAft>
+                          <a:spcPts val="0"/>
+                        </a:spcAft>
+                        <a:buNone/>
+                      </a:pPr>
+                      <a:r>
+                        <a:rPr lang="en-GB" sz="1800" dirty="0"/>
+                        <a:t>Run Program</a:t>
+                      </a:r>
+                      <a:endParaRPr sz="1800" dirty="0"/>
+                    </a:p>
+                  </a:txBody>
+                  <a:tcPr marL="91425" marR="91425" marT="91425" marB="91425"/>
+                </a:tc>
+                <a:tc>
+                  <a:txBody>
+                    <a:bodyPr/>
+                    <a:lstStyle/>
+                    <a:p>
+                      <a:pPr marL="0" lvl="0" indent="0" algn="l" rtl="0">
+                        <a:spcBef>
+                          <a:spcPts val="0"/>
+                        </a:spcBef>
+                        <a:spcAft>
+                          <a:spcPts val="0"/>
+                        </a:spcAft>
+                        <a:buNone/>
+                      </a:pPr>
+                      <a:r>
+                        <a:rPr lang="en-GB" sz="1800" dirty="0"/>
+                        <a:t>Ability to type D or P for pickup or delivery and then print messages based of input</a:t>
+                      </a:r>
+                      <a:endParaRPr sz="1800" dirty="0"/>
+                    </a:p>
+                  </a:txBody>
+                  <a:tcPr marL="91425" marR="91425" marT="91425" marB="91425"/>
+                </a:tc>
+                <a:extLst>
+                  <a:ext uri="{0D108BD9-81ED-4DB2-BD59-A6C34878D82A}">
+                    <a16:rowId xmlns:a16="http://schemas.microsoft.com/office/drawing/2014/main" val="10001"/>
+                  </a:ext>
+                </a:extLst>
+              </a:tr>
+            </a:tbl>
+          </a:graphicData>
+        </a:graphic>
+      </p:graphicFrame>
+      <p:pic>
+        <p:nvPicPr>
+          <p:cNvPr id="4" name="Picture 3">
+            <a:extLst>
+              <a:ext uri="{FF2B5EF4-FFF2-40B4-BE49-F238E27FC236}">
+                <a16:creationId xmlns:a16="http://schemas.microsoft.com/office/drawing/2014/main" id="{200C8786-237C-4132-9A5A-4A623E019802}"/>
+              </a:ext>
+            </a:extLst>
+          </p:cNvPr>
+          <p:cNvPicPr>
+            <a:picLocks noChangeAspect="1"/>
+          </p:cNvPicPr>
+          <p:nvPr/>
+        </p:nvPicPr>
+        <p:blipFill>
+          <a:blip r:embed="rId3"/>
+          <a:stretch>
+            <a:fillRect/>
+          </a:stretch>
+        </p:blipFill>
+        <p:spPr>
+          <a:xfrm>
+            <a:off x="145438" y="1127834"/>
+            <a:ext cx="4243681" cy="1818720"/>
+          </a:xfrm>
+          <a:prstGeom prst="rect">
+            <a:avLst/>
+          </a:prstGeom>
+        </p:spPr>
+      </p:pic>
+      <p:pic>
+        <p:nvPicPr>
+          <p:cNvPr id="7" name="Picture 6">
+            <a:extLst>
+              <a:ext uri="{FF2B5EF4-FFF2-40B4-BE49-F238E27FC236}">
+                <a16:creationId xmlns:a16="http://schemas.microsoft.com/office/drawing/2014/main" id="{7B37B3E9-0663-472C-8388-E3A0879AE8F4}"/>
+              </a:ext>
+            </a:extLst>
+          </p:cNvPr>
+          <p:cNvPicPr>
+            <a:picLocks noChangeAspect="1"/>
+          </p:cNvPicPr>
+          <p:nvPr/>
+        </p:nvPicPr>
+        <p:blipFill>
+          <a:blip r:embed="rId4"/>
+          <a:stretch>
+            <a:fillRect/>
+          </a:stretch>
+        </p:blipFill>
+        <p:spPr>
+          <a:xfrm>
+            <a:off x="4405738" y="1621985"/>
+            <a:ext cx="4804610" cy="523337"/>
+          </a:xfrm>
+          <a:prstGeom prst="rect">
+            <a:avLst/>
+          </a:prstGeom>
+        </p:spPr>
+      </p:pic>
     </p:spTree>
+    <p:extLst>
+      <p:ext uri="{BB962C8B-B14F-4D97-AF65-F5344CB8AC3E}">
+        <p14:creationId xmlns:p14="http://schemas.microsoft.com/office/powerpoint/2010/main" val="1350725316"/>
+      </p:ext>
+    </p:extLst>
+  </p:cSld>
+  <p:clrMapOvr>
+    <a:masterClrMapping/>
+  </p:clrMapOvr>
+</p:sld>
+</file>
+
+<file path=ppt/slides/slide9.xml><?xml version="1.0" encoding="utf-8"?>
+<p:sld xmlns:a="http://schemas.openxmlformats.org/drawingml/2006/main" xmlns:r="http://schemas.openxmlformats.org/officeDocument/2006/relationships" xmlns:p="http://schemas.openxmlformats.org/presentationml/2006/main">
+  <p:cSld>
+    <p:spTree>
+      <p:nvGrpSpPr>
+        <p:cNvPr id="1" name="Shape 77"/>
+        <p:cNvGrpSpPr/>
+        <p:nvPr/>
+      </p:nvGrpSpPr>
+      <p:grpSpPr>
+        <a:xfrm>
+          <a:off x="0" y="0"/>
+          <a:ext cx="0" cy="0"/>
+          <a:chOff x="0" y="0"/>
+          <a:chExt cx="0" cy="0"/>
+        </a:xfrm>
+      </p:grpSpPr>
+      <p:sp>
+        <p:nvSpPr>
+          <p:cNvPr id="78" name="Google Shape;78;p17"/>
+          <p:cNvSpPr txBox="1">
+            <a:spLocks noGrp="1"/>
+          </p:cNvSpPr>
+          <p:nvPr>
+            <p:ph type="title"/>
+          </p:nvPr>
+        </p:nvSpPr>
+        <p:spPr>
+          <a:xfrm>
+            <a:off x="128819" y="147386"/>
+            <a:ext cx="8520600" cy="1132264"/>
+          </a:xfrm>
+          <a:prstGeom prst="rect">
+            <a:avLst/>
+          </a:prstGeom>
+        </p:spPr>
+        <p:txBody>
+          <a:bodyPr spcFirstLastPara="1" wrap="square" lIns="91425" tIns="91425" rIns="91425" bIns="91425" anchor="t" anchorCtr="0">
+            <a:noAutofit/>
+          </a:bodyPr>
+          <a:lstStyle/>
+          <a:p>
+            <a:pPr marL="0" lvl="0" indent="0" algn="l" rtl="0">
+              <a:spcBef>
+                <a:spcPts val="0"/>
+              </a:spcBef>
+              <a:spcAft>
+                <a:spcPts val="0"/>
+              </a:spcAft>
+              <a:buNone/>
+            </a:pPr>
+            <a:r>
+              <a:rPr lang="en" dirty="0"/>
+              <a:t>Component 2 version 2 - Test Plan (?and screenshot)</a:t>
+            </a:r>
+            <a:br>
+              <a:rPr lang="en" dirty="0"/>
+            </a:br>
+            <a:endParaRPr dirty="0"/>
+          </a:p>
+        </p:txBody>
+      </p:sp>
+      <p:graphicFrame>
+        <p:nvGraphicFramePr>
+          <p:cNvPr id="79" name="Google Shape;79;p17"/>
+          <p:cNvGraphicFramePr/>
+          <p:nvPr>
+            <p:extLst>
+              <p:ext uri="{D42A27DB-BD31-4B8C-83A1-F6EECF244321}">
+                <p14:modId xmlns:p14="http://schemas.microsoft.com/office/powerpoint/2010/main" val="3678491555"/>
+              </p:ext>
+            </p:extLst>
+          </p:nvPr>
+        </p:nvGraphicFramePr>
+        <p:xfrm>
+          <a:off x="311700" y="3631224"/>
+          <a:ext cx="8520600" cy="1462980"/>
+        </p:xfrm>
+        <a:graphic>
+          <a:graphicData uri="http://schemas.openxmlformats.org/drawingml/2006/table">
+            <a:tbl>
+              <a:tblPr>
+                <a:noFill/>
+                <a:tableStyleId>{E1099E06-0E6B-448D-9D27-60429F06E6F4}</a:tableStyleId>
+              </a:tblPr>
+              <a:tblGrid>
+                <a:gridCol w="4260300">
+                  <a:extLst>
+                    <a:ext uri="{9D8B030D-6E8A-4147-A177-3AD203B41FA5}">
+                      <a16:colId xmlns:a16="http://schemas.microsoft.com/office/drawing/2014/main" val="20000"/>
+                    </a:ext>
+                  </a:extLst>
+                </a:gridCol>
+                <a:gridCol w="4260300">
+                  <a:extLst>
+                    <a:ext uri="{9D8B030D-6E8A-4147-A177-3AD203B41FA5}">
+                      <a16:colId xmlns:a16="http://schemas.microsoft.com/office/drawing/2014/main" val="20001"/>
+                    </a:ext>
+                  </a:extLst>
+                </a:gridCol>
+              </a:tblGrid>
+              <a:tr h="381000">
+                <a:tc>
+                  <a:txBody>
+                    <a:bodyPr/>
+                    <a:lstStyle/>
+                    <a:p>
+                      <a:pPr marL="0" lvl="0" indent="0" algn="l" rtl="0">
+                        <a:spcBef>
+                          <a:spcPts val="0"/>
+                        </a:spcBef>
+                        <a:spcAft>
+                          <a:spcPts val="0"/>
+                        </a:spcAft>
+                        <a:buNone/>
+                      </a:pPr>
+                      <a:r>
+                        <a:rPr lang="en" sz="1800" b="1" dirty="0"/>
+                        <a:t>Test Case</a:t>
+                      </a:r>
+                      <a:endParaRPr sz="1800" b="1" dirty="0"/>
+                    </a:p>
+                  </a:txBody>
+                  <a:tcPr marL="91425" marR="91425" marT="91425" marB="91425">
+                    <a:solidFill>
+                      <a:srgbClr val="CCCCCC"/>
+                    </a:solidFill>
+                  </a:tcPr>
+                </a:tc>
+                <a:tc>
+                  <a:txBody>
+                    <a:bodyPr/>
+                    <a:lstStyle/>
+                    <a:p>
+                      <a:pPr marL="0" lvl="0" indent="0" algn="l" rtl="0">
+                        <a:spcBef>
+                          <a:spcPts val="0"/>
+                        </a:spcBef>
+                        <a:spcAft>
+                          <a:spcPts val="0"/>
+                        </a:spcAft>
+                        <a:buNone/>
+                      </a:pPr>
+                      <a:r>
+                        <a:rPr lang="en" sz="1800" b="1"/>
+                        <a:t>Expected Values</a:t>
+                      </a:r>
+                      <a:endParaRPr sz="1800" b="1"/>
+                    </a:p>
+                  </a:txBody>
+                  <a:tcPr marL="91425" marR="91425" marT="91425" marB="91425">
+                    <a:solidFill>
+                      <a:srgbClr val="CCCCCC"/>
+                    </a:solidFill>
+                  </a:tcPr>
+                </a:tc>
+                <a:extLst>
+                  <a:ext uri="{0D108BD9-81ED-4DB2-BD59-A6C34878D82A}">
+                    <a16:rowId xmlns:a16="http://schemas.microsoft.com/office/drawing/2014/main" val="10000"/>
+                  </a:ext>
+                </a:extLst>
+              </a:tr>
+              <a:tr h="396200">
+                <a:tc>
+                  <a:txBody>
+                    <a:bodyPr/>
+                    <a:lstStyle/>
+                    <a:p>
+                      <a:pPr marL="0" lvl="0" indent="0" algn="l" rtl="0">
+                        <a:spcBef>
+                          <a:spcPts val="0"/>
+                        </a:spcBef>
+                        <a:spcAft>
+                          <a:spcPts val="0"/>
+                        </a:spcAft>
+                        <a:buNone/>
+                      </a:pPr>
+                      <a:r>
+                        <a:rPr lang="en-GB" sz="1800" dirty="0"/>
+                        <a:t>Run Program</a:t>
+                      </a:r>
+                      <a:endParaRPr sz="1800" dirty="0"/>
+                    </a:p>
+                  </a:txBody>
+                  <a:tcPr marL="91425" marR="91425" marT="91425" marB="91425"/>
+                </a:tc>
+                <a:tc>
+                  <a:txBody>
+                    <a:bodyPr/>
+                    <a:lstStyle/>
+                    <a:p>
+                      <a:pPr marL="0" lvl="0" indent="0" algn="l" rtl="0">
+                        <a:spcBef>
+                          <a:spcPts val="0"/>
+                        </a:spcBef>
+                        <a:spcAft>
+                          <a:spcPts val="0"/>
+                        </a:spcAft>
+                        <a:buNone/>
+                      </a:pPr>
+                      <a:r>
+                        <a:rPr lang="en-GB" sz="1800" dirty="0"/>
+                        <a:t>Able to order d for delivery or p for pickup with appropriate messages and another message if done </a:t>
+                      </a:r>
+                      <a:r>
+                        <a:rPr lang="en-GB" sz="1800" dirty="0" err="1"/>
+                        <a:t>incorrectely</a:t>
+                      </a:r>
+                      <a:r>
+                        <a:rPr lang="en-GB" sz="1800" dirty="0"/>
+                        <a:t> </a:t>
+                      </a:r>
+                      <a:endParaRPr sz="1800" dirty="0"/>
+                    </a:p>
+                  </a:txBody>
+                  <a:tcPr marL="91425" marR="91425" marT="91425" marB="91425"/>
+                </a:tc>
+                <a:extLst>
+                  <a:ext uri="{0D108BD9-81ED-4DB2-BD59-A6C34878D82A}">
+                    <a16:rowId xmlns:a16="http://schemas.microsoft.com/office/drawing/2014/main" val="10001"/>
+                  </a:ext>
+                </a:extLst>
+              </a:tr>
+            </a:tbl>
+          </a:graphicData>
+        </a:graphic>
+      </p:graphicFrame>
+      <p:pic>
+        <p:nvPicPr>
+          <p:cNvPr id="3" name="Picture 2">
+            <a:extLst>
+              <a:ext uri="{FF2B5EF4-FFF2-40B4-BE49-F238E27FC236}">
+                <a16:creationId xmlns:a16="http://schemas.microsoft.com/office/drawing/2014/main" id="{45AC4A6D-070B-4567-8E4D-C87B2F450E86}"/>
+              </a:ext>
+            </a:extLst>
+          </p:cNvPr>
+          <p:cNvPicPr>
+            <a:picLocks noChangeAspect="1"/>
+          </p:cNvPicPr>
+          <p:nvPr/>
+        </p:nvPicPr>
+        <p:blipFill>
+          <a:blip r:embed="rId3"/>
+          <a:stretch>
+            <a:fillRect/>
+          </a:stretch>
+        </p:blipFill>
+        <p:spPr>
+          <a:xfrm>
+            <a:off x="78202" y="1279650"/>
+            <a:ext cx="4135902" cy="1882068"/>
+          </a:xfrm>
+          <a:prstGeom prst="rect">
+            <a:avLst/>
+          </a:prstGeom>
+        </p:spPr>
+      </p:pic>
+      <p:pic>
+        <p:nvPicPr>
+          <p:cNvPr id="6" name="Picture 5">
+            <a:extLst>
+              <a:ext uri="{FF2B5EF4-FFF2-40B4-BE49-F238E27FC236}">
+                <a16:creationId xmlns:a16="http://schemas.microsoft.com/office/drawing/2014/main" id="{8544C780-D657-4E81-BAA7-2C45A2FCC60B}"/>
+              </a:ext>
+            </a:extLst>
+          </p:cNvPr>
+          <p:cNvPicPr>
+            <a:picLocks noChangeAspect="1"/>
+          </p:cNvPicPr>
+          <p:nvPr/>
+        </p:nvPicPr>
+        <p:blipFill>
+          <a:blip r:embed="rId4"/>
+          <a:stretch>
+            <a:fillRect/>
+          </a:stretch>
+        </p:blipFill>
+        <p:spPr>
+          <a:xfrm>
+            <a:off x="4214104" y="1749156"/>
+            <a:ext cx="4618196" cy="669021"/>
+          </a:xfrm>
+          <a:prstGeom prst="rect">
+            <a:avLst/>
+          </a:prstGeom>
+        </p:spPr>
+      </p:pic>
+    </p:spTree>
+    <p:extLst>
+      <p:ext uri="{BB962C8B-B14F-4D97-AF65-F5344CB8AC3E}">
+        <p14:creationId xmlns:p14="http://schemas.microsoft.com/office/powerpoint/2010/main" val="3150406373"/>
+      </p:ext>
+    </p:extLst>
   </p:cSld>
   <p:clrMapOvr>
     <a:masterClrMapping/>

--- a/022_91893+_+91897+Documentation.pptx
+++ b/022_91893+_+91897+Documentation.pptx
@@ -5,7 +5,7 @@
     <p:sldMasterId id="2147483659" r:id="rId1"/>
   </p:sldMasterIdLst>
   <p:notesMasterIdLst>
-    <p:notesMasterId r:id="rId16"/>
+    <p:notesMasterId r:id="rId19"/>
   </p:notesMasterIdLst>
   <p:sldIdLst>
     <p:sldId id="256" r:id="rId2"/>
@@ -15,13 +15,16 @@
     <p:sldId id="260" r:id="rId6"/>
     <p:sldId id="263" r:id="rId7"/>
     <p:sldId id="264" r:id="rId8"/>
-    <p:sldId id="265" r:id="rId9"/>
-    <p:sldId id="266" r:id="rId10"/>
-    <p:sldId id="267" r:id="rId11"/>
-    <p:sldId id="268" r:id="rId12"/>
-    <p:sldId id="269" r:id="rId13"/>
-    <p:sldId id="261" r:id="rId14"/>
-    <p:sldId id="262" r:id="rId15"/>
+    <p:sldId id="270" r:id="rId9"/>
+    <p:sldId id="265" r:id="rId10"/>
+    <p:sldId id="266" r:id="rId11"/>
+    <p:sldId id="267" r:id="rId12"/>
+    <p:sldId id="268" r:id="rId13"/>
+    <p:sldId id="269" r:id="rId14"/>
+    <p:sldId id="271" r:id="rId15"/>
+    <p:sldId id="272" r:id="rId16"/>
+    <p:sldId id="261" r:id="rId17"/>
+    <p:sldId id="262" r:id="rId18"/>
   </p:sldIdLst>
   <p:sldSz cx="9144000" cy="5143500" type="screen16x9"/>
   <p:notesSz cx="6858000" cy="9144000"/>
@@ -286,7 +289,7 @@
   <pc:docChgLst>
     <pc:chgData name="Sean Albertyn" userId="f499a6e059928ae0" providerId="LiveId" clId="{AE64FCEC-2C26-418C-80E2-383765709D65}"/>
     <pc:docChg chg="undo custSel addSld modSld sldOrd">
-      <pc:chgData name="Sean Albertyn" userId="f499a6e059928ae0" providerId="LiveId" clId="{AE64FCEC-2C26-418C-80E2-383765709D65}" dt="2022-02-18T01:37:44.816" v="1066" actId="20577"/>
+      <pc:chgData name="Sean Albertyn" userId="f499a6e059928ae0" providerId="LiveId" clId="{AE64FCEC-2C26-418C-80E2-383765709D65}" dt="2022-02-20T21:17:45.326" v="1268" actId="1076"/>
       <pc:docMkLst>
         <pc:docMk/>
       </pc:docMkLst>
@@ -666,7 +669,7 @@
         </pc:picChg>
       </pc:sldChg>
       <pc:sldChg chg="addSp delSp modSp add mod">
-        <pc:chgData name="Sean Albertyn" userId="f499a6e059928ae0" providerId="LiveId" clId="{AE64FCEC-2C26-418C-80E2-383765709D65}" dt="2022-02-15T21:00:04.409" v="958" actId="1076"/>
+        <pc:chgData name="Sean Albertyn" userId="f499a6e059928ae0" providerId="LiveId" clId="{AE64FCEC-2C26-418C-80E2-383765709D65}" dt="2022-02-20T21:12:52.509" v="1102" actId="313"/>
         <pc:sldMkLst>
           <pc:docMk/>
           <pc:sldMk cId="3807352144" sldId="268"/>
@@ -680,7 +683,7 @@
           </ac:spMkLst>
         </pc:spChg>
         <pc:graphicFrameChg chg="mod modGraphic">
-          <ac:chgData name="Sean Albertyn" userId="f499a6e059928ae0" providerId="LiveId" clId="{AE64FCEC-2C26-418C-80E2-383765709D65}" dt="2022-02-15T21:00:04.409" v="958" actId="1076"/>
+          <ac:chgData name="Sean Albertyn" userId="f499a6e059928ae0" providerId="LiveId" clId="{AE64FCEC-2C26-418C-80E2-383765709D65}" dt="2022-02-20T21:12:52.509" v="1102" actId="313"/>
           <ac:graphicFrameMkLst>
             <pc:docMk/>
             <pc:sldMk cId="3807352144" sldId="268"/>
@@ -771,6 +774,123 @@
           <ac:picMkLst>
             <pc:docMk/>
             <pc:sldMk cId="2147607838" sldId="269"/>
+            <ac:picMk id="7" creationId="{3C59C378-FDD6-4170-8C56-9CC2C5278602}"/>
+          </ac:picMkLst>
+        </pc:picChg>
+      </pc:sldChg>
+      <pc:sldChg chg="addSp delSp modSp add mod">
+        <pc:chgData name="Sean Albertyn" userId="f499a6e059928ae0" providerId="LiveId" clId="{AE64FCEC-2C26-418C-80E2-383765709D65}" dt="2022-02-18T02:04:49.419" v="1082" actId="1076"/>
+        <pc:sldMkLst>
+          <pc:docMk/>
+          <pc:sldMk cId="2036794134" sldId="270"/>
+        </pc:sldMkLst>
+        <pc:spChg chg="mod">
+          <ac:chgData name="Sean Albertyn" userId="f499a6e059928ae0" providerId="LiveId" clId="{AE64FCEC-2C26-418C-80E2-383765709D65}" dt="2022-02-18T02:04:08.482" v="1078" actId="20577"/>
+          <ac:spMkLst>
+            <pc:docMk/>
+            <pc:sldMk cId="2036794134" sldId="270"/>
+            <ac:spMk id="73" creationId="{00000000-0000-0000-0000-000000000000}"/>
+          </ac:spMkLst>
+        </pc:spChg>
+        <pc:picChg chg="add mod">
+          <ac:chgData name="Sean Albertyn" userId="f499a6e059928ae0" providerId="LiveId" clId="{AE64FCEC-2C26-418C-80E2-383765709D65}" dt="2022-02-18T02:04:49.419" v="1082" actId="1076"/>
+          <ac:picMkLst>
+            <pc:docMk/>
+            <pc:sldMk cId="2036794134" sldId="270"/>
+            <ac:picMk id="3" creationId="{095DF665-A854-4568-B628-A2D2007A39EA}"/>
+          </ac:picMkLst>
+        </pc:picChg>
+        <pc:picChg chg="del">
+          <ac:chgData name="Sean Albertyn" userId="f499a6e059928ae0" providerId="LiveId" clId="{AE64FCEC-2C26-418C-80E2-383765709D65}" dt="2022-02-18T02:04:04.707" v="1068" actId="478"/>
+          <ac:picMkLst>
+            <pc:docMk/>
+            <pc:sldMk cId="2036794134" sldId="270"/>
+            <ac:picMk id="7" creationId="{0B19969F-F206-474A-9896-5FC7182938E9}"/>
+          </ac:picMkLst>
+        </pc:picChg>
+      </pc:sldChg>
+      <pc:sldChg chg="addSp delSp modSp add mod ord">
+        <pc:chgData name="Sean Albertyn" userId="f499a6e059928ae0" providerId="LiveId" clId="{AE64FCEC-2C26-418C-80E2-383765709D65}" dt="2022-02-20T21:11:48.155" v="1101" actId="1076"/>
+        <pc:sldMkLst>
+          <pc:docMk/>
+          <pc:sldMk cId="2122452375" sldId="271"/>
+        </pc:sldMkLst>
+        <pc:spChg chg="mod">
+          <ac:chgData name="Sean Albertyn" userId="f499a6e059928ae0" providerId="LiveId" clId="{AE64FCEC-2C26-418C-80E2-383765709D65}" dt="2022-02-20T21:11:23.256" v="1096" actId="20577"/>
+          <ac:spMkLst>
+            <pc:docMk/>
+            <pc:sldMk cId="2122452375" sldId="271"/>
+            <ac:spMk id="73" creationId="{00000000-0000-0000-0000-000000000000}"/>
+          </ac:spMkLst>
+        </pc:spChg>
+        <pc:picChg chg="del">
+          <ac:chgData name="Sean Albertyn" userId="f499a6e059928ae0" providerId="LiveId" clId="{AE64FCEC-2C26-418C-80E2-383765709D65}" dt="2022-02-20T21:11:25.055" v="1097" actId="478"/>
+          <ac:picMkLst>
+            <pc:docMk/>
+            <pc:sldMk cId="2122452375" sldId="271"/>
+            <ac:picMk id="3" creationId="{095DF665-A854-4568-B628-A2D2007A39EA}"/>
+          </ac:picMkLst>
+        </pc:picChg>
+        <pc:picChg chg="add mod">
+          <ac:chgData name="Sean Albertyn" userId="f499a6e059928ae0" providerId="LiveId" clId="{AE64FCEC-2C26-418C-80E2-383765709D65}" dt="2022-02-20T21:11:48.155" v="1101" actId="1076"/>
+          <ac:picMkLst>
+            <pc:docMk/>
+            <pc:sldMk cId="2122452375" sldId="271"/>
+            <ac:picMk id="4" creationId="{A3906415-7D0E-4FB4-9F6B-ACF1AF0F2DBC}"/>
+          </ac:picMkLst>
+        </pc:picChg>
+      </pc:sldChg>
+      <pc:sldChg chg="addSp delSp modSp add mod ord">
+        <pc:chgData name="Sean Albertyn" userId="f499a6e059928ae0" providerId="LiveId" clId="{AE64FCEC-2C26-418C-80E2-383765709D65}" dt="2022-02-20T21:17:45.326" v="1268" actId="1076"/>
+        <pc:sldMkLst>
+          <pc:docMk/>
+          <pc:sldMk cId="4002751945" sldId="272"/>
+        </pc:sldMkLst>
+        <pc:spChg chg="mod">
+          <ac:chgData name="Sean Albertyn" userId="f499a6e059928ae0" providerId="LiveId" clId="{AE64FCEC-2C26-418C-80E2-383765709D65}" dt="2022-02-20T21:14:56.196" v="1108" actId="20577"/>
+          <ac:spMkLst>
+            <pc:docMk/>
+            <pc:sldMk cId="4002751945" sldId="272"/>
+            <ac:spMk id="78" creationId="{00000000-0000-0000-0000-000000000000}"/>
+          </ac:spMkLst>
+        </pc:spChg>
+        <pc:graphicFrameChg chg="mod modGraphic">
+          <ac:chgData name="Sean Albertyn" userId="f499a6e059928ae0" providerId="LiveId" clId="{AE64FCEC-2C26-418C-80E2-383765709D65}" dt="2022-02-20T21:17:45.326" v="1268" actId="1076"/>
+          <ac:graphicFrameMkLst>
+            <pc:docMk/>
+            <pc:sldMk cId="4002751945" sldId="272"/>
+            <ac:graphicFrameMk id="79" creationId="{00000000-0000-0000-0000-000000000000}"/>
+          </ac:graphicFrameMkLst>
+        </pc:graphicFrameChg>
+        <pc:picChg chg="add mod">
+          <ac:chgData name="Sean Albertyn" userId="f499a6e059928ae0" providerId="LiveId" clId="{AE64FCEC-2C26-418C-80E2-383765709D65}" dt="2022-02-20T21:15:07.137" v="1114" actId="1076"/>
+          <ac:picMkLst>
+            <pc:docMk/>
+            <pc:sldMk cId="4002751945" sldId="272"/>
+            <ac:picMk id="3" creationId="{5C00087B-424B-436E-A3D7-050DE1A97199}"/>
+          </ac:picMkLst>
+        </pc:picChg>
+        <pc:picChg chg="del">
+          <ac:chgData name="Sean Albertyn" userId="f499a6e059928ae0" providerId="LiveId" clId="{AE64FCEC-2C26-418C-80E2-383765709D65}" dt="2022-02-20T21:14:57.680" v="1109" actId="478"/>
+          <ac:picMkLst>
+            <pc:docMk/>
+            <pc:sldMk cId="4002751945" sldId="272"/>
+            <ac:picMk id="4" creationId="{04433B80-6AE1-4F35-91D8-122159C09872}"/>
+          </ac:picMkLst>
+        </pc:picChg>
+        <pc:picChg chg="add mod">
+          <ac:chgData name="Sean Albertyn" userId="f499a6e059928ae0" providerId="LiveId" clId="{AE64FCEC-2C26-418C-80E2-383765709D65}" dt="2022-02-20T21:15:32.205" v="1116" actId="1076"/>
+          <ac:picMkLst>
+            <pc:docMk/>
+            <pc:sldMk cId="4002751945" sldId="272"/>
+            <ac:picMk id="6" creationId="{0167CB61-3A45-4655-9152-2346AC45B65E}"/>
+          </ac:picMkLst>
+        </pc:picChg>
+        <pc:picChg chg="del">
+          <ac:chgData name="Sean Albertyn" userId="f499a6e059928ae0" providerId="LiveId" clId="{AE64FCEC-2C26-418C-80E2-383765709D65}" dt="2022-02-20T21:14:58.044" v="1110" actId="478"/>
+          <ac:picMkLst>
+            <pc:docMk/>
+            <pc:sldMk cId="4002751945" sldId="272"/>
             <ac:picMk id="7" creationId="{3C59C378-FDD6-4170-8C56-9CC2C5278602}"/>
           </ac:picMkLst>
         </pc:picChg>
@@ -1463,7 +1583,7 @@
     </p:spTree>
     <p:extLst>
       <p:ext uri="{BB962C8B-B14F-4D97-AF65-F5344CB8AC3E}">
-        <p14:creationId xmlns:p14="http://schemas.microsoft.com/office/powerpoint/2010/main" val="599820591"/>
+        <p14:creationId xmlns:p14="http://schemas.microsoft.com/office/powerpoint/2010/main" val="879393648"/>
       </p:ext>
     </p:extLst>
   </p:cSld>
@@ -1572,7 +1692,7 @@
     </p:spTree>
     <p:extLst>
       <p:ext uri="{BB962C8B-B14F-4D97-AF65-F5344CB8AC3E}">
-        <p14:creationId xmlns:p14="http://schemas.microsoft.com/office/powerpoint/2010/main" val="2389826428"/>
+        <p14:creationId xmlns:p14="http://schemas.microsoft.com/office/powerpoint/2010/main" val="599820591"/>
       </p:ext>
     </p:extLst>
   </p:cSld>
@@ -1681,6 +1801,115 @@
     </p:spTree>
     <p:extLst>
       <p:ext uri="{BB962C8B-B14F-4D97-AF65-F5344CB8AC3E}">
+        <p14:creationId xmlns:p14="http://schemas.microsoft.com/office/powerpoint/2010/main" val="2389826428"/>
+      </p:ext>
+    </p:extLst>
+  </p:cSld>
+  <p:clrMapOvr>
+    <a:masterClrMapping/>
+  </p:clrMapOvr>
+</p:notes>
+</file>
+
+<file path=ppt/notesSlides/notesSlide13.xml><?xml version="1.0" encoding="utf-8"?>
+<p:notes xmlns:a="http://schemas.openxmlformats.org/drawingml/2006/main" xmlns:r="http://schemas.openxmlformats.org/officeDocument/2006/relationships" xmlns:p="http://schemas.openxmlformats.org/presentationml/2006/main" showMasterSp="0" showMasterPhAnim="0">
+  <p:cSld>
+    <p:spTree>
+      <p:nvGrpSpPr>
+        <p:cNvPr id="1" name="Shape 74"/>
+        <p:cNvGrpSpPr/>
+        <p:nvPr/>
+      </p:nvGrpSpPr>
+      <p:grpSpPr>
+        <a:xfrm>
+          <a:off x="0" y="0"/>
+          <a:ext cx="0" cy="0"/>
+          <a:chOff x="0" y="0"/>
+          <a:chExt cx="0" cy="0"/>
+        </a:xfrm>
+      </p:grpSpPr>
+      <p:sp>
+        <p:nvSpPr>
+          <p:cNvPr id="75" name="Google Shape;75;gac10fef634_0_20:notes"/>
+          <p:cNvSpPr>
+            <a:spLocks noGrp="1" noRot="1" noChangeAspect="1"/>
+          </p:cNvSpPr>
+          <p:nvPr>
+            <p:ph type="sldImg" idx="2"/>
+          </p:nvPr>
+        </p:nvSpPr>
+        <p:spPr>
+          <a:xfrm>
+            <a:off x="381000" y="685800"/>
+            <a:ext cx="6096000" cy="3429000"/>
+          </a:xfrm>
+          <a:custGeom>
+            <a:avLst/>
+            <a:gdLst/>
+            <a:ahLst/>
+            <a:cxnLst/>
+            <a:rect l="l" t="t" r="r" b="b"/>
+            <a:pathLst>
+              <a:path w="120000" h="120000" extrusionOk="0">
+                <a:moveTo>
+                  <a:pt x="0" y="0"/>
+                </a:moveTo>
+                <a:lnTo>
+                  <a:pt x="120000" y="0"/>
+                </a:lnTo>
+                <a:lnTo>
+                  <a:pt x="120000" y="120000"/>
+                </a:lnTo>
+                <a:lnTo>
+                  <a:pt x="0" y="120000"/>
+                </a:lnTo>
+                <a:close/>
+              </a:path>
+            </a:pathLst>
+          </a:custGeom>
+        </p:spPr>
+      </p:sp>
+      <p:sp>
+        <p:nvSpPr>
+          <p:cNvPr id="76" name="Google Shape;76;gac10fef634_0_20:notes"/>
+          <p:cNvSpPr txBox="1">
+            <a:spLocks noGrp="1"/>
+          </p:cNvSpPr>
+          <p:nvPr>
+            <p:ph type="body" idx="1"/>
+          </p:nvPr>
+        </p:nvSpPr>
+        <p:spPr>
+          <a:xfrm>
+            <a:off x="685800" y="4343400"/>
+            <a:ext cx="5486400" cy="4114800"/>
+          </a:xfrm>
+          <a:prstGeom prst="rect">
+            <a:avLst/>
+          </a:prstGeom>
+        </p:spPr>
+        <p:txBody>
+          <a:bodyPr spcFirstLastPara="1" wrap="square" lIns="91425" tIns="91425" rIns="91425" bIns="91425" anchor="t" anchorCtr="0">
+            <a:noAutofit/>
+          </a:bodyPr>
+          <a:lstStyle/>
+          <a:p>
+            <a:pPr marL="0" lvl="0" indent="0" algn="l" rtl="0">
+              <a:spcBef>
+                <a:spcPts val="0"/>
+              </a:spcBef>
+              <a:spcAft>
+                <a:spcPts val="0"/>
+              </a:spcAft>
+              <a:buNone/>
+            </a:pPr>
+            <a:endParaRPr/>
+          </a:p>
+        </p:txBody>
+      </p:sp>
+    </p:spTree>
+    <p:extLst>
+      <p:ext uri="{BB962C8B-B14F-4D97-AF65-F5344CB8AC3E}">
         <p14:creationId xmlns:p14="http://schemas.microsoft.com/office/powerpoint/2010/main" val="2334375988"/>
       </p:ext>
     </p:extLst>
@@ -1691,7 +1920,225 @@
 </p:notes>
 </file>
 
-<file path=ppt/notesSlides/notesSlide13.xml><?xml version="1.0" encoding="utf-8"?>
+<file path=ppt/notesSlides/notesSlide14.xml><?xml version="1.0" encoding="utf-8"?>
+<p:notes xmlns:a="http://schemas.openxmlformats.org/drawingml/2006/main" xmlns:r="http://schemas.openxmlformats.org/officeDocument/2006/relationships" xmlns:p="http://schemas.openxmlformats.org/presentationml/2006/main" showMasterSp="0" showMasterPhAnim="0">
+  <p:cSld>
+    <p:spTree>
+      <p:nvGrpSpPr>
+        <p:cNvPr id="1" name="Shape 69"/>
+        <p:cNvGrpSpPr/>
+        <p:nvPr/>
+      </p:nvGrpSpPr>
+      <p:grpSpPr>
+        <a:xfrm>
+          <a:off x="0" y="0"/>
+          <a:ext cx="0" cy="0"/>
+          <a:chOff x="0" y="0"/>
+          <a:chExt cx="0" cy="0"/>
+        </a:xfrm>
+      </p:grpSpPr>
+      <p:sp>
+        <p:nvSpPr>
+          <p:cNvPr id="70" name="Google Shape;70;gac10fef634_0_16:notes"/>
+          <p:cNvSpPr>
+            <a:spLocks noGrp="1" noRot="1" noChangeAspect="1"/>
+          </p:cNvSpPr>
+          <p:nvPr>
+            <p:ph type="sldImg" idx="2"/>
+          </p:nvPr>
+        </p:nvSpPr>
+        <p:spPr>
+          <a:xfrm>
+            <a:off x="381000" y="685800"/>
+            <a:ext cx="6096000" cy="3429000"/>
+          </a:xfrm>
+          <a:custGeom>
+            <a:avLst/>
+            <a:gdLst/>
+            <a:ahLst/>
+            <a:cxnLst/>
+            <a:rect l="l" t="t" r="r" b="b"/>
+            <a:pathLst>
+              <a:path w="120000" h="120000" extrusionOk="0">
+                <a:moveTo>
+                  <a:pt x="0" y="0"/>
+                </a:moveTo>
+                <a:lnTo>
+                  <a:pt x="120000" y="0"/>
+                </a:lnTo>
+                <a:lnTo>
+                  <a:pt x="120000" y="120000"/>
+                </a:lnTo>
+                <a:lnTo>
+                  <a:pt x="0" y="120000"/>
+                </a:lnTo>
+                <a:close/>
+              </a:path>
+            </a:pathLst>
+          </a:custGeom>
+        </p:spPr>
+      </p:sp>
+      <p:sp>
+        <p:nvSpPr>
+          <p:cNvPr id="71" name="Google Shape;71;gac10fef634_0_16:notes"/>
+          <p:cNvSpPr txBox="1">
+            <a:spLocks noGrp="1"/>
+          </p:cNvSpPr>
+          <p:nvPr>
+            <p:ph type="body" idx="1"/>
+          </p:nvPr>
+        </p:nvSpPr>
+        <p:spPr>
+          <a:xfrm>
+            <a:off x="685800" y="4343400"/>
+            <a:ext cx="5486400" cy="4114800"/>
+          </a:xfrm>
+          <a:prstGeom prst="rect">
+            <a:avLst/>
+          </a:prstGeom>
+        </p:spPr>
+        <p:txBody>
+          <a:bodyPr spcFirstLastPara="1" wrap="square" lIns="91425" tIns="91425" rIns="91425" bIns="91425" anchor="t" anchorCtr="0">
+            <a:noAutofit/>
+          </a:bodyPr>
+          <a:lstStyle/>
+          <a:p>
+            <a:pPr marL="0" lvl="0" indent="0" algn="l" rtl="0">
+              <a:spcBef>
+                <a:spcPts val="0"/>
+              </a:spcBef>
+              <a:spcAft>
+                <a:spcPts val="0"/>
+              </a:spcAft>
+              <a:buNone/>
+            </a:pPr>
+            <a:endParaRPr/>
+          </a:p>
+        </p:txBody>
+      </p:sp>
+    </p:spTree>
+    <p:extLst>
+      <p:ext uri="{BB962C8B-B14F-4D97-AF65-F5344CB8AC3E}">
+        <p14:creationId xmlns:p14="http://schemas.microsoft.com/office/powerpoint/2010/main" val="2581916441"/>
+      </p:ext>
+    </p:extLst>
+  </p:cSld>
+  <p:clrMapOvr>
+    <a:masterClrMapping/>
+  </p:clrMapOvr>
+</p:notes>
+</file>
+
+<file path=ppt/notesSlides/notesSlide15.xml><?xml version="1.0" encoding="utf-8"?>
+<p:notes xmlns:a="http://schemas.openxmlformats.org/drawingml/2006/main" xmlns:r="http://schemas.openxmlformats.org/officeDocument/2006/relationships" xmlns:p="http://schemas.openxmlformats.org/presentationml/2006/main" showMasterSp="0" showMasterPhAnim="0">
+  <p:cSld>
+    <p:spTree>
+      <p:nvGrpSpPr>
+        <p:cNvPr id="1" name="Shape 74"/>
+        <p:cNvGrpSpPr/>
+        <p:nvPr/>
+      </p:nvGrpSpPr>
+      <p:grpSpPr>
+        <a:xfrm>
+          <a:off x="0" y="0"/>
+          <a:ext cx="0" cy="0"/>
+          <a:chOff x="0" y="0"/>
+          <a:chExt cx="0" cy="0"/>
+        </a:xfrm>
+      </p:grpSpPr>
+      <p:sp>
+        <p:nvSpPr>
+          <p:cNvPr id="75" name="Google Shape;75;gac10fef634_0_20:notes"/>
+          <p:cNvSpPr>
+            <a:spLocks noGrp="1" noRot="1" noChangeAspect="1"/>
+          </p:cNvSpPr>
+          <p:nvPr>
+            <p:ph type="sldImg" idx="2"/>
+          </p:nvPr>
+        </p:nvSpPr>
+        <p:spPr>
+          <a:xfrm>
+            <a:off x="381000" y="685800"/>
+            <a:ext cx="6096000" cy="3429000"/>
+          </a:xfrm>
+          <a:custGeom>
+            <a:avLst/>
+            <a:gdLst/>
+            <a:ahLst/>
+            <a:cxnLst/>
+            <a:rect l="l" t="t" r="r" b="b"/>
+            <a:pathLst>
+              <a:path w="120000" h="120000" extrusionOk="0">
+                <a:moveTo>
+                  <a:pt x="0" y="0"/>
+                </a:moveTo>
+                <a:lnTo>
+                  <a:pt x="120000" y="0"/>
+                </a:lnTo>
+                <a:lnTo>
+                  <a:pt x="120000" y="120000"/>
+                </a:lnTo>
+                <a:lnTo>
+                  <a:pt x="0" y="120000"/>
+                </a:lnTo>
+                <a:close/>
+              </a:path>
+            </a:pathLst>
+          </a:custGeom>
+        </p:spPr>
+      </p:sp>
+      <p:sp>
+        <p:nvSpPr>
+          <p:cNvPr id="76" name="Google Shape;76;gac10fef634_0_20:notes"/>
+          <p:cNvSpPr txBox="1">
+            <a:spLocks noGrp="1"/>
+          </p:cNvSpPr>
+          <p:nvPr>
+            <p:ph type="body" idx="1"/>
+          </p:nvPr>
+        </p:nvSpPr>
+        <p:spPr>
+          <a:xfrm>
+            <a:off x="685800" y="4343400"/>
+            <a:ext cx="5486400" cy="4114800"/>
+          </a:xfrm>
+          <a:prstGeom prst="rect">
+            <a:avLst/>
+          </a:prstGeom>
+        </p:spPr>
+        <p:txBody>
+          <a:bodyPr spcFirstLastPara="1" wrap="square" lIns="91425" tIns="91425" rIns="91425" bIns="91425" anchor="t" anchorCtr="0">
+            <a:noAutofit/>
+          </a:bodyPr>
+          <a:lstStyle/>
+          <a:p>
+            <a:pPr marL="0" lvl="0" indent="0" algn="l" rtl="0">
+              <a:spcBef>
+                <a:spcPts val="0"/>
+              </a:spcBef>
+              <a:spcAft>
+                <a:spcPts val="0"/>
+              </a:spcAft>
+              <a:buNone/>
+            </a:pPr>
+            <a:endParaRPr/>
+          </a:p>
+        </p:txBody>
+      </p:sp>
+    </p:spTree>
+    <p:extLst>
+      <p:ext uri="{BB962C8B-B14F-4D97-AF65-F5344CB8AC3E}">
+        <p14:creationId xmlns:p14="http://schemas.microsoft.com/office/powerpoint/2010/main" val="2625233317"/>
+      </p:ext>
+    </p:extLst>
+  </p:cSld>
+  <p:clrMapOvr>
+    <a:masterClrMapping/>
+  </p:clrMapOvr>
+</p:notes>
+</file>
+
+<file path=ppt/notesSlides/notesSlide16.xml><?xml version="1.0" encoding="utf-8"?>
 <p:notes xmlns:a="http://schemas.openxmlformats.org/drawingml/2006/main" xmlns:r="http://schemas.openxmlformats.org/officeDocument/2006/relationships" xmlns:p="http://schemas.openxmlformats.org/presentationml/2006/main" showMasterSp="0" showMasterPhAnim="0">
   <p:cSld>
     <p:spTree>
@@ -1816,7 +2263,7 @@
 </p:notes>
 </file>
 
-<file path=ppt/notesSlides/notesSlide14.xml><?xml version="1.0" encoding="utf-8"?>
+<file path=ppt/notesSlides/notesSlide17.xml><?xml version="1.0" encoding="utf-8"?>
 <p:notes xmlns:a="http://schemas.openxmlformats.org/drawingml/2006/main" xmlns:r="http://schemas.openxmlformats.org/officeDocument/2006/relationships" xmlns:p="http://schemas.openxmlformats.org/presentationml/2006/main" showMasterSp="0" showMasterPhAnim="0">
   <p:cSld>
     <p:spTree>
@@ -2588,7 +3035,7 @@
   <p:cSld>
     <p:spTree>
       <p:nvGrpSpPr>
-        <p:cNvPr id="1" name="Shape 74"/>
+        <p:cNvPr id="1" name="Shape 69"/>
         <p:cNvGrpSpPr/>
         <p:nvPr/>
       </p:nvGrpSpPr>
@@ -2602,7 +3049,7 @@
       </p:grpSpPr>
       <p:sp>
         <p:nvSpPr>
-          <p:cNvPr id="75" name="Google Shape;75;gac10fef634_0_20:notes"/>
+          <p:cNvPr id="70" name="Google Shape;70;gac10fef634_0_16:notes"/>
           <p:cNvSpPr>
             <a:spLocks noGrp="1" noRot="1" noChangeAspect="1"/>
           </p:cNvSpPr>
@@ -2643,7 +3090,7 @@
       </p:sp>
       <p:sp>
         <p:nvSpPr>
-          <p:cNvPr id="76" name="Google Shape;76;gac10fef634_0_20:notes"/>
+          <p:cNvPr id="71" name="Google Shape;71;gac10fef634_0_16:notes"/>
           <p:cNvSpPr txBox="1">
             <a:spLocks noGrp="1"/>
           </p:cNvSpPr>
@@ -2682,7 +3129,7 @@
     </p:spTree>
     <p:extLst>
       <p:ext uri="{BB962C8B-B14F-4D97-AF65-F5344CB8AC3E}">
-        <p14:creationId xmlns:p14="http://schemas.microsoft.com/office/powerpoint/2010/main" val="3263594737"/>
+        <p14:creationId xmlns:p14="http://schemas.microsoft.com/office/powerpoint/2010/main" val="3813008284"/>
       </p:ext>
     </p:extLst>
   </p:cSld>
@@ -2791,7 +3238,7 @@
     </p:spTree>
     <p:extLst>
       <p:ext uri="{BB962C8B-B14F-4D97-AF65-F5344CB8AC3E}">
-        <p14:creationId xmlns:p14="http://schemas.microsoft.com/office/powerpoint/2010/main" val="879393648"/>
+        <p14:creationId xmlns:p14="http://schemas.microsoft.com/office/powerpoint/2010/main" val="3263594737"/>
       </p:ext>
     </p:extLst>
   </p:cSld>
@@ -7885,6 +8332,306 @@
             </a:pPr>
             <a:r>
               <a:rPr lang="en" dirty="0"/>
+              <a:t>Component 2 version 2 - Test Plan (?and screenshot)</a:t>
+            </a:r>
+            <a:br>
+              <a:rPr lang="en" dirty="0"/>
+            </a:br>
+            <a:endParaRPr dirty="0"/>
+          </a:p>
+        </p:txBody>
+      </p:sp>
+      <p:graphicFrame>
+        <p:nvGraphicFramePr>
+          <p:cNvPr id="79" name="Google Shape;79;p17"/>
+          <p:cNvGraphicFramePr/>
+          <p:nvPr>
+            <p:extLst>
+              <p:ext uri="{D42A27DB-BD31-4B8C-83A1-F6EECF244321}">
+                <p14:modId xmlns:p14="http://schemas.microsoft.com/office/powerpoint/2010/main" val="3678491555"/>
+              </p:ext>
+            </p:extLst>
+          </p:nvPr>
+        </p:nvGraphicFramePr>
+        <p:xfrm>
+          <a:off x="311700" y="3631224"/>
+          <a:ext cx="8520600" cy="1462980"/>
+        </p:xfrm>
+        <a:graphic>
+          <a:graphicData uri="http://schemas.openxmlformats.org/drawingml/2006/table">
+            <a:tbl>
+              <a:tblPr>
+                <a:noFill/>
+                <a:tableStyleId>{E1099E06-0E6B-448D-9D27-60429F06E6F4}</a:tableStyleId>
+              </a:tblPr>
+              <a:tblGrid>
+                <a:gridCol w="4260300">
+                  <a:extLst>
+                    <a:ext uri="{9D8B030D-6E8A-4147-A177-3AD203B41FA5}">
+                      <a16:colId xmlns:a16="http://schemas.microsoft.com/office/drawing/2014/main" val="20000"/>
+                    </a:ext>
+                  </a:extLst>
+                </a:gridCol>
+                <a:gridCol w="4260300">
+                  <a:extLst>
+                    <a:ext uri="{9D8B030D-6E8A-4147-A177-3AD203B41FA5}">
+                      <a16:colId xmlns:a16="http://schemas.microsoft.com/office/drawing/2014/main" val="20001"/>
+                    </a:ext>
+                  </a:extLst>
+                </a:gridCol>
+              </a:tblGrid>
+              <a:tr h="381000">
+                <a:tc>
+                  <a:txBody>
+                    <a:bodyPr/>
+                    <a:lstStyle/>
+                    <a:p>
+                      <a:pPr marL="0" lvl="0" indent="0" algn="l" rtl="0">
+                        <a:spcBef>
+                          <a:spcPts val="0"/>
+                        </a:spcBef>
+                        <a:spcAft>
+                          <a:spcPts val="0"/>
+                        </a:spcAft>
+                        <a:buNone/>
+                      </a:pPr>
+                      <a:r>
+                        <a:rPr lang="en" sz="1800" b="1" dirty="0"/>
+                        <a:t>Test Case</a:t>
+                      </a:r>
+                      <a:endParaRPr sz="1800" b="1" dirty="0"/>
+                    </a:p>
+                  </a:txBody>
+                  <a:tcPr marL="91425" marR="91425" marT="91425" marB="91425">
+                    <a:solidFill>
+                      <a:srgbClr val="CCCCCC"/>
+                    </a:solidFill>
+                  </a:tcPr>
+                </a:tc>
+                <a:tc>
+                  <a:txBody>
+                    <a:bodyPr/>
+                    <a:lstStyle/>
+                    <a:p>
+                      <a:pPr marL="0" lvl="0" indent="0" algn="l" rtl="0">
+                        <a:spcBef>
+                          <a:spcPts val="0"/>
+                        </a:spcBef>
+                        <a:spcAft>
+                          <a:spcPts val="0"/>
+                        </a:spcAft>
+                        <a:buNone/>
+                      </a:pPr>
+                      <a:r>
+                        <a:rPr lang="en" sz="1800" b="1"/>
+                        <a:t>Expected Values</a:t>
+                      </a:r>
+                      <a:endParaRPr sz="1800" b="1"/>
+                    </a:p>
+                  </a:txBody>
+                  <a:tcPr marL="91425" marR="91425" marT="91425" marB="91425">
+                    <a:solidFill>
+                      <a:srgbClr val="CCCCCC"/>
+                    </a:solidFill>
+                  </a:tcPr>
+                </a:tc>
+                <a:extLst>
+                  <a:ext uri="{0D108BD9-81ED-4DB2-BD59-A6C34878D82A}">
+                    <a16:rowId xmlns:a16="http://schemas.microsoft.com/office/drawing/2014/main" val="10000"/>
+                  </a:ext>
+                </a:extLst>
+              </a:tr>
+              <a:tr h="396200">
+                <a:tc>
+                  <a:txBody>
+                    <a:bodyPr/>
+                    <a:lstStyle/>
+                    <a:p>
+                      <a:pPr marL="0" lvl="0" indent="0" algn="l" rtl="0">
+                        <a:spcBef>
+                          <a:spcPts val="0"/>
+                        </a:spcBef>
+                        <a:spcAft>
+                          <a:spcPts val="0"/>
+                        </a:spcAft>
+                        <a:buNone/>
+                      </a:pPr>
+                      <a:r>
+                        <a:rPr lang="en-GB" sz="1800" dirty="0"/>
+                        <a:t>Run Program</a:t>
+                      </a:r>
+                      <a:endParaRPr sz="1800" dirty="0"/>
+                    </a:p>
+                  </a:txBody>
+                  <a:tcPr marL="91425" marR="91425" marT="91425" marB="91425"/>
+                </a:tc>
+                <a:tc>
+                  <a:txBody>
+                    <a:bodyPr/>
+                    <a:lstStyle/>
+                    <a:p>
+                      <a:pPr marL="0" lvl="0" indent="0" algn="l" rtl="0">
+                        <a:spcBef>
+                          <a:spcPts val="0"/>
+                        </a:spcBef>
+                        <a:spcAft>
+                          <a:spcPts val="0"/>
+                        </a:spcAft>
+                        <a:buNone/>
+                      </a:pPr>
+                      <a:r>
+                        <a:rPr lang="en-GB" sz="1800" dirty="0"/>
+                        <a:t>Able to order d for delivery or p for pickup with appropriate messages and another message if done </a:t>
+                      </a:r>
+                      <a:r>
+                        <a:rPr lang="en-GB" sz="1800" dirty="0" err="1"/>
+                        <a:t>incorrectely</a:t>
+                      </a:r>
+                      <a:r>
+                        <a:rPr lang="en-GB" sz="1800" dirty="0"/>
+                        <a:t> </a:t>
+                      </a:r>
+                      <a:endParaRPr sz="1800" dirty="0"/>
+                    </a:p>
+                  </a:txBody>
+                  <a:tcPr marL="91425" marR="91425" marT="91425" marB="91425"/>
+                </a:tc>
+                <a:extLst>
+                  <a:ext uri="{0D108BD9-81ED-4DB2-BD59-A6C34878D82A}">
+                    <a16:rowId xmlns:a16="http://schemas.microsoft.com/office/drawing/2014/main" val="10001"/>
+                  </a:ext>
+                </a:extLst>
+              </a:tr>
+            </a:tbl>
+          </a:graphicData>
+        </a:graphic>
+      </p:graphicFrame>
+      <p:pic>
+        <p:nvPicPr>
+          <p:cNvPr id="3" name="Picture 2">
+            <a:extLst>
+              <a:ext uri="{FF2B5EF4-FFF2-40B4-BE49-F238E27FC236}">
+                <a16:creationId xmlns:a16="http://schemas.microsoft.com/office/drawing/2014/main" id="{45AC4A6D-070B-4567-8E4D-C87B2F450E86}"/>
+              </a:ext>
+            </a:extLst>
+          </p:cNvPr>
+          <p:cNvPicPr>
+            <a:picLocks noChangeAspect="1"/>
+          </p:cNvPicPr>
+          <p:nvPr/>
+        </p:nvPicPr>
+        <p:blipFill>
+          <a:blip r:embed="rId3"/>
+          <a:stretch>
+            <a:fillRect/>
+          </a:stretch>
+        </p:blipFill>
+        <p:spPr>
+          <a:xfrm>
+            <a:off x="78202" y="1279650"/>
+            <a:ext cx="4135902" cy="1882068"/>
+          </a:xfrm>
+          <a:prstGeom prst="rect">
+            <a:avLst/>
+          </a:prstGeom>
+        </p:spPr>
+      </p:pic>
+      <p:pic>
+        <p:nvPicPr>
+          <p:cNvPr id="6" name="Picture 5">
+            <a:extLst>
+              <a:ext uri="{FF2B5EF4-FFF2-40B4-BE49-F238E27FC236}">
+                <a16:creationId xmlns:a16="http://schemas.microsoft.com/office/drawing/2014/main" id="{8544C780-D657-4E81-BAA7-2C45A2FCC60B}"/>
+              </a:ext>
+            </a:extLst>
+          </p:cNvPr>
+          <p:cNvPicPr>
+            <a:picLocks noChangeAspect="1"/>
+          </p:cNvPicPr>
+          <p:nvPr/>
+        </p:nvPicPr>
+        <p:blipFill>
+          <a:blip r:embed="rId4"/>
+          <a:stretch>
+            <a:fillRect/>
+          </a:stretch>
+        </p:blipFill>
+        <p:spPr>
+          <a:xfrm>
+            <a:off x="4214104" y="1749156"/>
+            <a:ext cx="4618196" cy="669021"/>
+          </a:xfrm>
+          <a:prstGeom prst="rect">
+            <a:avLst/>
+          </a:prstGeom>
+        </p:spPr>
+      </p:pic>
+    </p:spTree>
+    <p:extLst>
+      <p:ext uri="{BB962C8B-B14F-4D97-AF65-F5344CB8AC3E}">
+        <p14:creationId xmlns:p14="http://schemas.microsoft.com/office/powerpoint/2010/main" val="3150406373"/>
+      </p:ext>
+    </p:extLst>
+  </p:cSld>
+  <p:clrMapOvr>
+    <a:masterClrMapping/>
+  </p:clrMapOvr>
+</p:sld>
+</file>
+
+<file path=ppt/slides/slide11.xml><?xml version="1.0" encoding="utf-8"?>
+<p:sld xmlns:a="http://schemas.openxmlformats.org/drawingml/2006/main" xmlns:r="http://schemas.openxmlformats.org/officeDocument/2006/relationships" xmlns:p="http://schemas.openxmlformats.org/presentationml/2006/main">
+  <p:cSld>
+    <p:spTree>
+      <p:nvGrpSpPr>
+        <p:cNvPr id="1" name="Shape 77"/>
+        <p:cNvGrpSpPr/>
+        <p:nvPr/>
+      </p:nvGrpSpPr>
+      <p:grpSpPr>
+        <a:xfrm>
+          <a:off x="0" y="0"/>
+          <a:ext cx="0" cy="0"/>
+          <a:chOff x="0" y="0"/>
+          <a:chExt cx="0" cy="0"/>
+        </a:xfrm>
+      </p:grpSpPr>
+      <p:sp>
+        <p:nvSpPr>
+          <p:cNvPr id="78" name="Google Shape;78;p17"/>
+          <p:cNvSpPr txBox="1">
+            <a:spLocks noGrp="1"/>
+          </p:cNvSpPr>
+          <p:nvPr>
+            <p:ph type="title"/>
+          </p:nvPr>
+        </p:nvSpPr>
+        <p:spPr>
+          <a:xfrm>
+            <a:off x="128819" y="147386"/>
+            <a:ext cx="8520600" cy="1132264"/>
+          </a:xfrm>
+          <a:prstGeom prst="rect">
+            <a:avLst/>
+          </a:prstGeom>
+        </p:spPr>
+        <p:txBody>
+          <a:bodyPr spcFirstLastPara="1" wrap="square" lIns="91425" tIns="91425" rIns="91425" bIns="91425" anchor="t" anchorCtr="0">
+            <a:noAutofit/>
+          </a:bodyPr>
+          <a:lstStyle/>
+          <a:p>
+            <a:pPr marL="0" lvl="0" indent="0" algn="l" rtl="0">
+              <a:spcBef>
+                <a:spcPts val="0"/>
+              </a:spcBef>
+              <a:spcAft>
+                <a:spcPts val="0"/>
+              </a:spcAft>
+              <a:buNone/>
+            </a:pPr>
+            <a:r>
+              <a:rPr lang="en" dirty="0"/>
               <a:t>Component 2 version 3 - Test Plan (?and screenshot)</a:t>
             </a:r>
             <a:br>
@@ -8124,7 +8871,7 @@
 </p:sld>
 </file>
 
-<file path=ppt/slides/slide11.xml><?xml version="1.0" encoding="utf-8"?>
+<file path=ppt/slides/slide12.xml><?xml version="1.0" encoding="utf-8"?>
 <p:sld xmlns:a="http://schemas.openxmlformats.org/drawingml/2006/main" xmlns:r="http://schemas.openxmlformats.org/officeDocument/2006/relationships" xmlns:p="http://schemas.openxmlformats.org/presentationml/2006/main">
   <p:cSld>
     <p:spTree>
@@ -8193,7 +8940,7 @@
           <p:nvPr>
             <p:extLst>
               <p:ext uri="{D42A27DB-BD31-4B8C-83A1-F6EECF244321}">
-                <p14:modId xmlns:p14="http://schemas.microsoft.com/office/powerpoint/2010/main" val="3006882174"/>
+                <p14:modId xmlns:p14="http://schemas.microsoft.com/office/powerpoint/2010/main" val="2302909095"/>
               </p:ext>
             </p:extLst>
           </p:nvPr>
@@ -8326,15 +9073,7 @@
                       </a:pPr>
                       <a:r>
                         <a:rPr lang="en-GB" sz="1800" dirty="0"/>
-                        <a:t>Can enter 1 for delivery or 2 for pickup, invalid response means error message but enter number other then 1 or 2 </a:t>
-                      </a:r>
-                      <a:r>
-                        <a:rPr lang="en-GB" sz="1800" dirty="0" err="1"/>
-                        <a:t>dosen’t</a:t>
-                      </a:r>
-                      <a:r>
-                        <a:rPr lang="en-GB" sz="1800" dirty="0"/>
-                        <a:t> work</a:t>
+                        <a:t>Can enter 1 for delivery or 2 for pickup, invalid response means error message but enter number other then 1 or 2 doesn't work</a:t>
                       </a:r>
                       <a:endParaRPr sz="1800" dirty="0"/>
                     </a:p>
@@ -8424,7 +9163,7 @@
 </p:sld>
 </file>
 
-<file path=ppt/slides/slide12.xml><?xml version="1.0" encoding="utf-8"?>
+<file path=ppt/slides/slide13.xml><?xml version="1.0" encoding="utf-8"?>
 <p:sld xmlns:a="http://schemas.openxmlformats.org/drawingml/2006/main" xmlns:r="http://schemas.openxmlformats.org/officeDocument/2006/relationships" xmlns:p="http://schemas.openxmlformats.org/presentationml/2006/main">
   <p:cSld>
     <p:spTree>
@@ -8720,7 +9459,540 @@
 </p:sld>
 </file>
 
-<file path=ppt/slides/slide13.xml><?xml version="1.0" encoding="utf-8"?>
+<file path=ppt/slides/slide14.xml><?xml version="1.0" encoding="utf-8"?>
+<p:sld xmlns:a="http://schemas.openxmlformats.org/drawingml/2006/main" xmlns:r="http://schemas.openxmlformats.org/officeDocument/2006/relationships" xmlns:p="http://schemas.openxmlformats.org/presentationml/2006/main">
+  <p:cSld>
+    <p:bg>
+      <p:bgPr>
+        <a:solidFill>
+          <a:srgbClr val="D9EAD3"/>
+        </a:solidFill>
+        <a:effectLst/>
+      </p:bgPr>
+    </p:bg>
+    <p:spTree>
+      <p:nvGrpSpPr>
+        <p:cNvPr id="1" name="Shape 72"/>
+        <p:cNvGrpSpPr/>
+        <p:nvPr/>
+      </p:nvGrpSpPr>
+      <p:grpSpPr>
+        <a:xfrm>
+          <a:off x="0" y="0"/>
+          <a:ext cx="0" cy="0"/>
+          <a:chOff x="0" y="0"/>
+          <a:chExt cx="0" cy="0"/>
+        </a:xfrm>
+      </p:grpSpPr>
+      <p:sp>
+        <p:nvSpPr>
+          <p:cNvPr id="73" name="Google Shape;73;p16"/>
+          <p:cNvSpPr txBox="1">
+            <a:spLocks noGrp="1"/>
+          </p:cNvSpPr>
+          <p:nvPr>
+            <p:ph type="title"/>
+          </p:nvPr>
+        </p:nvSpPr>
+        <p:spPr>
+          <a:xfrm>
+            <a:off x="185090" y="54943"/>
+            <a:ext cx="8520600" cy="572700"/>
+          </a:xfrm>
+          <a:prstGeom prst="rect">
+            <a:avLst/>
+          </a:prstGeom>
+        </p:spPr>
+        <p:txBody>
+          <a:bodyPr spcFirstLastPara="1" wrap="square" lIns="91425" tIns="91425" rIns="91425" bIns="91425" anchor="t" anchorCtr="0">
+            <a:noAutofit/>
+          </a:bodyPr>
+          <a:lstStyle/>
+          <a:p>
+            <a:pPr marL="0" lvl="0" indent="0" algn="l" rtl="0">
+              <a:spcBef>
+                <a:spcPts val="0"/>
+              </a:spcBef>
+              <a:spcAft>
+                <a:spcPts val="0"/>
+              </a:spcAft>
+              <a:buNone/>
+            </a:pPr>
+            <a:r>
+              <a:rPr lang="en" dirty="0"/>
+              <a:t>Component 3 (Trello screenshot)</a:t>
+            </a:r>
+            <a:endParaRPr dirty="0"/>
+          </a:p>
+        </p:txBody>
+      </p:sp>
+      <p:sp>
+        <p:nvSpPr>
+          <p:cNvPr id="5" name="TextBox 4">
+            <a:extLst>
+              <a:ext uri="{FF2B5EF4-FFF2-40B4-BE49-F238E27FC236}">
+                <a16:creationId xmlns:a16="http://schemas.microsoft.com/office/drawing/2014/main" id="{3604F375-2046-4FD9-97BB-7B2B5001660C}"/>
+              </a:ext>
+            </a:extLst>
+          </p:cNvPr>
+          <p:cNvSpPr txBox="1"/>
+          <p:nvPr/>
+        </p:nvSpPr>
+        <p:spPr>
+          <a:xfrm>
+            <a:off x="105508" y="3003452"/>
+            <a:ext cx="5908430" cy="307777"/>
+          </a:xfrm>
+          <a:prstGeom prst="rect">
+            <a:avLst/>
+          </a:prstGeom>
+          <a:noFill/>
+        </p:spPr>
+        <p:txBody>
+          <a:bodyPr wrap="square" rtlCol="0">
+            <a:spAutoFit/>
+          </a:bodyPr>
+          <a:lstStyle/>
+          <a:p>
+            <a:r>
+              <a:rPr lang="en-GB" dirty="0"/>
+              <a:t>Version 2</a:t>
+            </a:r>
+            <a:endParaRPr lang="en-NZ" dirty="0"/>
+          </a:p>
+        </p:txBody>
+      </p:sp>
+      <p:sp>
+        <p:nvSpPr>
+          <p:cNvPr id="6" name="TextBox 5">
+            <a:extLst>
+              <a:ext uri="{FF2B5EF4-FFF2-40B4-BE49-F238E27FC236}">
+                <a16:creationId xmlns:a16="http://schemas.microsoft.com/office/drawing/2014/main" id="{BBE5456E-7120-4FC9-AF8C-95A60E3A437D}"/>
+              </a:ext>
+            </a:extLst>
+          </p:cNvPr>
+          <p:cNvSpPr txBox="1"/>
+          <p:nvPr/>
+        </p:nvSpPr>
+        <p:spPr>
+          <a:xfrm>
+            <a:off x="161778" y="830211"/>
+            <a:ext cx="2630659" cy="307777"/>
+          </a:xfrm>
+          <a:prstGeom prst="rect">
+            <a:avLst/>
+          </a:prstGeom>
+          <a:noFill/>
+        </p:spPr>
+        <p:txBody>
+          <a:bodyPr wrap="square" rtlCol="0">
+            <a:spAutoFit/>
+          </a:bodyPr>
+          <a:lstStyle/>
+          <a:p>
+            <a:r>
+              <a:rPr lang="en-GB" dirty="0"/>
+              <a:t>Version 1</a:t>
+            </a:r>
+          </a:p>
+        </p:txBody>
+      </p:sp>
+      <p:pic>
+        <p:nvPicPr>
+          <p:cNvPr id="4" name="Picture 3">
+            <a:extLst>
+              <a:ext uri="{FF2B5EF4-FFF2-40B4-BE49-F238E27FC236}">
+                <a16:creationId xmlns:a16="http://schemas.microsoft.com/office/drawing/2014/main" id="{A3906415-7D0E-4FB4-9F6B-ACF1AF0F2DBC}"/>
+              </a:ext>
+            </a:extLst>
+          </p:cNvPr>
+          <p:cNvPicPr>
+            <a:picLocks noChangeAspect="1"/>
+          </p:cNvPicPr>
+          <p:nvPr/>
+        </p:nvPicPr>
+        <p:blipFill>
+          <a:blip r:embed="rId3"/>
+          <a:stretch>
+            <a:fillRect/>
+          </a:stretch>
+        </p:blipFill>
+        <p:spPr>
+          <a:xfrm>
+            <a:off x="185090" y="1137988"/>
+            <a:ext cx="7330068" cy="1678283"/>
+          </a:xfrm>
+          <a:prstGeom prst="rect">
+            <a:avLst/>
+          </a:prstGeom>
+        </p:spPr>
+      </p:pic>
+    </p:spTree>
+    <p:extLst>
+      <p:ext uri="{BB962C8B-B14F-4D97-AF65-F5344CB8AC3E}">
+        <p14:creationId xmlns:p14="http://schemas.microsoft.com/office/powerpoint/2010/main" val="2122452375"/>
+      </p:ext>
+    </p:extLst>
+  </p:cSld>
+  <p:clrMapOvr>
+    <a:masterClrMapping/>
+  </p:clrMapOvr>
+</p:sld>
+</file>
+
+<file path=ppt/slides/slide15.xml><?xml version="1.0" encoding="utf-8"?>
+<p:sld xmlns:a="http://schemas.openxmlformats.org/drawingml/2006/main" xmlns:r="http://schemas.openxmlformats.org/officeDocument/2006/relationships" xmlns:p="http://schemas.openxmlformats.org/presentationml/2006/main">
+  <p:cSld>
+    <p:spTree>
+      <p:nvGrpSpPr>
+        <p:cNvPr id="1" name="Shape 77"/>
+        <p:cNvGrpSpPr/>
+        <p:nvPr/>
+      </p:nvGrpSpPr>
+      <p:grpSpPr>
+        <a:xfrm>
+          <a:off x="0" y="0"/>
+          <a:ext cx="0" cy="0"/>
+          <a:chOff x="0" y="0"/>
+          <a:chExt cx="0" cy="0"/>
+        </a:xfrm>
+      </p:grpSpPr>
+      <p:sp>
+        <p:nvSpPr>
+          <p:cNvPr id="78" name="Google Shape;78;p17"/>
+          <p:cNvSpPr txBox="1">
+            <a:spLocks noGrp="1"/>
+          </p:cNvSpPr>
+          <p:nvPr>
+            <p:ph type="title"/>
+          </p:nvPr>
+        </p:nvSpPr>
+        <p:spPr>
+          <a:xfrm>
+            <a:off x="128819" y="147386"/>
+            <a:ext cx="8520600" cy="1132264"/>
+          </a:xfrm>
+          <a:prstGeom prst="rect">
+            <a:avLst/>
+          </a:prstGeom>
+        </p:spPr>
+        <p:txBody>
+          <a:bodyPr spcFirstLastPara="1" wrap="square" lIns="91425" tIns="91425" rIns="91425" bIns="91425" anchor="t" anchorCtr="0">
+            <a:noAutofit/>
+          </a:bodyPr>
+          <a:lstStyle/>
+          <a:p>
+            <a:pPr marL="0" lvl="0" indent="0" algn="l" rtl="0">
+              <a:spcBef>
+                <a:spcPts val="0"/>
+              </a:spcBef>
+              <a:spcAft>
+                <a:spcPts val="0"/>
+              </a:spcAft>
+              <a:buNone/>
+            </a:pPr>
+            <a:r>
+              <a:rPr lang="en" dirty="0"/>
+              <a:t>Component 3 - Test Plan (?and screenshot)</a:t>
+            </a:r>
+            <a:br>
+              <a:rPr lang="en" dirty="0"/>
+            </a:br>
+            <a:endParaRPr dirty="0"/>
+          </a:p>
+        </p:txBody>
+      </p:sp>
+      <p:graphicFrame>
+        <p:nvGraphicFramePr>
+          <p:cNvPr id="79" name="Google Shape;79;p17"/>
+          <p:cNvGraphicFramePr/>
+          <p:nvPr>
+            <p:extLst>
+              <p:ext uri="{D42A27DB-BD31-4B8C-83A1-F6EECF244321}">
+                <p14:modId xmlns:p14="http://schemas.microsoft.com/office/powerpoint/2010/main" val="797367993"/>
+              </p:ext>
+            </p:extLst>
+          </p:nvPr>
+        </p:nvGraphicFramePr>
+        <p:xfrm>
+          <a:off x="311700" y="3406200"/>
+          <a:ext cx="8520600" cy="1737300"/>
+        </p:xfrm>
+        <a:graphic>
+          <a:graphicData uri="http://schemas.openxmlformats.org/drawingml/2006/table">
+            <a:tbl>
+              <a:tblPr>
+                <a:noFill/>
+                <a:tableStyleId>{E1099E06-0E6B-448D-9D27-60429F06E6F4}</a:tableStyleId>
+              </a:tblPr>
+              <a:tblGrid>
+                <a:gridCol w="4260300">
+                  <a:extLst>
+                    <a:ext uri="{9D8B030D-6E8A-4147-A177-3AD203B41FA5}">
+                      <a16:colId xmlns:a16="http://schemas.microsoft.com/office/drawing/2014/main" val="20000"/>
+                    </a:ext>
+                  </a:extLst>
+                </a:gridCol>
+                <a:gridCol w="4260300">
+                  <a:extLst>
+                    <a:ext uri="{9D8B030D-6E8A-4147-A177-3AD203B41FA5}">
+                      <a16:colId xmlns:a16="http://schemas.microsoft.com/office/drawing/2014/main" val="20001"/>
+                    </a:ext>
+                  </a:extLst>
+                </a:gridCol>
+              </a:tblGrid>
+              <a:tr h="386564">
+                <a:tc>
+                  <a:txBody>
+                    <a:bodyPr/>
+                    <a:lstStyle/>
+                    <a:p>
+                      <a:pPr marL="0" lvl="0" indent="0" algn="l" rtl="0">
+                        <a:spcBef>
+                          <a:spcPts val="0"/>
+                        </a:spcBef>
+                        <a:spcAft>
+                          <a:spcPts val="0"/>
+                        </a:spcAft>
+                        <a:buNone/>
+                      </a:pPr>
+                      <a:r>
+                        <a:rPr lang="en" sz="1800" b="1" dirty="0"/>
+                        <a:t>Test Case</a:t>
+                      </a:r>
+                      <a:endParaRPr sz="1800" b="1" dirty="0"/>
+                    </a:p>
+                  </a:txBody>
+                  <a:tcPr marL="91425" marR="91425" marT="91425" marB="91425">
+                    <a:solidFill>
+                      <a:srgbClr val="CCCCCC"/>
+                    </a:solidFill>
+                  </a:tcPr>
+                </a:tc>
+                <a:tc>
+                  <a:txBody>
+                    <a:bodyPr/>
+                    <a:lstStyle/>
+                    <a:p>
+                      <a:pPr marL="0" lvl="0" indent="0" algn="l" rtl="0">
+                        <a:spcBef>
+                          <a:spcPts val="0"/>
+                        </a:spcBef>
+                        <a:spcAft>
+                          <a:spcPts val="0"/>
+                        </a:spcAft>
+                        <a:buNone/>
+                      </a:pPr>
+                      <a:r>
+                        <a:rPr lang="en" sz="1800" b="1"/>
+                        <a:t>Expected Values</a:t>
+                      </a:r>
+                      <a:endParaRPr sz="1800" b="1"/>
+                    </a:p>
+                  </a:txBody>
+                  <a:tcPr marL="91425" marR="91425" marT="91425" marB="91425">
+                    <a:solidFill>
+                      <a:srgbClr val="CCCCCC"/>
+                    </a:solidFill>
+                  </a:tcPr>
+                </a:tc>
+                <a:extLst>
+                  <a:ext uri="{0D108BD9-81ED-4DB2-BD59-A6C34878D82A}">
+                    <a16:rowId xmlns:a16="http://schemas.microsoft.com/office/drawing/2014/main" val="10000"/>
+                  </a:ext>
+                </a:extLst>
+              </a:tr>
+              <a:tr h="1082423">
+                <a:tc>
+                  <a:txBody>
+                    <a:bodyPr/>
+                    <a:lstStyle/>
+                    <a:p>
+                      <a:pPr marL="0" lvl="0" indent="0" algn="l" rtl="0">
+                        <a:spcBef>
+                          <a:spcPts val="0"/>
+                        </a:spcBef>
+                        <a:spcAft>
+                          <a:spcPts val="0"/>
+                        </a:spcAft>
+                        <a:buNone/>
+                      </a:pPr>
+                      <a:r>
+                        <a:rPr lang="en-NZ" sz="1800" dirty="0"/>
+                        <a:t>Input name</a:t>
+                      </a:r>
+                    </a:p>
+                    <a:p>
+                      <a:pPr marL="0" lvl="0" indent="0" algn="l" rtl="0">
+                        <a:spcBef>
+                          <a:spcPts val="0"/>
+                        </a:spcBef>
+                        <a:spcAft>
+                          <a:spcPts val="0"/>
+                        </a:spcAft>
+                        <a:buNone/>
+                      </a:pPr>
+                      <a:r>
+                        <a:rPr lang="en-NZ" sz="1800" dirty="0"/>
+                        <a:t>Input phone</a:t>
+                      </a:r>
+                    </a:p>
+                    <a:p>
+                      <a:pPr marL="0" lvl="0" indent="0" algn="l" rtl="0">
+                        <a:spcBef>
+                          <a:spcPts val="0"/>
+                        </a:spcBef>
+                        <a:spcAft>
+                          <a:spcPts val="0"/>
+                        </a:spcAft>
+                        <a:buNone/>
+                      </a:pPr>
+                      <a:r>
+                        <a:rPr lang="en-NZ" sz="1800" dirty="0"/>
+                        <a:t>Left input blank</a:t>
+                      </a:r>
+                      <a:endParaRPr sz="1800" dirty="0"/>
+                    </a:p>
+                  </a:txBody>
+                  <a:tcPr marL="91425" marR="91425" marT="91425" marB="91425"/>
+                </a:tc>
+                <a:tc>
+                  <a:txBody>
+                    <a:bodyPr/>
+                    <a:lstStyle/>
+                    <a:p>
+                      <a:pPr marL="0" lvl="0" indent="0" algn="l" rtl="0">
+                        <a:spcBef>
+                          <a:spcPts val="0"/>
+                        </a:spcBef>
+                        <a:spcAft>
+                          <a:spcPts val="0"/>
+                        </a:spcAft>
+                        <a:buNone/>
+                      </a:pPr>
+                      <a:r>
+                        <a:rPr lang="en-NZ" sz="1800" dirty="0"/>
+                        <a:t>Printed name correctly </a:t>
+                      </a:r>
+                    </a:p>
+                    <a:p>
+                      <a:pPr marL="0" lvl="0" indent="0" algn="l" rtl="0">
+                        <a:spcBef>
+                          <a:spcPts val="0"/>
+                        </a:spcBef>
+                        <a:spcAft>
+                          <a:spcPts val="0"/>
+                        </a:spcAft>
+                        <a:buNone/>
+                      </a:pPr>
+                      <a:r>
+                        <a:rPr lang="en-NZ" sz="1800" dirty="0"/>
+                        <a:t>Printed phone correctly</a:t>
+                      </a:r>
+                    </a:p>
+                    <a:p>
+                      <a:pPr marL="0" lvl="0" indent="0" algn="l" rtl="0">
+                        <a:spcBef>
+                          <a:spcPts val="0"/>
+                        </a:spcBef>
+                        <a:spcAft>
+                          <a:spcPts val="0"/>
+                        </a:spcAft>
+                        <a:buNone/>
+                      </a:pPr>
+                      <a:r>
+                        <a:rPr lang="en-NZ" sz="1800" dirty="0"/>
+                        <a:t>Will accept blank input and will print blank</a:t>
+                      </a:r>
+                      <a:endParaRPr sz="1800" dirty="0"/>
+                    </a:p>
+                  </a:txBody>
+                  <a:tcPr marL="91425" marR="91425" marT="91425" marB="91425"/>
+                </a:tc>
+                <a:extLst>
+                  <a:ext uri="{0D108BD9-81ED-4DB2-BD59-A6C34878D82A}">
+                    <a16:rowId xmlns:a16="http://schemas.microsoft.com/office/drawing/2014/main" val="10001"/>
+                  </a:ext>
+                </a:extLst>
+              </a:tr>
+            </a:tbl>
+          </a:graphicData>
+        </a:graphic>
+      </p:graphicFrame>
+      <p:pic>
+        <p:nvPicPr>
+          <p:cNvPr id="3" name="Picture 2">
+            <a:extLst>
+              <a:ext uri="{FF2B5EF4-FFF2-40B4-BE49-F238E27FC236}">
+                <a16:creationId xmlns:a16="http://schemas.microsoft.com/office/drawing/2014/main" id="{5C00087B-424B-436E-A3D7-050DE1A97199}"/>
+              </a:ext>
+            </a:extLst>
+          </p:cNvPr>
+          <p:cNvPicPr>
+            <a:picLocks noChangeAspect="1"/>
+          </p:cNvPicPr>
+          <p:nvPr/>
+        </p:nvPicPr>
+        <p:blipFill>
+          <a:blip r:embed="rId3"/>
+          <a:stretch>
+            <a:fillRect/>
+          </a:stretch>
+        </p:blipFill>
+        <p:spPr>
+          <a:xfrm>
+            <a:off x="128819" y="1059448"/>
+            <a:ext cx="4676078" cy="2081953"/>
+          </a:xfrm>
+          <a:prstGeom prst="rect">
+            <a:avLst/>
+          </a:prstGeom>
+        </p:spPr>
+      </p:pic>
+      <p:pic>
+        <p:nvPicPr>
+          <p:cNvPr id="6" name="Picture 5">
+            <a:extLst>
+              <a:ext uri="{FF2B5EF4-FFF2-40B4-BE49-F238E27FC236}">
+                <a16:creationId xmlns:a16="http://schemas.microsoft.com/office/drawing/2014/main" id="{0167CB61-3A45-4655-9152-2346AC45B65E}"/>
+              </a:ext>
+            </a:extLst>
+          </p:cNvPr>
+          <p:cNvPicPr>
+            <a:picLocks noChangeAspect="1"/>
+          </p:cNvPicPr>
+          <p:nvPr/>
+        </p:nvPicPr>
+        <p:blipFill>
+          <a:blip r:embed="rId4"/>
+          <a:stretch>
+            <a:fillRect/>
+          </a:stretch>
+        </p:blipFill>
+        <p:spPr>
+          <a:xfrm>
+            <a:off x="4804897" y="1778426"/>
+            <a:ext cx="4054191" cy="464860"/>
+          </a:xfrm>
+          <a:prstGeom prst="rect">
+            <a:avLst/>
+          </a:prstGeom>
+        </p:spPr>
+      </p:pic>
+    </p:spTree>
+    <p:extLst>
+      <p:ext uri="{BB962C8B-B14F-4D97-AF65-F5344CB8AC3E}">
+        <p14:creationId xmlns:p14="http://schemas.microsoft.com/office/powerpoint/2010/main" val="4002751945"/>
+      </p:ext>
+    </p:extLst>
+  </p:cSld>
+  <p:clrMapOvr>
+    <a:masterClrMapping/>
+  </p:clrMapOvr>
+</p:sld>
+</file>
+
+<file path=ppt/slides/slide16.xml><?xml version="1.0" encoding="utf-8"?>
 <p:sld xmlns:a="http://schemas.openxmlformats.org/drawingml/2006/main" xmlns:r="http://schemas.openxmlformats.org/officeDocument/2006/relationships" xmlns:p="http://schemas.openxmlformats.org/presentationml/2006/main">
   <p:cSld>
     <p:bg>
@@ -8837,7 +10109,7 @@
 </p:sld>
 </file>
 
-<file path=ppt/slides/slide14.xml><?xml version="1.0" encoding="utf-8"?>
+<file path=ppt/slides/slide17.xml><?xml version="1.0" encoding="utf-8"?>
 <p:sld xmlns:a="http://schemas.openxmlformats.org/drawingml/2006/main" xmlns:r="http://schemas.openxmlformats.org/officeDocument/2006/relationships" xmlns:p="http://schemas.openxmlformats.org/presentationml/2006/main">
   <p:cSld>
     <p:bg>
@@ -10194,6 +11466,187 @@
 <file path=ppt/slides/slide8.xml><?xml version="1.0" encoding="utf-8"?>
 <p:sld xmlns:a="http://schemas.openxmlformats.org/drawingml/2006/main" xmlns:r="http://schemas.openxmlformats.org/officeDocument/2006/relationships" xmlns:p="http://schemas.openxmlformats.org/presentationml/2006/main">
   <p:cSld>
+    <p:bg>
+      <p:bgPr>
+        <a:solidFill>
+          <a:srgbClr val="D9EAD3"/>
+        </a:solidFill>
+        <a:effectLst/>
+      </p:bgPr>
+    </p:bg>
+    <p:spTree>
+      <p:nvGrpSpPr>
+        <p:cNvPr id="1" name="Shape 72"/>
+        <p:cNvGrpSpPr/>
+        <p:nvPr/>
+      </p:nvGrpSpPr>
+      <p:grpSpPr>
+        <a:xfrm>
+          <a:off x="0" y="0"/>
+          <a:ext cx="0" cy="0"/>
+          <a:chOff x="0" y="0"/>
+          <a:chExt cx="0" cy="0"/>
+        </a:xfrm>
+      </p:grpSpPr>
+      <p:sp>
+        <p:nvSpPr>
+          <p:cNvPr id="73" name="Google Shape;73;p16"/>
+          <p:cNvSpPr txBox="1">
+            <a:spLocks noGrp="1"/>
+          </p:cNvSpPr>
+          <p:nvPr>
+            <p:ph type="title"/>
+          </p:nvPr>
+        </p:nvSpPr>
+        <p:spPr>
+          <a:xfrm>
+            <a:off x="185090" y="54943"/>
+            <a:ext cx="8520600" cy="572700"/>
+          </a:xfrm>
+          <a:prstGeom prst="rect">
+            <a:avLst/>
+          </a:prstGeom>
+        </p:spPr>
+        <p:txBody>
+          <a:bodyPr spcFirstLastPara="1" wrap="square" lIns="91425" tIns="91425" rIns="91425" bIns="91425" anchor="t" anchorCtr="0">
+            <a:noAutofit/>
+          </a:bodyPr>
+          <a:lstStyle/>
+          <a:p>
+            <a:pPr marL="0" lvl="0" indent="0" algn="l" rtl="0">
+              <a:spcBef>
+                <a:spcPts val="0"/>
+              </a:spcBef>
+              <a:spcAft>
+                <a:spcPts val="0"/>
+              </a:spcAft>
+              <a:buNone/>
+            </a:pPr>
+            <a:r>
+              <a:rPr lang="en" dirty="0"/>
+              <a:t>Component 2 version 2 (Trello screenshot)</a:t>
+            </a:r>
+            <a:endParaRPr dirty="0"/>
+          </a:p>
+        </p:txBody>
+      </p:sp>
+      <p:sp>
+        <p:nvSpPr>
+          <p:cNvPr id="5" name="TextBox 4">
+            <a:extLst>
+              <a:ext uri="{FF2B5EF4-FFF2-40B4-BE49-F238E27FC236}">
+                <a16:creationId xmlns:a16="http://schemas.microsoft.com/office/drawing/2014/main" id="{3604F375-2046-4FD9-97BB-7B2B5001660C}"/>
+              </a:ext>
+            </a:extLst>
+          </p:cNvPr>
+          <p:cNvSpPr txBox="1"/>
+          <p:nvPr/>
+        </p:nvSpPr>
+        <p:spPr>
+          <a:xfrm>
+            <a:off x="105508" y="3003452"/>
+            <a:ext cx="5908430" cy="307777"/>
+          </a:xfrm>
+          <a:prstGeom prst="rect">
+            <a:avLst/>
+          </a:prstGeom>
+          <a:noFill/>
+        </p:spPr>
+        <p:txBody>
+          <a:bodyPr wrap="square" rtlCol="0">
+            <a:spAutoFit/>
+          </a:bodyPr>
+          <a:lstStyle/>
+          <a:p>
+            <a:r>
+              <a:rPr lang="en-GB" dirty="0"/>
+              <a:t>Version 2</a:t>
+            </a:r>
+            <a:endParaRPr lang="en-NZ" dirty="0"/>
+          </a:p>
+        </p:txBody>
+      </p:sp>
+      <p:sp>
+        <p:nvSpPr>
+          <p:cNvPr id="6" name="TextBox 5">
+            <a:extLst>
+              <a:ext uri="{FF2B5EF4-FFF2-40B4-BE49-F238E27FC236}">
+                <a16:creationId xmlns:a16="http://schemas.microsoft.com/office/drawing/2014/main" id="{BBE5456E-7120-4FC9-AF8C-95A60E3A437D}"/>
+              </a:ext>
+            </a:extLst>
+          </p:cNvPr>
+          <p:cNvSpPr txBox="1"/>
+          <p:nvPr/>
+        </p:nvSpPr>
+        <p:spPr>
+          <a:xfrm>
+            <a:off x="161778" y="830211"/>
+            <a:ext cx="2630659" cy="307777"/>
+          </a:xfrm>
+          <a:prstGeom prst="rect">
+            <a:avLst/>
+          </a:prstGeom>
+          <a:noFill/>
+        </p:spPr>
+        <p:txBody>
+          <a:bodyPr wrap="square" rtlCol="0">
+            <a:spAutoFit/>
+          </a:bodyPr>
+          <a:lstStyle/>
+          <a:p>
+            <a:r>
+              <a:rPr lang="en-GB" dirty="0"/>
+              <a:t>Version 1</a:t>
+            </a:r>
+          </a:p>
+        </p:txBody>
+      </p:sp>
+      <p:pic>
+        <p:nvPicPr>
+          <p:cNvPr id="3" name="Picture 2">
+            <a:extLst>
+              <a:ext uri="{FF2B5EF4-FFF2-40B4-BE49-F238E27FC236}">
+                <a16:creationId xmlns:a16="http://schemas.microsoft.com/office/drawing/2014/main" id="{095DF665-A854-4568-B628-A2D2007A39EA}"/>
+              </a:ext>
+            </a:extLst>
+          </p:cNvPr>
+          <p:cNvPicPr>
+            <a:picLocks noChangeAspect="1"/>
+          </p:cNvPicPr>
+          <p:nvPr/>
+        </p:nvPicPr>
+        <p:blipFill>
+          <a:blip r:embed="rId3"/>
+          <a:stretch>
+            <a:fillRect/>
+          </a:stretch>
+        </p:blipFill>
+        <p:spPr>
+          <a:xfrm>
+            <a:off x="185090" y="1094290"/>
+            <a:ext cx="6478175" cy="1909162"/>
+          </a:xfrm>
+          <a:prstGeom prst="rect">
+            <a:avLst/>
+          </a:prstGeom>
+        </p:spPr>
+      </p:pic>
+    </p:spTree>
+    <p:extLst>
+      <p:ext uri="{BB962C8B-B14F-4D97-AF65-F5344CB8AC3E}">
+        <p14:creationId xmlns:p14="http://schemas.microsoft.com/office/powerpoint/2010/main" val="2036794134"/>
+      </p:ext>
+    </p:extLst>
+  </p:cSld>
+  <p:clrMapOvr>
+    <a:masterClrMapping/>
+  </p:clrMapOvr>
+</p:sld>
+</file>
+
+<file path=ppt/slides/slide9.xml><?xml version="1.0" encoding="utf-8"?>
+<p:sld xmlns:a="http://schemas.openxmlformats.org/drawingml/2006/main" xmlns:r="http://schemas.openxmlformats.org/officeDocument/2006/relationships" xmlns:p="http://schemas.openxmlformats.org/presentationml/2006/main">
+  <p:cSld>
     <p:spTree>
       <p:nvGrpSpPr>
         <p:cNvPr id="1" name="Shape 77"/>
@@ -10474,306 +11927,6 @@
     <p:extLst>
       <p:ext uri="{BB962C8B-B14F-4D97-AF65-F5344CB8AC3E}">
         <p14:creationId xmlns:p14="http://schemas.microsoft.com/office/powerpoint/2010/main" val="1350725316"/>
-      </p:ext>
-    </p:extLst>
-  </p:cSld>
-  <p:clrMapOvr>
-    <a:masterClrMapping/>
-  </p:clrMapOvr>
-</p:sld>
-</file>
-
-<file path=ppt/slides/slide9.xml><?xml version="1.0" encoding="utf-8"?>
-<p:sld xmlns:a="http://schemas.openxmlformats.org/drawingml/2006/main" xmlns:r="http://schemas.openxmlformats.org/officeDocument/2006/relationships" xmlns:p="http://schemas.openxmlformats.org/presentationml/2006/main">
-  <p:cSld>
-    <p:spTree>
-      <p:nvGrpSpPr>
-        <p:cNvPr id="1" name="Shape 77"/>
-        <p:cNvGrpSpPr/>
-        <p:nvPr/>
-      </p:nvGrpSpPr>
-      <p:grpSpPr>
-        <a:xfrm>
-          <a:off x="0" y="0"/>
-          <a:ext cx="0" cy="0"/>
-          <a:chOff x="0" y="0"/>
-          <a:chExt cx="0" cy="0"/>
-        </a:xfrm>
-      </p:grpSpPr>
-      <p:sp>
-        <p:nvSpPr>
-          <p:cNvPr id="78" name="Google Shape;78;p17"/>
-          <p:cNvSpPr txBox="1">
-            <a:spLocks noGrp="1"/>
-          </p:cNvSpPr>
-          <p:nvPr>
-            <p:ph type="title"/>
-          </p:nvPr>
-        </p:nvSpPr>
-        <p:spPr>
-          <a:xfrm>
-            <a:off x="128819" y="147386"/>
-            <a:ext cx="8520600" cy="1132264"/>
-          </a:xfrm>
-          <a:prstGeom prst="rect">
-            <a:avLst/>
-          </a:prstGeom>
-        </p:spPr>
-        <p:txBody>
-          <a:bodyPr spcFirstLastPara="1" wrap="square" lIns="91425" tIns="91425" rIns="91425" bIns="91425" anchor="t" anchorCtr="0">
-            <a:noAutofit/>
-          </a:bodyPr>
-          <a:lstStyle/>
-          <a:p>
-            <a:pPr marL="0" lvl="0" indent="0" algn="l" rtl="0">
-              <a:spcBef>
-                <a:spcPts val="0"/>
-              </a:spcBef>
-              <a:spcAft>
-                <a:spcPts val="0"/>
-              </a:spcAft>
-              <a:buNone/>
-            </a:pPr>
-            <a:r>
-              <a:rPr lang="en" dirty="0"/>
-              <a:t>Component 2 version 2 - Test Plan (?and screenshot)</a:t>
-            </a:r>
-            <a:br>
-              <a:rPr lang="en" dirty="0"/>
-            </a:br>
-            <a:endParaRPr dirty="0"/>
-          </a:p>
-        </p:txBody>
-      </p:sp>
-      <p:graphicFrame>
-        <p:nvGraphicFramePr>
-          <p:cNvPr id="79" name="Google Shape;79;p17"/>
-          <p:cNvGraphicFramePr/>
-          <p:nvPr>
-            <p:extLst>
-              <p:ext uri="{D42A27DB-BD31-4B8C-83A1-F6EECF244321}">
-                <p14:modId xmlns:p14="http://schemas.microsoft.com/office/powerpoint/2010/main" val="3678491555"/>
-              </p:ext>
-            </p:extLst>
-          </p:nvPr>
-        </p:nvGraphicFramePr>
-        <p:xfrm>
-          <a:off x="311700" y="3631224"/>
-          <a:ext cx="8520600" cy="1462980"/>
-        </p:xfrm>
-        <a:graphic>
-          <a:graphicData uri="http://schemas.openxmlformats.org/drawingml/2006/table">
-            <a:tbl>
-              <a:tblPr>
-                <a:noFill/>
-                <a:tableStyleId>{E1099E06-0E6B-448D-9D27-60429F06E6F4}</a:tableStyleId>
-              </a:tblPr>
-              <a:tblGrid>
-                <a:gridCol w="4260300">
-                  <a:extLst>
-                    <a:ext uri="{9D8B030D-6E8A-4147-A177-3AD203B41FA5}">
-                      <a16:colId xmlns:a16="http://schemas.microsoft.com/office/drawing/2014/main" val="20000"/>
-                    </a:ext>
-                  </a:extLst>
-                </a:gridCol>
-                <a:gridCol w="4260300">
-                  <a:extLst>
-                    <a:ext uri="{9D8B030D-6E8A-4147-A177-3AD203B41FA5}">
-                      <a16:colId xmlns:a16="http://schemas.microsoft.com/office/drawing/2014/main" val="20001"/>
-                    </a:ext>
-                  </a:extLst>
-                </a:gridCol>
-              </a:tblGrid>
-              <a:tr h="381000">
-                <a:tc>
-                  <a:txBody>
-                    <a:bodyPr/>
-                    <a:lstStyle/>
-                    <a:p>
-                      <a:pPr marL="0" lvl="0" indent="0" algn="l" rtl="0">
-                        <a:spcBef>
-                          <a:spcPts val="0"/>
-                        </a:spcBef>
-                        <a:spcAft>
-                          <a:spcPts val="0"/>
-                        </a:spcAft>
-                        <a:buNone/>
-                      </a:pPr>
-                      <a:r>
-                        <a:rPr lang="en" sz="1800" b="1" dirty="0"/>
-                        <a:t>Test Case</a:t>
-                      </a:r>
-                      <a:endParaRPr sz="1800" b="1" dirty="0"/>
-                    </a:p>
-                  </a:txBody>
-                  <a:tcPr marL="91425" marR="91425" marT="91425" marB="91425">
-                    <a:solidFill>
-                      <a:srgbClr val="CCCCCC"/>
-                    </a:solidFill>
-                  </a:tcPr>
-                </a:tc>
-                <a:tc>
-                  <a:txBody>
-                    <a:bodyPr/>
-                    <a:lstStyle/>
-                    <a:p>
-                      <a:pPr marL="0" lvl="0" indent="0" algn="l" rtl="0">
-                        <a:spcBef>
-                          <a:spcPts val="0"/>
-                        </a:spcBef>
-                        <a:spcAft>
-                          <a:spcPts val="0"/>
-                        </a:spcAft>
-                        <a:buNone/>
-                      </a:pPr>
-                      <a:r>
-                        <a:rPr lang="en" sz="1800" b="1"/>
-                        <a:t>Expected Values</a:t>
-                      </a:r>
-                      <a:endParaRPr sz="1800" b="1"/>
-                    </a:p>
-                  </a:txBody>
-                  <a:tcPr marL="91425" marR="91425" marT="91425" marB="91425">
-                    <a:solidFill>
-                      <a:srgbClr val="CCCCCC"/>
-                    </a:solidFill>
-                  </a:tcPr>
-                </a:tc>
-                <a:extLst>
-                  <a:ext uri="{0D108BD9-81ED-4DB2-BD59-A6C34878D82A}">
-                    <a16:rowId xmlns:a16="http://schemas.microsoft.com/office/drawing/2014/main" val="10000"/>
-                  </a:ext>
-                </a:extLst>
-              </a:tr>
-              <a:tr h="396200">
-                <a:tc>
-                  <a:txBody>
-                    <a:bodyPr/>
-                    <a:lstStyle/>
-                    <a:p>
-                      <a:pPr marL="0" lvl="0" indent="0" algn="l" rtl="0">
-                        <a:spcBef>
-                          <a:spcPts val="0"/>
-                        </a:spcBef>
-                        <a:spcAft>
-                          <a:spcPts val="0"/>
-                        </a:spcAft>
-                        <a:buNone/>
-                      </a:pPr>
-                      <a:r>
-                        <a:rPr lang="en-GB" sz="1800" dirty="0"/>
-                        <a:t>Run Program</a:t>
-                      </a:r>
-                      <a:endParaRPr sz="1800" dirty="0"/>
-                    </a:p>
-                  </a:txBody>
-                  <a:tcPr marL="91425" marR="91425" marT="91425" marB="91425"/>
-                </a:tc>
-                <a:tc>
-                  <a:txBody>
-                    <a:bodyPr/>
-                    <a:lstStyle/>
-                    <a:p>
-                      <a:pPr marL="0" lvl="0" indent="0" algn="l" rtl="0">
-                        <a:spcBef>
-                          <a:spcPts val="0"/>
-                        </a:spcBef>
-                        <a:spcAft>
-                          <a:spcPts val="0"/>
-                        </a:spcAft>
-                        <a:buNone/>
-                      </a:pPr>
-                      <a:r>
-                        <a:rPr lang="en-GB" sz="1800" dirty="0"/>
-                        <a:t>Able to order d for delivery or p for pickup with appropriate messages and another message if done </a:t>
-                      </a:r>
-                      <a:r>
-                        <a:rPr lang="en-GB" sz="1800" dirty="0" err="1"/>
-                        <a:t>incorrectely</a:t>
-                      </a:r>
-                      <a:r>
-                        <a:rPr lang="en-GB" sz="1800" dirty="0"/>
-                        <a:t> </a:t>
-                      </a:r>
-                      <a:endParaRPr sz="1800" dirty="0"/>
-                    </a:p>
-                  </a:txBody>
-                  <a:tcPr marL="91425" marR="91425" marT="91425" marB="91425"/>
-                </a:tc>
-                <a:extLst>
-                  <a:ext uri="{0D108BD9-81ED-4DB2-BD59-A6C34878D82A}">
-                    <a16:rowId xmlns:a16="http://schemas.microsoft.com/office/drawing/2014/main" val="10001"/>
-                  </a:ext>
-                </a:extLst>
-              </a:tr>
-            </a:tbl>
-          </a:graphicData>
-        </a:graphic>
-      </p:graphicFrame>
-      <p:pic>
-        <p:nvPicPr>
-          <p:cNvPr id="3" name="Picture 2">
-            <a:extLst>
-              <a:ext uri="{FF2B5EF4-FFF2-40B4-BE49-F238E27FC236}">
-                <a16:creationId xmlns:a16="http://schemas.microsoft.com/office/drawing/2014/main" id="{45AC4A6D-070B-4567-8E4D-C87B2F450E86}"/>
-              </a:ext>
-            </a:extLst>
-          </p:cNvPr>
-          <p:cNvPicPr>
-            <a:picLocks noChangeAspect="1"/>
-          </p:cNvPicPr>
-          <p:nvPr/>
-        </p:nvPicPr>
-        <p:blipFill>
-          <a:blip r:embed="rId3"/>
-          <a:stretch>
-            <a:fillRect/>
-          </a:stretch>
-        </p:blipFill>
-        <p:spPr>
-          <a:xfrm>
-            <a:off x="78202" y="1279650"/>
-            <a:ext cx="4135902" cy="1882068"/>
-          </a:xfrm>
-          <a:prstGeom prst="rect">
-            <a:avLst/>
-          </a:prstGeom>
-        </p:spPr>
-      </p:pic>
-      <p:pic>
-        <p:nvPicPr>
-          <p:cNvPr id="6" name="Picture 5">
-            <a:extLst>
-              <a:ext uri="{FF2B5EF4-FFF2-40B4-BE49-F238E27FC236}">
-                <a16:creationId xmlns:a16="http://schemas.microsoft.com/office/drawing/2014/main" id="{8544C780-D657-4E81-BAA7-2C45A2FCC60B}"/>
-              </a:ext>
-            </a:extLst>
-          </p:cNvPr>
-          <p:cNvPicPr>
-            <a:picLocks noChangeAspect="1"/>
-          </p:cNvPicPr>
-          <p:nvPr/>
-        </p:nvPicPr>
-        <p:blipFill>
-          <a:blip r:embed="rId4"/>
-          <a:stretch>
-            <a:fillRect/>
-          </a:stretch>
-        </p:blipFill>
-        <p:spPr>
-          <a:xfrm>
-            <a:off x="4214104" y="1749156"/>
-            <a:ext cx="4618196" cy="669021"/>
-          </a:xfrm>
-          <a:prstGeom prst="rect">
-            <a:avLst/>
-          </a:prstGeom>
-        </p:spPr>
-      </p:pic>
-    </p:spTree>
-    <p:extLst>
-      <p:ext uri="{BB962C8B-B14F-4D97-AF65-F5344CB8AC3E}">
-        <p14:creationId xmlns:p14="http://schemas.microsoft.com/office/powerpoint/2010/main" val="3150406373"/>
       </p:ext>
     </p:extLst>
   </p:cSld>

--- a/022_91893+_+91897+Documentation.pptx
+++ b/022_91893+_+91897+Documentation.pptx
@@ -5,7 +5,7 @@
     <p:sldMasterId id="2147483659" r:id="rId1"/>
   </p:sldMasterIdLst>
   <p:notesMasterIdLst>
-    <p:notesMasterId r:id="rId19"/>
+    <p:notesMasterId r:id="rId21"/>
   </p:notesMasterIdLst>
   <p:sldIdLst>
     <p:sldId id="256" r:id="rId2"/>
@@ -22,9 +22,11 @@
     <p:sldId id="268" r:id="rId13"/>
     <p:sldId id="269" r:id="rId14"/>
     <p:sldId id="271" r:id="rId15"/>
-    <p:sldId id="272" r:id="rId16"/>
-    <p:sldId id="261" r:id="rId17"/>
-    <p:sldId id="262" r:id="rId18"/>
+    <p:sldId id="273" r:id="rId16"/>
+    <p:sldId id="272" r:id="rId17"/>
+    <p:sldId id="274" r:id="rId18"/>
+    <p:sldId id="261" r:id="rId19"/>
+    <p:sldId id="262" r:id="rId20"/>
   </p:sldIdLst>
   <p:sldSz cx="9144000" cy="5143500" type="screen16x9"/>
   <p:notesSz cx="6858000" cy="9144000"/>
@@ -289,7 +291,7 @@
   <pc:docChgLst>
     <pc:chgData name="Sean Albertyn" userId="f499a6e059928ae0" providerId="LiveId" clId="{AE64FCEC-2C26-418C-80E2-383765709D65}"/>
     <pc:docChg chg="undo custSel addSld modSld sldOrd">
-      <pc:chgData name="Sean Albertyn" userId="f499a6e059928ae0" providerId="LiveId" clId="{AE64FCEC-2C26-418C-80E2-383765709D65}" dt="2022-02-20T21:17:45.326" v="1268" actId="1076"/>
+      <pc:chgData name="Sean Albertyn" userId="f499a6e059928ae0" providerId="LiveId" clId="{AE64FCEC-2C26-418C-80E2-383765709D65}" dt="2022-02-20T21:47:45.578" v="1336" actId="20577"/>
       <pc:docMkLst>
         <pc:docMk/>
       </pc:docMkLst>
@@ -810,11 +812,27 @@
         </pc:picChg>
       </pc:sldChg>
       <pc:sldChg chg="addSp delSp modSp add mod ord">
-        <pc:chgData name="Sean Albertyn" userId="f499a6e059928ae0" providerId="LiveId" clId="{AE64FCEC-2C26-418C-80E2-383765709D65}" dt="2022-02-20T21:11:48.155" v="1101" actId="1076"/>
+        <pc:chgData name="Sean Albertyn" userId="f499a6e059928ae0" providerId="LiveId" clId="{AE64FCEC-2C26-418C-80E2-383765709D65}" dt="2022-02-20T21:41:54.456" v="1273" actId="1076"/>
         <pc:sldMkLst>
           <pc:docMk/>
           <pc:sldMk cId="2122452375" sldId="271"/>
         </pc:sldMkLst>
+        <pc:spChg chg="del mod">
+          <ac:chgData name="Sean Albertyn" userId="f499a6e059928ae0" providerId="LiveId" clId="{AE64FCEC-2C26-418C-80E2-383765709D65}" dt="2022-02-20T21:41:48.810" v="1270" actId="478"/>
+          <ac:spMkLst>
+            <pc:docMk/>
+            <pc:sldMk cId="2122452375" sldId="271"/>
+            <ac:spMk id="5" creationId="{3604F375-2046-4FD9-97BB-7B2B5001660C}"/>
+          </ac:spMkLst>
+        </pc:spChg>
+        <pc:spChg chg="del">
+          <ac:chgData name="Sean Albertyn" userId="f499a6e059928ae0" providerId="LiveId" clId="{AE64FCEC-2C26-418C-80E2-383765709D65}" dt="2022-02-20T21:41:49.913" v="1271" actId="478"/>
+          <ac:spMkLst>
+            <pc:docMk/>
+            <pc:sldMk cId="2122452375" sldId="271"/>
+            <ac:spMk id="6" creationId="{BBE5456E-7120-4FC9-AF8C-95A60E3A437D}"/>
+          </ac:spMkLst>
+        </pc:spChg>
         <pc:spChg chg="mod">
           <ac:chgData name="Sean Albertyn" userId="f499a6e059928ae0" providerId="LiveId" clId="{AE64FCEC-2C26-418C-80E2-383765709D65}" dt="2022-02-20T21:11:23.256" v="1096" actId="20577"/>
           <ac:spMkLst>
@@ -832,7 +850,7 @@
           </ac:picMkLst>
         </pc:picChg>
         <pc:picChg chg="add mod">
-          <ac:chgData name="Sean Albertyn" userId="f499a6e059928ae0" providerId="LiveId" clId="{AE64FCEC-2C26-418C-80E2-383765709D65}" dt="2022-02-20T21:11:48.155" v="1101" actId="1076"/>
+          <ac:chgData name="Sean Albertyn" userId="f499a6e059928ae0" providerId="LiveId" clId="{AE64FCEC-2C26-418C-80E2-383765709D65}" dt="2022-02-20T21:41:54.456" v="1273" actId="1076"/>
           <ac:picMkLst>
             <pc:docMk/>
             <pc:sldMk cId="2122452375" sldId="271"/>
@@ -892,6 +910,84 @@
             <pc:docMk/>
             <pc:sldMk cId="4002751945" sldId="272"/>
             <ac:picMk id="7" creationId="{3C59C378-FDD6-4170-8C56-9CC2C5278602}"/>
+          </ac:picMkLst>
+        </pc:picChg>
+      </pc:sldChg>
+      <pc:sldChg chg="addSp delSp add mod">
+        <pc:chgData name="Sean Albertyn" userId="f499a6e059928ae0" providerId="LiveId" clId="{AE64FCEC-2C26-418C-80E2-383765709D65}" dt="2022-02-20T21:42:44.015" v="1276" actId="22"/>
+        <pc:sldMkLst>
+          <pc:docMk/>
+          <pc:sldMk cId="2892038105" sldId="273"/>
+        </pc:sldMkLst>
+        <pc:picChg chg="add">
+          <ac:chgData name="Sean Albertyn" userId="f499a6e059928ae0" providerId="LiveId" clId="{AE64FCEC-2C26-418C-80E2-383765709D65}" dt="2022-02-20T21:42:44.015" v="1276" actId="22"/>
+          <ac:picMkLst>
+            <pc:docMk/>
+            <pc:sldMk cId="2892038105" sldId="273"/>
+            <ac:picMk id="3" creationId="{29CB9FFB-C8CF-4183-AD1B-0F541785446A}"/>
+          </ac:picMkLst>
+        </pc:picChg>
+        <pc:picChg chg="del">
+          <ac:chgData name="Sean Albertyn" userId="f499a6e059928ae0" providerId="LiveId" clId="{AE64FCEC-2C26-418C-80E2-383765709D65}" dt="2022-02-20T21:42:19.290" v="1275" actId="478"/>
+          <ac:picMkLst>
+            <pc:docMk/>
+            <pc:sldMk cId="2892038105" sldId="273"/>
+            <ac:picMk id="4" creationId="{A3906415-7D0E-4FB4-9F6B-ACF1AF0F2DBC}"/>
+          </ac:picMkLst>
+        </pc:picChg>
+      </pc:sldChg>
+      <pc:sldChg chg="addSp delSp modSp add mod">
+        <pc:chgData name="Sean Albertyn" userId="f499a6e059928ae0" providerId="LiveId" clId="{AE64FCEC-2C26-418C-80E2-383765709D65}" dt="2022-02-20T21:47:45.578" v="1336" actId="20577"/>
+        <pc:sldMkLst>
+          <pc:docMk/>
+          <pc:sldMk cId="3272229771" sldId="274"/>
+        </pc:sldMkLst>
+        <pc:spChg chg="mod">
+          <ac:chgData name="Sean Albertyn" userId="f499a6e059928ae0" providerId="LiveId" clId="{AE64FCEC-2C26-418C-80E2-383765709D65}" dt="2022-02-20T21:44:41.198" v="1290" actId="1076"/>
+          <ac:spMkLst>
+            <pc:docMk/>
+            <pc:sldMk cId="3272229771" sldId="274"/>
+            <ac:spMk id="78" creationId="{00000000-0000-0000-0000-000000000000}"/>
+          </ac:spMkLst>
+        </pc:spChg>
+        <pc:graphicFrameChg chg="modGraphic">
+          <ac:chgData name="Sean Albertyn" userId="f499a6e059928ae0" providerId="LiveId" clId="{AE64FCEC-2C26-418C-80E2-383765709D65}" dt="2022-02-20T21:47:45.578" v="1336" actId="20577"/>
+          <ac:graphicFrameMkLst>
+            <pc:docMk/>
+            <pc:sldMk cId="3272229771" sldId="274"/>
+            <ac:graphicFrameMk id="79" creationId="{00000000-0000-0000-0000-000000000000}"/>
+          </ac:graphicFrameMkLst>
+        </pc:graphicFrameChg>
+        <pc:picChg chg="del">
+          <ac:chgData name="Sean Albertyn" userId="f499a6e059928ae0" providerId="LiveId" clId="{AE64FCEC-2C26-418C-80E2-383765709D65}" dt="2022-02-20T21:44:38.798" v="1288" actId="478"/>
+          <ac:picMkLst>
+            <pc:docMk/>
+            <pc:sldMk cId="3272229771" sldId="274"/>
+            <ac:picMk id="3" creationId="{5C00087B-424B-436E-A3D7-050DE1A97199}"/>
+          </ac:picMkLst>
+        </pc:picChg>
+        <pc:picChg chg="add mod">
+          <ac:chgData name="Sean Albertyn" userId="f499a6e059928ae0" providerId="LiveId" clId="{AE64FCEC-2C26-418C-80E2-383765709D65}" dt="2022-02-20T21:45:43.197" v="1296" actId="1076"/>
+          <ac:picMkLst>
+            <pc:docMk/>
+            <pc:sldMk cId="3272229771" sldId="274"/>
+            <ac:picMk id="4" creationId="{94C42B0C-1577-43E9-BE95-46979B03D7BF}"/>
+          </ac:picMkLst>
+        </pc:picChg>
+        <pc:picChg chg="del">
+          <ac:chgData name="Sean Albertyn" userId="f499a6e059928ae0" providerId="LiveId" clId="{AE64FCEC-2C26-418C-80E2-383765709D65}" dt="2022-02-20T21:44:39.247" v="1289" actId="478"/>
+          <ac:picMkLst>
+            <pc:docMk/>
+            <pc:sldMk cId="3272229771" sldId="274"/>
+            <ac:picMk id="6" creationId="{0167CB61-3A45-4655-9152-2346AC45B65E}"/>
+          </ac:picMkLst>
+        </pc:picChg>
+        <pc:picChg chg="add mod">
+          <ac:chgData name="Sean Albertyn" userId="f499a6e059928ae0" providerId="LiveId" clId="{AE64FCEC-2C26-418C-80E2-383765709D65}" dt="2022-02-20T21:46:36.527" v="1298" actId="1076"/>
+          <ac:picMkLst>
+            <pc:docMk/>
+            <pc:sldMk cId="3272229771" sldId="274"/>
+            <ac:picMk id="7" creationId="{D8713716-ADA5-4575-8D17-A5D44D9E0819}"/>
           </ac:picMkLst>
         </pc:picChg>
       </pc:sldChg>
@@ -2034,6 +2130,115 @@
   <p:cSld>
     <p:spTree>
       <p:nvGrpSpPr>
+        <p:cNvPr id="1" name="Shape 69"/>
+        <p:cNvGrpSpPr/>
+        <p:nvPr/>
+      </p:nvGrpSpPr>
+      <p:grpSpPr>
+        <a:xfrm>
+          <a:off x="0" y="0"/>
+          <a:ext cx="0" cy="0"/>
+          <a:chOff x="0" y="0"/>
+          <a:chExt cx="0" cy="0"/>
+        </a:xfrm>
+      </p:grpSpPr>
+      <p:sp>
+        <p:nvSpPr>
+          <p:cNvPr id="70" name="Google Shape;70;gac10fef634_0_16:notes"/>
+          <p:cNvSpPr>
+            <a:spLocks noGrp="1" noRot="1" noChangeAspect="1"/>
+          </p:cNvSpPr>
+          <p:nvPr>
+            <p:ph type="sldImg" idx="2"/>
+          </p:nvPr>
+        </p:nvSpPr>
+        <p:spPr>
+          <a:xfrm>
+            <a:off x="381000" y="685800"/>
+            <a:ext cx="6096000" cy="3429000"/>
+          </a:xfrm>
+          <a:custGeom>
+            <a:avLst/>
+            <a:gdLst/>
+            <a:ahLst/>
+            <a:cxnLst/>
+            <a:rect l="l" t="t" r="r" b="b"/>
+            <a:pathLst>
+              <a:path w="120000" h="120000" extrusionOk="0">
+                <a:moveTo>
+                  <a:pt x="0" y="0"/>
+                </a:moveTo>
+                <a:lnTo>
+                  <a:pt x="120000" y="0"/>
+                </a:lnTo>
+                <a:lnTo>
+                  <a:pt x="120000" y="120000"/>
+                </a:lnTo>
+                <a:lnTo>
+                  <a:pt x="0" y="120000"/>
+                </a:lnTo>
+                <a:close/>
+              </a:path>
+            </a:pathLst>
+          </a:custGeom>
+        </p:spPr>
+      </p:sp>
+      <p:sp>
+        <p:nvSpPr>
+          <p:cNvPr id="71" name="Google Shape;71;gac10fef634_0_16:notes"/>
+          <p:cNvSpPr txBox="1">
+            <a:spLocks noGrp="1"/>
+          </p:cNvSpPr>
+          <p:nvPr>
+            <p:ph type="body" idx="1"/>
+          </p:nvPr>
+        </p:nvSpPr>
+        <p:spPr>
+          <a:xfrm>
+            <a:off x="685800" y="4343400"/>
+            <a:ext cx="5486400" cy="4114800"/>
+          </a:xfrm>
+          <a:prstGeom prst="rect">
+            <a:avLst/>
+          </a:prstGeom>
+        </p:spPr>
+        <p:txBody>
+          <a:bodyPr spcFirstLastPara="1" wrap="square" lIns="91425" tIns="91425" rIns="91425" bIns="91425" anchor="t" anchorCtr="0">
+            <a:noAutofit/>
+          </a:bodyPr>
+          <a:lstStyle/>
+          <a:p>
+            <a:pPr marL="0" lvl="0" indent="0" algn="l" rtl="0">
+              <a:spcBef>
+                <a:spcPts val="0"/>
+              </a:spcBef>
+              <a:spcAft>
+                <a:spcPts val="0"/>
+              </a:spcAft>
+              <a:buNone/>
+            </a:pPr>
+            <a:endParaRPr/>
+          </a:p>
+        </p:txBody>
+      </p:sp>
+    </p:spTree>
+    <p:extLst>
+      <p:ext uri="{BB962C8B-B14F-4D97-AF65-F5344CB8AC3E}">
+        <p14:creationId xmlns:p14="http://schemas.microsoft.com/office/powerpoint/2010/main" val="1135523760"/>
+      </p:ext>
+    </p:extLst>
+  </p:cSld>
+  <p:clrMapOvr>
+    <a:masterClrMapping/>
+  </p:clrMapOvr>
+</p:notes>
+</file>
+
+<file path=ppt/notesSlides/notesSlide16.xml><?xml version="1.0" encoding="utf-8"?>
+<p:notes xmlns:a="http://schemas.openxmlformats.org/drawingml/2006/main" xmlns:r="http://schemas.openxmlformats.org/officeDocument/2006/relationships" xmlns:p="http://schemas.openxmlformats.org/presentationml/2006/main" showMasterSp="0" showMasterPhAnim="0">
+  <p:cSld>
+    <p:spTree>
+      <p:nvGrpSpPr>
         <p:cNvPr id="1" name="Shape 74"/>
         <p:cNvGrpSpPr/>
         <p:nvPr/>
@@ -2138,7 +2343,116 @@
 </p:notes>
 </file>
 
-<file path=ppt/notesSlides/notesSlide16.xml><?xml version="1.0" encoding="utf-8"?>
+<file path=ppt/notesSlides/notesSlide17.xml><?xml version="1.0" encoding="utf-8"?>
+<p:notes xmlns:a="http://schemas.openxmlformats.org/drawingml/2006/main" xmlns:r="http://schemas.openxmlformats.org/officeDocument/2006/relationships" xmlns:p="http://schemas.openxmlformats.org/presentationml/2006/main" showMasterSp="0" showMasterPhAnim="0">
+  <p:cSld>
+    <p:spTree>
+      <p:nvGrpSpPr>
+        <p:cNvPr id="1" name="Shape 74"/>
+        <p:cNvGrpSpPr/>
+        <p:nvPr/>
+      </p:nvGrpSpPr>
+      <p:grpSpPr>
+        <a:xfrm>
+          <a:off x="0" y="0"/>
+          <a:ext cx="0" cy="0"/>
+          <a:chOff x="0" y="0"/>
+          <a:chExt cx="0" cy="0"/>
+        </a:xfrm>
+      </p:grpSpPr>
+      <p:sp>
+        <p:nvSpPr>
+          <p:cNvPr id="75" name="Google Shape;75;gac10fef634_0_20:notes"/>
+          <p:cNvSpPr>
+            <a:spLocks noGrp="1" noRot="1" noChangeAspect="1"/>
+          </p:cNvSpPr>
+          <p:nvPr>
+            <p:ph type="sldImg" idx="2"/>
+          </p:nvPr>
+        </p:nvSpPr>
+        <p:spPr>
+          <a:xfrm>
+            <a:off x="381000" y="685800"/>
+            <a:ext cx="6096000" cy="3429000"/>
+          </a:xfrm>
+          <a:custGeom>
+            <a:avLst/>
+            <a:gdLst/>
+            <a:ahLst/>
+            <a:cxnLst/>
+            <a:rect l="l" t="t" r="r" b="b"/>
+            <a:pathLst>
+              <a:path w="120000" h="120000" extrusionOk="0">
+                <a:moveTo>
+                  <a:pt x="0" y="0"/>
+                </a:moveTo>
+                <a:lnTo>
+                  <a:pt x="120000" y="0"/>
+                </a:lnTo>
+                <a:lnTo>
+                  <a:pt x="120000" y="120000"/>
+                </a:lnTo>
+                <a:lnTo>
+                  <a:pt x="0" y="120000"/>
+                </a:lnTo>
+                <a:close/>
+              </a:path>
+            </a:pathLst>
+          </a:custGeom>
+        </p:spPr>
+      </p:sp>
+      <p:sp>
+        <p:nvSpPr>
+          <p:cNvPr id="76" name="Google Shape;76;gac10fef634_0_20:notes"/>
+          <p:cNvSpPr txBox="1">
+            <a:spLocks noGrp="1"/>
+          </p:cNvSpPr>
+          <p:nvPr>
+            <p:ph type="body" idx="1"/>
+          </p:nvPr>
+        </p:nvSpPr>
+        <p:spPr>
+          <a:xfrm>
+            <a:off x="685800" y="4343400"/>
+            <a:ext cx="5486400" cy="4114800"/>
+          </a:xfrm>
+          <a:prstGeom prst="rect">
+            <a:avLst/>
+          </a:prstGeom>
+        </p:spPr>
+        <p:txBody>
+          <a:bodyPr spcFirstLastPara="1" wrap="square" lIns="91425" tIns="91425" rIns="91425" bIns="91425" anchor="t" anchorCtr="0">
+            <a:noAutofit/>
+          </a:bodyPr>
+          <a:lstStyle/>
+          <a:p>
+            <a:pPr marL="0" lvl="0" indent="0" algn="l" rtl="0">
+              <a:spcBef>
+                <a:spcPts val="0"/>
+              </a:spcBef>
+              <a:spcAft>
+                <a:spcPts val="0"/>
+              </a:spcAft>
+              <a:buNone/>
+            </a:pPr>
+            <a:endParaRPr/>
+          </a:p>
+        </p:txBody>
+      </p:sp>
+    </p:spTree>
+    <p:extLst>
+      <p:ext uri="{BB962C8B-B14F-4D97-AF65-F5344CB8AC3E}">
+        <p14:creationId xmlns:p14="http://schemas.microsoft.com/office/powerpoint/2010/main" val="16013420"/>
+      </p:ext>
+    </p:extLst>
+  </p:cSld>
+  <p:clrMapOvr>
+    <a:masterClrMapping/>
+  </p:clrMapOvr>
+</p:notes>
+</file>
+
+<file path=ppt/notesSlides/notesSlide18.xml><?xml version="1.0" encoding="utf-8"?>
 <p:notes xmlns:a="http://schemas.openxmlformats.org/drawingml/2006/main" xmlns:r="http://schemas.openxmlformats.org/officeDocument/2006/relationships" xmlns:p="http://schemas.openxmlformats.org/presentationml/2006/main" showMasterSp="0" showMasterPhAnim="0">
   <p:cSld>
     <p:spTree>
@@ -2263,7 +2577,7 @@
 </p:notes>
 </file>
 
-<file path=ppt/notesSlides/notesSlide17.xml><?xml version="1.0" encoding="utf-8"?>
+<file path=ppt/notesSlides/notesSlide19.xml><?xml version="1.0" encoding="utf-8"?>
 <p:notes xmlns:a="http://schemas.openxmlformats.org/drawingml/2006/main" xmlns:r="http://schemas.openxmlformats.org/officeDocument/2006/relationships" xmlns:p="http://schemas.openxmlformats.org/presentationml/2006/main" showMasterSp="0" showMasterPhAnim="0">
   <p:cSld>
     <p:spTree>
@@ -9526,77 +9840,6 @@
           </a:p>
         </p:txBody>
       </p:sp>
-      <p:sp>
-        <p:nvSpPr>
-          <p:cNvPr id="5" name="TextBox 4">
-            <a:extLst>
-              <a:ext uri="{FF2B5EF4-FFF2-40B4-BE49-F238E27FC236}">
-                <a16:creationId xmlns:a16="http://schemas.microsoft.com/office/drawing/2014/main" id="{3604F375-2046-4FD9-97BB-7B2B5001660C}"/>
-              </a:ext>
-            </a:extLst>
-          </p:cNvPr>
-          <p:cNvSpPr txBox="1"/>
-          <p:nvPr/>
-        </p:nvSpPr>
-        <p:spPr>
-          <a:xfrm>
-            <a:off x="105508" y="3003452"/>
-            <a:ext cx="5908430" cy="307777"/>
-          </a:xfrm>
-          <a:prstGeom prst="rect">
-            <a:avLst/>
-          </a:prstGeom>
-          <a:noFill/>
-        </p:spPr>
-        <p:txBody>
-          <a:bodyPr wrap="square" rtlCol="0">
-            <a:spAutoFit/>
-          </a:bodyPr>
-          <a:lstStyle/>
-          <a:p>
-            <a:r>
-              <a:rPr lang="en-GB" dirty="0"/>
-              <a:t>Version 2</a:t>
-            </a:r>
-            <a:endParaRPr lang="en-NZ" dirty="0"/>
-          </a:p>
-        </p:txBody>
-      </p:sp>
-      <p:sp>
-        <p:nvSpPr>
-          <p:cNvPr id="6" name="TextBox 5">
-            <a:extLst>
-              <a:ext uri="{FF2B5EF4-FFF2-40B4-BE49-F238E27FC236}">
-                <a16:creationId xmlns:a16="http://schemas.microsoft.com/office/drawing/2014/main" id="{BBE5456E-7120-4FC9-AF8C-95A60E3A437D}"/>
-              </a:ext>
-            </a:extLst>
-          </p:cNvPr>
-          <p:cNvSpPr txBox="1"/>
-          <p:nvPr/>
-        </p:nvSpPr>
-        <p:spPr>
-          <a:xfrm>
-            <a:off x="161778" y="830211"/>
-            <a:ext cx="2630659" cy="307777"/>
-          </a:xfrm>
-          <a:prstGeom prst="rect">
-            <a:avLst/>
-          </a:prstGeom>
-          <a:noFill/>
-        </p:spPr>
-        <p:txBody>
-          <a:bodyPr wrap="square" rtlCol="0">
-            <a:spAutoFit/>
-          </a:bodyPr>
-          <a:lstStyle/>
-          <a:p>
-            <a:r>
-              <a:rPr lang="en-GB" dirty="0"/>
-              <a:t>Version 1</a:t>
-            </a:r>
-          </a:p>
-        </p:txBody>
-      </p:sp>
       <p:pic>
         <p:nvPicPr>
           <p:cNvPr id="4" name="Picture 3">
@@ -9619,8 +9862,8 @@
         </p:blipFill>
         <p:spPr>
           <a:xfrm>
-            <a:off x="185090" y="1137988"/>
-            <a:ext cx="7330068" cy="1678283"/>
+            <a:off x="189865" y="1494827"/>
+            <a:ext cx="8764270" cy="2006656"/>
           </a:xfrm>
           <a:prstGeom prst="rect">
             <a:avLst/>
@@ -9641,6 +9884,116 @@
 </file>
 
 <file path=ppt/slides/slide15.xml><?xml version="1.0" encoding="utf-8"?>
+<p:sld xmlns:a="http://schemas.openxmlformats.org/drawingml/2006/main" xmlns:r="http://schemas.openxmlformats.org/officeDocument/2006/relationships" xmlns:p="http://schemas.openxmlformats.org/presentationml/2006/main">
+  <p:cSld>
+    <p:bg>
+      <p:bgPr>
+        <a:solidFill>
+          <a:srgbClr val="D9EAD3"/>
+        </a:solidFill>
+        <a:effectLst/>
+      </p:bgPr>
+    </p:bg>
+    <p:spTree>
+      <p:nvGrpSpPr>
+        <p:cNvPr id="1" name="Shape 72"/>
+        <p:cNvGrpSpPr/>
+        <p:nvPr/>
+      </p:nvGrpSpPr>
+      <p:grpSpPr>
+        <a:xfrm>
+          <a:off x="0" y="0"/>
+          <a:ext cx="0" cy="0"/>
+          <a:chOff x="0" y="0"/>
+          <a:chExt cx="0" cy="0"/>
+        </a:xfrm>
+      </p:grpSpPr>
+      <p:sp>
+        <p:nvSpPr>
+          <p:cNvPr id="73" name="Google Shape;73;p16"/>
+          <p:cNvSpPr txBox="1">
+            <a:spLocks noGrp="1"/>
+          </p:cNvSpPr>
+          <p:nvPr>
+            <p:ph type="title"/>
+          </p:nvPr>
+        </p:nvSpPr>
+        <p:spPr>
+          <a:xfrm>
+            <a:off x="185090" y="54943"/>
+            <a:ext cx="8520600" cy="572700"/>
+          </a:xfrm>
+          <a:prstGeom prst="rect">
+            <a:avLst/>
+          </a:prstGeom>
+        </p:spPr>
+        <p:txBody>
+          <a:bodyPr spcFirstLastPara="1" wrap="square" lIns="91425" tIns="91425" rIns="91425" bIns="91425" anchor="t" anchorCtr="0">
+            <a:noAutofit/>
+          </a:bodyPr>
+          <a:lstStyle/>
+          <a:p>
+            <a:pPr marL="0" lvl="0" indent="0" algn="l" rtl="0">
+              <a:spcBef>
+                <a:spcPts val="0"/>
+              </a:spcBef>
+              <a:spcAft>
+                <a:spcPts val="0"/>
+              </a:spcAft>
+              <a:buNone/>
+            </a:pPr>
+            <a:r>
+              <a:rPr lang="en" dirty="0"/>
+              <a:t>Component 3 (Trello screenshot)</a:t>
+            </a:r>
+            <a:endParaRPr dirty="0"/>
+          </a:p>
+        </p:txBody>
+      </p:sp>
+      <p:pic>
+        <p:nvPicPr>
+          <p:cNvPr id="3" name="Picture 2">
+            <a:extLst>
+              <a:ext uri="{FF2B5EF4-FFF2-40B4-BE49-F238E27FC236}">
+                <a16:creationId xmlns:a16="http://schemas.microsoft.com/office/drawing/2014/main" id="{29CB9FFB-C8CF-4183-AD1B-0F541785446A}"/>
+              </a:ext>
+            </a:extLst>
+          </p:cNvPr>
+          <p:cNvPicPr>
+            <a:picLocks noChangeAspect="1"/>
+          </p:cNvPicPr>
+          <p:nvPr/>
+        </p:nvPicPr>
+        <p:blipFill>
+          <a:blip r:embed="rId3"/>
+          <a:stretch>
+            <a:fillRect/>
+          </a:stretch>
+        </p:blipFill>
+        <p:spPr>
+          <a:xfrm>
+            <a:off x="563532" y="1005704"/>
+            <a:ext cx="8016935" cy="3132091"/>
+          </a:xfrm>
+          <a:prstGeom prst="rect">
+            <a:avLst/>
+          </a:prstGeom>
+        </p:spPr>
+      </p:pic>
+    </p:spTree>
+    <p:extLst>
+      <p:ext uri="{BB962C8B-B14F-4D97-AF65-F5344CB8AC3E}">
+        <p14:creationId xmlns:p14="http://schemas.microsoft.com/office/powerpoint/2010/main" val="2892038105"/>
+      </p:ext>
+    </p:extLst>
+  </p:cSld>
+  <p:clrMapOvr>
+    <a:masterClrMapping/>
+  </p:clrMapOvr>
+</p:sld>
+</file>
+
+<file path=ppt/slides/slide16.xml><?xml version="1.0" encoding="utf-8"?>
 <p:sld xmlns:a="http://schemas.openxmlformats.org/drawingml/2006/main" xmlns:r="http://schemas.openxmlformats.org/officeDocument/2006/relationships" xmlns:p="http://schemas.openxmlformats.org/presentationml/2006/main">
   <p:cSld>
     <p:spTree>
@@ -9992,7 +10345,363 @@
 </p:sld>
 </file>
 
-<file path=ppt/slides/slide16.xml><?xml version="1.0" encoding="utf-8"?>
+<file path=ppt/slides/slide17.xml><?xml version="1.0" encoding="utf-8"?>
+<p:sld xmlns:a="http://schemas.openxmlformats.org/drawingml/2006/main" xmlns:r="http://schemas.openxmlformats.org/officeDocument/2006/relationships" xmlns:p="http://schemas.openxmlformats.org/presentationml/2006/main">
+  <p:cSld>
+    <p:spTree>
+      <p:nvGrpSpPr>
+        <p:cNvPr id="1" name="Shape 77"/>
+        <p:cNvGrpSpPr/>
+        <p:nvPr/>
+      </p:nvGrpSpPr>
+      <p:grpSpPr>
+        <a:xfrm>
+          <a:off x="0" y="0"/>
+          <a:ext cx="0" cy="0"/>
+          <a:chOff x="0" y="0"/>
+          <a:chExt cx="0" cy="0"/>
+        </a:xfrm>
+      </p:grpSpPr>
+      <p:sp>
+        <p:nvSpPr>
+          <p:cNvPr id="78" name="Google Shape;78;p17"/>
+          <p:cNvSpPr txBox="1">
+            <a:spLocks noGrp="1"/>
+          </p:cNvSpPr>
+          <p:nvPr>
+            <p:ph type="title"/>
+          </p:nvPr>
+        </p:nvSpPr>
+        <p:spPr>
+          <a:xfrm>
+            <a:off x="136253" y="87913"/>
+            <a:ext cx="8520600" cy="1132264"/>
+          </a:xfrm>
+          <a:prstGeom prst="rect">
+            <a:avLst/>
+          </a:prstGeom>
+        </p:spPr>
+        <p:txBody>
+          <a:bodyPr spcFirstLastPara="1" wrap="square" lIns="91425" tIns="91425" rIns="91425" bIns="91425" anchor="t" anchorCtr="0">
+            <a:noAutofit/>
+          </a:bodyPr>
+          <a:lstStyle/>
+          <a:p>
+            <a:pPr marL="0" lvl="0" indent="0" algn="l" rtl="0">
+              <a:spcBef>
+                <a:spcPts val="0"/>
+              </a:spcBef>
+              <a:spcAft>
+                <a:spcPts val="0"/>
+              </a:spcAft>
+              <a:buNone/>
+            </a:pPr>
+            <a:r>
+              <a:rPr lang="en" dirty="0"/>
+              <a:t>Component 3 version 2 - Test Plan (?and screenshot)</a:t>
+            </a:r>
+            <a:br>
+              <a:rPr lang="en" dirty="0"/>
+            </a:br>
+            <a:endParaRPr dirty="0"/>
+          </a:p>
+        </p:txBody>
+      </p:sp>
+      <p:graphicFrame>
+        <p:nvGraphicFramePr>
+          <p:cNvPr id="79" name="Google Shape;79;p17"/>
+          <p:cNvGraphicFramePr/>
+          <p:nvPr>
+            <p:extLst>
+              <p:ext uri="{D42A27DB-BD31-4B8C-83A1-F6EECF244321}">
+                <p14:modId xmlns:p14="http://schemas.microsoft.com/office/powerpoint/2010/main" val="4131594390"/>
+              </p:ext>
+            </p:extLst>
+          </p:nvPr>
+        </p:nvGraphicFramePr>
+        <p:xfrm>
+          <a:off x="311700" y="3406200"/>
+          <a:ext cx="8520600" cy="1539593"/>
+        </p:xfrm>
+        <a:graphic>
+          <a:graphicData uri="http://schemas.openxmlformats.org/drawingml/2006/table">
+            <a:tbl>
+              <a:tblPr>
+                <a:noFill/>
+                <a:tableStyleId>{E1099E06-0E6B-448D-9D27-60429F06E6F4}</a:tableStyleId>
+              </a:tblPr>
+              <a:tblGrid>
+                <a:gridCol w="4260300">
+                  <a:extLst>
+                    <a:ext uri="{9D8B030D-6E8A-4147-A177-3AD203B41FA5}">
+                      <a16:colId xmlns:a16="http://schemas.microsoft.com/office/drawing/2014/main" val="20000"/>
+                    </a:ext>
+                  </a:extLst>
+                </a:gridCol>
+                <a:gridCol w="4260300">
+                  <a:extLst>
+                    <a:ext uri="{9D8B030D-6E8A-4147-A177-3AD203B41FA5}">
+                      <a16:colId xmlns:a16="http://schemas.microsoft.com/office/drawing/2014/main" val="20001"/>
+                    </a:ext>
+                  </a:extLst>
+                </a:gridCol>
+              </a:tblGrid>
+              <a:tr h="386564">
+                <a:tc>
+                  <a:txBody>
+                    <a:bodyPr/>
+                    <a:lstStyle/>
+                    <a:p>
+                      <a:pPr marL="0" lvl="0" indent="0" algn="l" rtl="0">
+                        <a:spcBef>
+                          <a:spcPts val="0"/>
+                        </a:spcBef>
+                        <a:spcAft>
+                          <a:spcPts val="0"/>
+                        </a:spcAft>
+                        <a:buNone/>
+                      </a:pPr>
+                      <a:r>
+                        <a:rPr lang="en" sz="1800" b="1" dirty="0"/>
+                        <a:t>Test Case</a:t>
+                      </a:r>
+                      <a:endParaRPr sz="1800" b="1" dirty="0"/>
+                    </a:p>
+                  </a:txBody>
+                  <a:tcPr marL="91425" marR="91425" marT="91425" marB="91425">
+                    <a:solidFill>
+                      <a:srgbClr val="CCCCCC"/>
+                    </a:solidFill>
+                  </a:tcPr>
+                </a:tc>
+                <a:tc>
+                  <a:txBody>
+                    <a:bodyPr/>
+                    <a:lstStyle/>
+                    <a:p>
+                      <a:pPr marL="0" lvl="0" indent="0" algn="l" rtl="0">
+                        <a:spcBef>
+                          <a:spcPts val="0"/>
+                        </a:spcBef>
+                        <a:spcAft>
+                          <a:spcPts val="0"/>
+                        </a:spcAft>
+                        <a:buNone/>
+                      </a:pPr>
+                      <a:r>
+                        <a:rPr lang="en" sz="1800" b="1"/>
+                        <a:t>Expected Values</a:t>
+                      </a:r>
+                      <a:endParaRPr sz="1800" b="1"/>
+                    </a:p>
+                  </a:txBody>
+                  <a:tcPr marL="91425" marR="91425" marT="91425" marB="91425">
+                    <a:solidFill>
+                      <a:srgbClr val="CCCCCC"/>
+                    </a:solidFill>
+                  </a:tcPr>
+                </a:tc>
+                <a:extLst>
+                  <a:ext uri="{0D108BD9-81ED-4DB2-BD59-A6C34878D82A}">
+                    <a16:rowId xmlns:a16="http://schemas.microsoft.com/office/drawing/2014/main" val="10000"/>
+                  </a:ext>
+                </a:extLst>
+              </a:tr>
+              <a:tr h="1082423">
+                <a:tc>
+                  <a:txBody>
+                    <a:bodyPr/>
+                    <a:lstStyle/>
+                    <a:p>
+                      <a:pPr marL="0" lvl="0" indent="0" algn="l" rtl="0">
+                        <a:spcBef>
+                          <a:spcPts val="0"/>
+                        </a:spcBef>
+                        <a:spcAft>
+                          <a:spcPts val="0"/>
+                        </a:spcAft>
+                        <a:buNone/>
+                      </a:pPr>
+                      <a:r>
+                        <a:rPr lang="en-NZ" sz="1800" dirty="0"/>
+                        <a:t>Input name</a:t>
+                      </a:r>
+                    </a:p>
+                    <a:p>
+                      <a:pPr marL="0" lvl="0" indent="0" algn="l" rtl="0">
+                        <a:spcBef>
+                          <a:spcPts val="0"/>
+                        </a:spcBef>
+                        <a:spcAft>
+                          <a:spcPts val="0"/>
+                        </a:spcAft>
+                        <a:buNone/>
+                      </a:pPr>
+                      <a:r>
+                        <a:rPr lang="en-NZ" sz="1800" dirty="0"/>
+                        <a:t>Input phone</a:t>
+                      </a:r>
+                    </a:p>
+                    <a:p>
+                      <a:pPr marL="0" lvl="0" indent="0" algn="l" rtl="0">
+                        <a:spcBef>
+                          <a:spcPts val="0"/>
+                        </a:spcBef>
+                        <a:spcAft>
+                          <a:spcPts val="0"/>
+                        </a:spcAft>
+                        <a:buNone/>
+                      </a:pPr>
+                      <a:r>
+                        <a:rPr lang="en-NZ" sz="1800" dirty="0"/>
+                        <a:t>Left input blank</a:t>
+                      </a:r>
+                      <a:endParaRPr sz="1800" dirty="0"/>
+                    </a:p>
+                  </a:txBody>
+                  <a:tcPr marL="91425" marR="91425" marT="91425" marB="91425"/>
+                </a:tc>
+                <a:tc>
+                  <a:txBody>
+                    <a:bodyPr/>
+                    <a:lstStyle/>
+                    <a:p>
+                      <a:pPr marL="0" lvl="0" indent="0" algn="l" rtl="0">
+                        <a:spcBef>
+                          <a:spcPts val="0"/>
+                        </a:spcBef>
+                        <a:spcAft>
+                          <a:spcPts val="0"/>
+                        </a:spcAft>
+                        <a:buNone/>
+                      </a:pPr>
+                      <a:r>
+                        <a:rPr lang="en-NZ" sz="1800" dirty="0"/>
+                        <a:t>Printed name correctly </a:t>
+                      </a:r>
+                    </a:p>
+                    <a:p>
+                      <a:pPr marL="0" lvl="0" indent="0" algn="l" rtl="0">
+                        <a:spcBef>
+                          <a:spcPts val="0"/>
+                        </a:spcBef>
+                        <a:spcAft>
+                          <a:spcPts val="0"/>
+                        </a:spcAft>
+                        <a:buNone/>
+                      </a:pPr>
+                      <a:r>
+                        <a:rPr lang="en-NZ" sz="1800" dirty="0"/>
+                        <a:t>Printed phone correctly</a:t>
+                      </a:r>
+                    </a:p>
+                    <a:p>
+                      <a:pPr marL="0" lvl="0" indent="0" algn="l" rtl="0">
+                        <a:spcBef>
+                          <a:spcPts val="0"/>
+                        </a:spcBef>
+                        <a:spcAft>
+                          <a:spcPts val="0"/>
+                        </a:spcAft>
+                        <a:buNone/>
+                      </a:pPr>
+                      <a:r>
+                        <a:rPr lang="en-NZ" sz="1800" dirty="0"/>
+                        <a:t>Prints message saying can’t </a:t>
+                      </a:r>
+                      <a:r>
+                        <a:rPr lang="en-NZ" sz="1800"/>
+                        <a:t>be blank</a:t>
+                      </a:r>
+                      <a:endParaRPr sz="1800" dirty="0"/>
+                    </a:p>
+                  </a:txBody>
+                  <a:tcPr marL="91425" marR="91425" marT="91425" marB="91425"/>
+                </a:tc>
+                <a:extLst>
+                  <a:ext uri="{0D108BD9-81ED-4DB2-BD59-A6C34878D82A}">
+                    <a16:rowId xmlns:a16="http://schemas.microsoft.com/office/drawing/2014/main" val="10001"/>
+                  </a:ext>
+                </a:extLst>
+              </a:tr>
+            </a:tbl>
+          </a:graphicData>
+        </a:graphic>
+      </p:graphicFrame>
+      <p:pic>
+        <p:nvPicPr>
+          <p:cNvPr id="4" name="Picture 3">
+            <a:extLst>
+              <a:ext uri="{FF2B5EF4-FFF2-40B4-BE49-F238E27FC236}">
+                <a16:creationId xmlns:a16="http://schemas.microsoft.com/office/drawing/2014/main" id="{94C42B0C-1577-43E9-BE95-46979B03D7BF}"/>
+              </a:ext>
+            </a:extLst>
+          </p:cNvPr>
+          <p:cNvPicPr>
+            <a:picLocks noChangeAspect="1"/>
+          </p:cNvPicPr>
+          <p:nvPr/>
+        </p:nvPicPr>
+        <p:blipFill>
+          <a:blip r:embed="rId3"/>
+          <a:stretch>
+            <a:fillRect/>
+          </a:stretch>
+        </p:blipFill>
+        <p:spPr>
+          <a:xfrm>
+            <a:off x="598660" y="1093792"/>
+            <a:ext cx="3118414" cy="2172113"/>
+          </a:xfrm>
+          <a:prstGeom prst="rect">
+            <a:avLst/>
+          </a:prstGeom>
+        </p:spPr>
+      </p:pic>
+      <p:pic>
+        <p:nvPicPr>
+          <p:cNvPr id="7" name="Picture 6">
+            <a:extLst>
+              <a:ext uri="{FF2B5EF4-FFF2-40B4-BE49-F238E27FC236}">
+                <a16:creationId xmlns:a16="http://schemas.microsoft.com/office/drawing/2014/main" id="{D8713716-ADA5-4575-8D17-A5D44D9E0819}"/>
+              </a:ext>
+            </a:extLst>
+          </p:cNvPr>
+          <p:cNvPicPr>
+            <a:picLocks noChangeAspect="1"/>
+          </p:cNvPicPr>
+          <p:nvPr/>
+        </p:nvPicPr>
+        <p:blipFill>
+          <a:blip r:embed="rId4"/>
+          <a:stretch>
+            <a:fillRect/>
+          </a:stretch>
+        </p:blipFill>
+        <p:spPr>
+          <a:xfrm>
+            <a:off x="3739376" y="1505419"/>
+            <a:ext cx="5296359" cy="1348857"/>
+          </a:xfrm>
+          <a:prstGeom prst="rect">
+            <a:avLst/>
+          </a:prstGeom>
+        </p:spPr>
+      </p:pic>
+    </p:spTree>
+    <p:extLst>
+      <p:ext uri="{BB962C8B-B14F-4D97-AF65-F5344CB8AC3E}">
+        <p14:creationId xmlns:p14="http://schemas.microsoft.com/office/powerpoint/2010/main" val="3272229771"/>
+      </p:ext>
+    </p:extLst>
+  </p:cSld>
+  <p:clrMapOvr>
+    <a:masterClrMapping/>
+  </p:clrMapOvr>
+</p:sld>
+</file>
+
+<file path=ppt/slides/slide18.xml><?xml version="1.0" encoding="utf-8"?>
 <p:sld xmlns:a="http://schemas.openxmlformats.org/drawingml/2006/main" xmlns:r="http://schemas.openxmlformats.org/officeDocument/2006/relationships" xmlns:p="http://schemas.openxmlformats.org/presentationml/2006/main">
   <p:cSld>
     <p:bg>
@@ -10109,7 +10818,7 @@
 </p:sld>
 </file>
 
-<file path=ppt/slides/slide17.xml><?xml version="1.0" encoding="utf-8"?>
+<file path=ppt/slides/slide19.xml><?xml version="1.0" encoding="utf-8"?>
 <p:sld xmlns:a="http://schemas.openxmlformats.org/drawingml/2006/main" xmlns:r="http://schemas.openxmlformats.org/officeDocument/2006/relationships" xmlns:p="http://schemas.openxmlformats.org/presentationml/2006/main">
   <p:cSld>
     <p:bg>

--- a/022_91893+_+91897+Documentation.pptx
+++ b/022_91893+_+91897+Documentation.pptx
@@ -5,7 +5,7 @@
     <p:sldMasterId id="2147483659" r:id="rId1"/>
   </p:sldMasterIdLst>
   <p:notesMasterIdLst>
-    <p:notesMasterId r:id="rId21"/>
+    <p:notesMasterId r:id="rId23"/>
   </p:notesMasterIdLst>
   <p:sldIdLst>
     <p:sldId id="256" r:id="rId2"/>
@@ -23,10 +23,12 @@
     <p:sldId id="269" r:id="rId14"/>
     <p:sldId id="271" r:id="rId15"/>
     <p:sldId id="273" r:id="rId16"/>
-    <p:sldId id="272" r:id="rId17"/>
-    <p:sldId id="274" r:id="rId18"/>
-    <p:sldId id="261" r:id="rId19"/>
-    <p:sldId id="262" r:id="rId20"/>
+    <p:sldId id="275" r:id="rId17"/>
+    <p:sldId id="272" r:id="rId18"/>
+    <p:sldId id="274" r:id="rId19"/>
+    <p:sldId id="276" r:id="rId20"/>
+    <p:sldId id="261" r:id="rId21"/>
+    <p:sldId id="262" r:id="rId22"/>
   </p:sldIdLst>
   <p:sldSz cx="9144000" cy="5143500" type="screen16x9"/>
   <p:notesSz cx="6858000" cy="9144000"/>
@@ -291,7 +293,7 @@
   <pc:docChgLst>
     <pc:chgData name="Sean Albertyn" userId="f499a6e059928ae0" providerId="LiveId" clId="{AE64FCEC-2C26-418C-80E2-383765709D65}"/>
     <pc:docChg chg="undo custSel addSld modSld sldOrd">
-      <pc:chgData name="Sean Albertyn" userId="f499a6e059928ae0" providerId="LiveId" clId="{AE64FCEC-2C26-418C-80E2-383765709D65}" dt="2022-02-20T21:47:45.578" v="1336" actId="20577"/>
+      <pc:chgData name="Sean Albertyn" userId="f499a6e059928ae0" providerId="LiveId" clId="{AE64FCEC-2C26-418C-80E2-383765709D65}" dt="2022-02-20T22:45:45.981" v="1377" actId="1076"/>
       <pc:docMkLst>
         <pc:docMk/>
       </pc:docMkLst>
@@ -913,12 +915,20 @@
           </ac:picMkLst>
         </pc:picChg>
       </pc:sldChg>
-      <pc:sldChg chg="addSp delSp add mod">
-        <pc:chgData name="Sean Albertyn" userId="f499a6e059928ae0" providerId="LiveId" clId="{AE64FCEC-2C26-418C-80E2-383765709D65}" dt="2022-02-20T21:42:44.015" v="1276" actId="22"/>
+      <pc:sldChg chg="addSp delSp modSp add mod">
+        <pc:chgData name="Sean Albertyn" userId="f499a6e059928ae0" providerId="LiveId" clId="{AE64FCEC-2C26-418C-80E2-383765709D65}" dt="2022-02-20T22:42:35.012" v="1354" actId="20577"/>
         <pc:sldMkLst>
           <pc:docMk/>
           <pc:sldMk cId="2892038105" sldId="273"/>
         </pc:sldMkLst>
+        <pc:spChg chg="mod">
+          <ac:chgData name="Sean Albertyn" userId="f499a6e059928ae0" providerId="LiveId" clId="{AE64FCEC-2C26-418C-80E2-383765709D65}" dt="2022-02-20T22:42:35.012" v="1354" actId="20577"/>
+          <ac:spMkLst>
+            <pc:docMk/>
+            <pc:sldMk cId="2892038105" sldId="273"/>
+            <ac:spMk id="73" creationId="{00000000-0000-0000-0000-000000000000}"/>
+          </ac:spMkLst>
+        </pc:spChg>
         <pc:picChg chg="add">
           <ac:chgData name="Sean Albertyn" userId="f499a6e059928ae0" providerId="LiveId" clId="{AE64FCEC-2C26-418C-80E2-383765709D65}" dt="2022-02-20T21:42:44.015" v="1276" actId="22"/>
           <ac:picMkLst>
@@ -987,6 +997,84 @@
           <ac:picMkLst>
             <pc:docMk/>
             <pc:sldMk cId="3272229771" sldId="274"/>
+            <ac:picMk id="7" creationId="{D8713716-ADA5-4575-8D17-A5D44D9E0819}"/>
+          </ac:picMkLst>
+        </pc:picChg>
+      </pc:sldChg>
+      <pc:sldChg chg="addSp delSp modSp add mod">
+        <pc:chgData name="Sean Albertyn" userId="f499a6e059928ae0" providerId="LiveId" clId="{AE64FCEC-2C26-418C-80E2-383765709D65}" dt="2022-02-20T22:43:38.466" v="1359" actId="22"/>
+        <pc:sldMkLst>
+          <pc:docMk/>
+          <pc:sldMk cId="11820970" sldId="275"/>
+        </pc:sldMkLst>
+        <pc:spChg chg="mod">
+          <ac:chgData name="Sean Albertyn" userId="f499a6e059928ae0" providerId="LiveId" clId="{AE64FCEC-2C26-418C-80E2-383765709D65}" dt="2022-02-20T22:42:40.340" v="1357" actId="20577"/>
+          <ac:spMkLst>
+            <pc:docMk/>
+            <pc:sldMk cId="11820970" sldId="275"/>
+            <ac:spMk id="73" creationId="{00000000-0000-0000-0000-000000000000}"/>
+          </ac:spMkLst>
+        </pc:spChg>
+        <pc:picChg chg="del">
+          <ac:chgData name="Sean Albertyn" userId="f499a6e059928ae0" providerId="LiveId" clId="{AE64FCEC-2C26-418C-80E2-383765709D65}" dt="2022-02-20T22:42:42.302" v="1358" actId="478"/>
+          <ac:picMkLst>
+            <pc:docMk/>
+            <pc:sldMk cId="11820970" sldId="275"/>
+            <ac:picMk id="3" creationId="{29CB9FFB-C8CF-4183-AD1B-0F541785446A}"/>
+          </ac:picMkLst>
+        </pc:picChg>
+        <pc:picChg chg="add">
+          <ac:chgData name="Sean Albertyn" userId="f499a6e059928ae0" providerId="LiveId" clId="{AE64FCEC-2C26-418C-80E2-383765709D65}" dt="2022-02-20T22:43:38.466" v="1359" actId="22"/>
+          <ac:picMkLst>
+            <pc:docMk/>
+            <pc:sldMk cId="11820970" sldId="275"/>
+            <ac:picMk id="4" creationId="{9AB4FBFE-1926-4B5E-A8E6-B1094DD92A1E}"/>
+          </ac:picMkLst>
+        </pc:picChg>
+      </pc:sldChg>
+      <pc:sldChg chg="addSp delSp modSp add mod">
+        <pc:chgData name="Sean Albertyn" userId="f499a6e059928ae0" providerId="LiveId" clId="{AE64FCEC-2C26-418C-80E2-383765709D65}" dt="2022-02-20T22:45:45.981" v="1377" actId="1076"/>
+        <pc:sldMkLst>
+          <pc:docMk/>
+          <pc:sldMk cId="1878121505" sldId="276"/>
+        </pc:sldMkLst>
+        <pc:spChg chg="mod">
+          <ac:chgData name="Sean Albertyn" userId="f499a6e059928ae0" providerId="LiveId" clId="{AE64FCEC-2C26-418C-80E2-383765709D65}" dt="2022-02-20T22:44:25.320" v="1362" actId="20577"/>
+          <ac:spMkLst>
+            <pc:docMk/>
+            <pc:sldMk cId="1878121505" sldId="276"/>
+            <ac:spMk id="78" creationId="{00000000-0000-0000-0000-000000000000}"/>
+          </ac:spMkLst>
+        </pc:spChg>
+        <pc:picChg chg="add mod">
+          <ac:chgData name="Sean Albertyn" userId="f499a6e059928ae0" providerId="LiveId" clId="{AE64FCEC-2C26-418C-80E2-383765709D65}" dt="2022-02-20T22:44:58.389" v="1372" actId="1076"/>
+          <ac:picMkLst>
+            <pc:docMk/>
+            <pc:sldMk cId="1878121505" sldId="276"/>
+            <ac:picMk id="3" creationId="{EE28DCC0-169E-48EF-B14F-07DCEAA1EEEE}"/>
+          </ac:picMkLst>
+        </pc:picChg>
+        <pc:picChg chg="del">
+          <ac:chgData name="Sean Albertyn" userId="f499a6e059928ae0" providerId="LiveId" clId="{AE64FCEC-2C26-418C-80E2-383765709D65}" dt="2022-02-20T22:44:26.709" v="1363" actId="478"/>
+          <ac:picMkLst>
+            <pc:docMk/>
+            <pc:sldMk cId="1878121505" sldId="276"/>
+            <ac:picMk id="4" creationId="{94C42B0C-1577-43E9-BE95-46979B03D7BF}"/>
+          </ac:picMkLst>
+        </pc:picChg>
+        <pc:picChg chg="add mod">
+          <ac:chgData name="Sean Albertyn" userId="f499a6e059928ae0" providerId="LiveId" clId="{AE64FCEC-2C26-418C-80E2-383765709D65}" dt="2022-02-20T22:45:45.981" v="1377" actId="1076"/>
+          <ac:picMkLst>
+            <pc:docMk/>
+            <pc:sldMk cId="1878121505" sldId="276"/>
+            <ac:picMk id="6" creationId="{28E656CF-66C1-4F6C-ACBD-54C12ED43695}"/>
+          </ac:picMkLst>
+        </pc:picChg>
+        <pc:picChg chg="del">
+          <ac:chgData name="Sean Albertyn" userId="f499a6e059928ae0" providerId="LiveId" clId="{AE64FCEC-2C26-418C-80E2-383765709D65}" dt="2022-02-20T22:44:27.082" v="1364" actId="478"/>
+          <ac:picMkLst>
+            <pc:docMk/>
+            <pc:sldMk cId="1878121505" sldId="276"/>
             <ac:picMk id="7" creationId="{D8713716-ADA5-4575-8D17-A5D44D9E0819}"/>
           </ac:picMkLst>
         </pc:picChg>
@@ -2239,7 +2327,7 @@
   <p:cSld>
     <p:spTree>
       <p:nvGrpSpPr>
-        <p:cNvPr id="1" name="Shape 74"/>
+        <p:cNvPr id="1" name="Shape 69"/>
         <p:cNvGrpSpPr/>
         <p:nvPr/>
       </p:nvGrpSpPr>
@@ -2253,7 +2341,7 @@
       </p:grpSpPr>
       <p:sp>
         <p:nvSpPr>
-          <p:cNvPr id="75" name="Google Shape;75;gac10fef634_0_20:notes"/>
+          <p:cNvPr id="70" name="Google Shape;70;gac10fef634_0_16:notes"/>
           <p:cNvSpPr>
             <a:spLocks noGrp="1" noRot="1" noChangeAspect="1"/>
           </p:cNvSpPr>
@@ -2294,7 +2382,7 @@
       </p:sp>
       <p:sp>
         <p:nvSpPr>
-          <p:cNvPr id="76" name="Google Shape;76;gac10fef634_0_20:notes"/>
+          <p:cNvPr id="71" name="Google Shape;71;gac10fef634_0_16:notes"/>
           <p:cNvSpPr txBox="1">
             <a:spLocks noGrp="1"/>
           </p:cNvSpPr>
@@ -2333,7 +2421,7 @@
     </p:spTree>
     <p:extLst>
       <p:ext uri="{BB962C8B-B14F-4D97-AF65-F5344CB8AC3E}">
-        <p14:creationId xmlns:p14="http://schemas.microsoft.com/office/powerpoint/2010/main" val="2625233317"/>
+        <p14:creationId xmlns:p14="http://schemas.microsoft.com/office/powerpoint/2010/main" val="3617005245"/>
       </p:ext>
     </p:extLst>
   </p:cSld>
@@ -2442,7 +2530,7 @@
     </p:spTree>
     <p:extLst>
       <p:ext uri="{BB962C8B-B14F-4D97-AF65-F5344CB8AC3E}">
-        <p14:creationId xmlns:p14="http://schemas.microsoft.com/office/powerpoint/2010/main" val="16013420"/>
+        <p14:creationId xmlns:p14="http://schemas.microsoft.com/office/powerpoint/2010/main" val="2625233317"/>
       </p:ext>
     </p:extLst>
   </p:cSld>
@@ -2457,7 +2545,7 @@
   <p:cSld>
     <p:spTree>
       <p:nvGrpSpPr>
-        <p:cNvPr id="1" name="Shape 80"/>
+        <p:cNvPr id="1" name="Shape 74"/>
         <p:cNvGrpSpPr/>
         <p:nvPr/>
       </p:nvGrpSpPr>
@@ -2471,7 +2559,7 @@
       </p:grpSpPr>
       <p:sp>
         <p:nvSpPr>
-          <p:cNvPr id="81" name="Google Shape;81;gac10fef634_0_25:notes"/>
+          <p:cNvPr id="75" name="Google Shape;75;gac10fef634_0_20:notes"/>
           <p:cNvSpPr>
             <a:spLocks noGrp="1" noRot="1" noChangeAspect="1"/>
           </p:cNvSpPr>
@@ -2512,7 +2600,7 @@
       </p:sp>
       <p:sp>
         <p:nvSpPr>
-          <p:cNvPr id="82" name="Google Shape;82;gac10fef634_0_25:notes"/>
+          <p:cNvPr id="76" name="Google Shape;76;gac10fef634_0_20:notes"/>
           <p:cNvSpPr txBox="1">
             <a:spLocks noGrp="1"/>
           </p:cNvSpPr>
@@ -2542,27 +2630,6 @@
               <a:spcAft>
                 <a:spcPts val="0"/>
               </a:spcAft>
-              <a:buClr>
-                <a:schemeClr val="dk1"/>
-              </a:buClr>
-              <a:buSzPts val="1100"/>
-              <a:buFont typeface="Arial"/>
-              <a:buNone/>
-            </a:pPr>
-            <a:r>
-              <a:rPr lang="en"/>
-              <a:t>Your version control evidence should go here.  This could be in the form of annotated screenshots which show you you managed this process or you could make a brief screencast explaining how you implemented version control.</a:t>
-            </a:r>
-            <a:endParaRPr/>
-          </a:p>
-          <a:p>
-            <a:pPr marL="0" lvl="0" indent="0" algn="l" rtl="0">
-              <a:spcBef>
-                <a:spcPts val="0"/>
-              </a:spcBef>
-              <a:spcAft>
-                <a:spcPts val="0"/>
-              </a:spcAft>
               <a:buNone/>
             </a:pPr>
             <a:endParaRPr/>
@@ -2570,6 +2637,11 @@
         </p:txBody>
       </p:sp>
     </p:spTree>
+    <p:extLst>
+      <p:ext uri="{BB962C8B-B14F-4D97-AF65-F5344CB8AC3E}">
+        <p14:creationId xmlns:p14="http://schemas.microsoft.com/office/powerpoint/2010/main" val="16013420"/>
+      </p:ext>
+    </p:extLst>
   </p:cSld>
   <p:clrMapOvr>
     <a:masterClrMapping/>
@@ -2582,7 +2654,7 @@
   <p:cSld>
     <p:spTree>
       <p:nvGrpSpPr>
-        <p:cNvPr id="1" name="Shape 86"/>
+        <p:cNvPr id="1" name="Shape 74"/>
         <p:cNvGrpSpPr/>
         <p:nvPr/>
       </p:nvGrpSpPr>
@@ -2596,7 +2668,7 @@
       </p:grpSpPr>
       <p:sp>
         <p:nvSpPr>
-          <p:cNvPr id="87" name="Google Shape;87;gac10fef634_0_30:notes"/>
+          <p:cNvPr id="75" name="Google Shape;75;gac10fef634_0_20:notes"/>
           <p:cNvSpPr>
             <a:spLocks noGrp="1" noRot="1" noChangeAspect="1"/>
           </p:cNvSpPr>
@@ -2637,7 +2709,7 @@
       </p:sp>
       <p:sp>
         <p:nvSpPr>
-          <p:cNvPr id="88" name="Google Shape;88;gac10fef634_0_30:notes"/>
+          <p:cNvPr id="76" name="Google Shape;76;gac10fef634_0_20:notes"/>
           <p:cNvSpPr txBox="1">
             <a:spLocks noGrp="1"/>
           </p:cNvSpPr>
@@ -2669,15 +2741,16 @@
               </a:spcAft>
               <a:buNone/>
             </a:pPr>
-            <a:r>
-              <a:rPr lang="en"/>
-              <a:t>Discusses how the information from planning, testing and trialling of components assisted in the development of a high-quality outcome</a:t>
-            </a:r>
             <a:endParaRPr/>
           </a:p>
         </p:txBody>
       </p:sp>
     </p:spTree>
+    <p:extLst>
+      <p:ext uri="{BB962C8B-B14F-4D97-AF65-F5344CB8AC3E}">
+        <p14:creationId xmlns:p14="http://schemas.microsoft.com/office/powerpoint/2010/main" val="1644117869"/>
+      </p:ext>
+    </p:extLst>
   </p:cSld>
   <p:clrMapOvr>
     <a:masterClrMapping/>
@@ -2780,6 +2853,239 @@
             <a:r>
               <a:rPr lang="en"/>
               <a:t>Explain the relevant implications here.  Then as you work, develop your code, discuss how the implications are being met.</a:t>
+            </a:r>
+            <a:endParaRPr/>
+          </a:p>
+        </p:txBody>
+      </p:sp>
+    </p:spTree>
+  </p:cSld>
+  <p:clrMapOvr>
+    <a:masterClrMapping/>
+  </p:clrMapOvr>
+</p:notes>
+</file>
+
+<file path=ppt/notesSlides/notesSlide20.xml><?xml version="1.0" encoding="utf-8"?>
+<p:notes xmlns:a="http://schemas.openxmlformats.org/drawingml/2006/main" xmlns:r="http://schemas.openxmlformats.org/officeDocument/2006/relationships" xmlns:p="http://schemas.openxmlformats.org/presentationml/2006/main" showMasterSp="0" showMasterPhAnim="0">
+  <p:cSld>
+    <p:spTree>
+      <p:nvGrpSpPr>
+        <p:cNvPr id="1" name="Shape 80"/>
+        <p:cNvGrpSpPr/>
+        <p:nvPr/>
+      </p:nvGrpSpPr>
+      <p:grpSpPr>
+        <a:xfrm>
+          <a:off x="0" y="0"/>
+          <a:ext cx="0" cy="0"/>
+          <a:chOff x="0" y="0"/>
+          <a:chExt cx="0" cy="0"/>
+        </a:xfrm>
+      </p:grpSpPr>
+      <p:sp>
+        <p:nvSpPr>
+          <p:cNvPr id="81" name="Google Shape;81;gac10fef634_0_25:notes"/>
+          <p:cNvSpPr>
+            <a:spLocks noGrp="1" noRot="1" noChangeAspect="1"/>
+          </p:cNvSpPr>
+          <p:nvPr>
+            <p:ph type="sldImg" idx="2"/>
+          </p:nvPr>
+        </p:nvSpPr>
+        <p:spPr>
+          <a:xfrm>
+            <a:off x="381000" y="685800"/>
+            <a:ext cx="6096000" cy="3429000"/>
+          </a:xfrm>
+          <a:custGeom>
+            <a:avLst/>
+            <a:gdLst/>
+            <a:ahLst/>
+            <a:cxnLst/>
+            <a:rect l="l" t="t" r="r" b="b"/>
+            <a:pathLst>
+              <a:path w="120000" h="120000" extrusionOk="0">
+                <a:moveTo>
+                  <a:pt x="0" y="0"/>
+                </a:moveTo>
+                <a:lnTo>
+                  <a:pt x="120000" y="0"/>
+                </a:lnTo>
+                <a:lnTo>
+                  <a:pt x="120000" y="120000"/>
+                </a:lnTo>
+                <a:lnTo>
+                  <a:pt x="0" y="120000"/>
+                </a:lnTo>
+                <a:close/>
+              </a:path>
+            </a:pathLst>
+          </a:custGeom>
+        </p:spPr>
+      </p:sp>
+      <p:sp>
+        <p:nvSpPr>
+          <p:cNvPr id="82" name="Google Shape;82;gac10fef634_0_25:notes"/>
+          <p:cNvSpPr txBox="1">
+            <a:spLocks noGrp="1"/>
+          </p:cNvSpPr>
+          <p:nvPr>
+            <p:ph type="body" idx="1"/>
+          </p:nvPr>
+        </p:nvSpPr>
+        <p:spPr>
+          <a:xfrm>
+            <a:off x="685800" y="4343400"/>
+            <a:ext cx="5486400" cy="4114800"/>
+          </a:xfrm>
+          <a:prstGeom prst="rect">
+            <a:avLst/>
+          </a:prstGeom>
+        </p:spPr>
+        <p:txBody>
+          <a:bodyPr spcFirstLastPara="1" wrap="square" lIns="91425" tIns="91425" rIns="91425" bIns="91425" anchor="t" anchorCtr="0">
+            <a:noAutofit/>
+          </a:bodyPr>
+          <a:lstStyle/>
+          <a:p>
+            <a:pPr marL="0" lvl="0" indent="0" algn="l" rtl="0">
+              <a:spcBef>
+                <a:spcPts val="0"/>
+              </a:spcBef>
+              <a:spcAft>
+                <a:spcPts val="0"/>
+              </a:spcAft>
+              <a:buClr>
+                <a:schemeClr val="dk1"/>
+              </a:buClr>
+              <a:buSzPts val="1100"/>
+              <a:buFont typeface="Arial"/>
+              <a:buNone/>
+            </a:pPr>
+            <a:r>
+              <a:rPr lang="en"/>
+              <a:t>Your version control evidence should go here.  This could be in the form of annotated screenshots which show you you managed this process or you could make a brief screencast explaining how you implemented version control.</a:t>
+            </a:r>
+            <a:endParaRPr/>
+          </a:p>
+          <a:p>
+            <a:pPr marL="0" lvl="0" indent="0" algn="l" rtl="0">
+              <a:spcBef>
+                <a:spcPts val="0"/>
+              </a:spcBef>
+              <a:spcAft>
+                <a:spcPts val="0"/>
+              </a:spcAft>
+              <a:buNone/>
+            </a:pPr>
+            <a:endParaRPr/>
+          </a:p>
+        </p:txBody>
+      </p:sp>
+    </p:spTree>
+  </p:cSld>
+  <p:clrMapOvr>
+    <a:masterClrMapping/>
+  </p:clrMapOvr>
+</p:notes>
+</file>
+
+<file path=ppt/notesSlides/notesSlide21.xml><?xml version="1.0" encoding="utf-8"?>
+<p:notes xmlns:a="http://schemas.openxmlformats.org/drawingml/2006/main" xmlns:r="http://schemas.openxmlformats.org/officeDocument/2006/relationships" xmlns:p="http://schemas.openxmlformats.org/presentationml/2006/main" showMasterSp="0" showMasterPhAnim="0">
+  <p:cSld>
+    <p:spTree>
+      <p:nvGrpSpPr>
+        <p:cNvPr id="1" name="Shape 86"/>
+        <p:cNvGrpSpPr/>
+        <p:nvPr/>
+      </p:nvGrpSpPr>
+      <p:grpSpPr>
+        <a:xfrm>
+          <a:off x="0" y="0"/>
+          <a:ext cx="0" cy="0"/>
+          <a:chOff x="0" y="0"/>
+          <a:chExt cx="0" cy="0"/>
+        </a:xfrm>
+      </p:grpSpPr>
+      <p:sp>
+        <p:nvSpPr>
+          <p:cNvPr id="87" name="Google Shape;87;gac10fef634_0_30:notes"/>
+          <p:cNvSpPr>
+            <a:spLocks noGrp="1" noRot="1" noChangeAspect="1"/>
+          </p:cNvSpPr>
+          <p:nvPr>
+            <p:ph type="sldImg" idx="2"/>
+          </p:nvPr>
+        </p:nvSpPr>
+        <p:spPr>
+          <a:xfrm>
+            <a:off x="381000" y="685800"/>
+            <a:ext cx="6096000" cy="3429000"/>
+          </a:xfrm>
+          <a:custGeom>
+            <a:avLst/>
+            <a:gdLst/>
+            <a:ahLst/>
+            <a:cxnLst/>
+            <a:rect l="l" t="t" r="r" b="b"/>
+            <a:pathLst>
+              <a:path w="120000" h="120000" extrusionOk="0">
+                <a:moveTo>
+                  <a:pt x="0" y="0"/>
+                </a:moveTo>
+                <a:lnTo>
+                  <a:pt x="120000" y="0"/>
+                </a:lnTo>
+                <a:lnTo>
+                  <a:pt x="120000" y="120000"/>
+                </a:lnTo>
+                <a:lnTo>
+                  <a:pt x="0" y="120000"/>
+                </a:lnTo>
+                <a:close/>
+              </a:path>
+            </a:pathLst>
+          </a:custGeom>
+        </p:spPr>
+      </p:sp>
+      <p:sp>
+        <p:nvSpPr>
+          <p:cNvPr id="88" name="Google Shape;88;gac10fef634_0_30:notes"/>
+          <p:cNvSpPr txBox="1">
+            <a:spLocks noGrp="1"/>
+          </p:cNvSpPr>
+          <p:nvPr>
+            <p:ph type="body" idx="1"/>
+          </p:nvPr>
+        </p:nvSpPr>
+        <p:spPr>
+          <a:xfrm>
+            <a:off x="685800" y="4343400"/>
+            <a:ext cx="5486400" cy="4114800"/>
+          </a:xfrm>
+          <a:prstGeom prst="rect">
+            <a:avLst/>
+          </a:prstGeom>
+        </p:spPr>
+        <p:txBody>
+          <a:bodyPr spcFirstLastPara="1" wrap="square" lIns="91425" tIns="91425" rIns="91425" bIns="91425" anchor="t" anchorCtr="0">
+            <a:noAutofit/>
+          </a:bodyPr>
+          <a:lstStyle/>
+          <a:p>
+            <a:pPr marL="0" lvl="0" indent="0" algn="l" rtl="0">
+              <a:spcBef>
+                <a:spcPts val="0"/>
+              </a:spcBef>
+              <a:spcAft>
+                <a:spcPts val="0"/>
+              </a:spcAft>
+              <a:buNone/>
+            </a:pPr>
+            <a:r>
+              <a:rPr lang="en"/>
+              <a:t>Discusses how the information from planning, testing and trialling of components assisted in the development of a high-quality outcome</a:t>
             </a:r>
             <a:endParaRPr/>
           </a:p>
@@ -9944,7 +10250,7 @@
             </a:pPr>
             <a:r>
               <a:rPr lang="en" dirty="0"/>
-              <a:t>Component 3 (Trello screenshot)</a:t>
+              <a:t>Component 3 version 2 (Trello screenshot)</a:t>
             </a:r>
             <a:endParaRPr dirty="0"/>
           </a:p>
@@ -9994,6 +10300,116 @@
 </file>
 
 <file path=ppt/slides/slide16.xml><?xml version="1.0" encoding="utf-8"?>
+<p:sld xmlns:a="http://schemas.openxmlformats.org/drawingml/2006/main" xmlns:r="http://schemas.openxmlformats.org/officeDocument/2006/relationships" xmlns:p="http://schemas.openxmlformats.org/presentationml/2006/main">
+  <p:cSld>
+    <p:bg>
+      <p:bgPr>
+        <a:solidFill>
+          <a:srgbClr val="D9EAD3"/>
+        </a:solidFill>
+        <a:effectLst/>
+      </p:bgPr>
+    </p:bg>
+    <p:spTree>
+      <p:nvGrpSpPr>
+        <p:cNvPr id="1" name="Shape 72"/>
+        <p:cNvGrpSpPr/>
+        <p:nvPr/>
+      </p:nvGrpSpPr>
+      <p:grpSpPr>
+        <a:xfrm>
+          <a:off x="0" y="0"/>
+          <a:ext cx="0" cy="0"/>
+          <a:chOff x="0" y="0"/>
+          <a:chExt cx="0" cy="0"/>
+        </a:xfrm>
+      </p:grpSpPr>
+      <p:sp>
+        <p:nvSpPr>
+          <p:cNvPr id="73" name="Google Shape;73;p16"/>
+          <p:cNvSpPr txBox="1">
+            <a:spLocks noGrp="1"/>
+          </p:cNvSpPr>
+          <p:nvPr>
+            <p:ph type="title"/>
+          </p:nvPr>
+        </p:nvSpPr>
+        <p:spPr>
+          <a:xfrm>
+            <a:off x="185090" y="54943"/>
+            <a:ext cx="8520600" cy="572700"/>
+          </a:xfrm>
+          <a:prstGeom prst="rect">
+            <a:avLst/>
+          </a:prstGeom>
+        </p:spPr>
+        <p:txBody>
+          <a:bodyPr spcFirstLastPara="1" wrap="square" lIns="91425" tIns="91425" rIns="91425" bIns="91425" anchor="t" anchorCtr="0">
+            <a:noAutofit/>
+          </a:bodyPr>
+          <a:lstStyle/>
+          <a:p>
+            <a:pPr marL="0" lvl="0" indent="0" algn="l" rtl="0">
+              <a:spcBef>
+                <a:spcPts val="0"/>
+              </a:spcBef>
+              <a:spcAft>
+                <a:spcPts val="0"/>
+              </a:spcAft>
+              <a:buNone/>
+            </a:pPr>
+            <a:r>
+              <a:rPr lang="en" dirty="0"/>
+              <a:t>Component 3 version 3 (Trello screenshot)</a:t>
+            </a:r>
+            <a:endParaRPr dirty="0"/>
+          </a:p>
+        </p:txBody>
+      </p:sp>
+      <p:pic>
+        <p:nvPicPr>
+          <p:cNvPr id="4" name="Picture 3">
+            <a:extLst>
+              <a:ext uri="{FF2B5EF4-FFF2-40B4-BE49-F238E27FC236}">
+                <a16:creationId xmlns:a16="http://schemas.microsoft.com/office/drawing/2014/main" id="{9AB4FBFE-1926-4B5E-A8E6-B1094DD92A1E}"/>
+              </a:ext>
+            </a:extLst>
+          </p:cNvPr>
+          <p:cNvPicPr>
+            <a:picLocks noChangeAspect="1"/>
+          </p:cNvPicPr>
+          <p:nvPr/>
+        </p:nvPicPr>
+        <p:blipFill>
+          <a:blip r:embed="rId3"/>
+          <a:stretch>
+            <a:fillRect/>
+          </a:stretch>
+        </p:blipFill>
+        <p:spPr>
+          <a:xfrm>
+            <a:off x="0" y="892306"/>
+            <a:ext cx="9144000" cy="3358887"/>
+          </a:xfrm>
+          <a:prstGeom prst="rect">
+            <a:avLst/>
+          </a:prstGeom>
+        </p:spPr>
+      </p:pic>
+    </p:spTree>
+    <p:extLst>
+      <p:ext uri="{BB962C8B-B14F-4D97-AF65-F5344CB8AC3E}">
+        <p14:creationId xmlns:p14="http://schemas.microsoft.com/office/powerpoint/2010/main" val="11820970"/>
+      </p:ext>
+    </p:extLst>
+  </p:cSld>
+  <p:clrMapOvr>
+    <a:masterClrMapping/>
+  </p:clrMapOvr>
+</p:sld>
+</file>
+
+<file path=ppt/slides/slide17.xml><?xml version="1.0" encoding="utf-8"?>
 <p:sld xmlns:a="http://schemas.openxmlformats.org/drawingml/2006/main" xmlns:r="http://schemas.openxmlformats.org/officeDocument/2006/relationships" xmlns:p="http://schemas.openxmlformats.org/presentationml/2006/main">
   <p:cSld>
     <p:spTree>
@@ -10345,7 +10761,7 @@
 </p:sld>
 </file>
 
-<file path=ppt/slides/slide17.xml><?xml version="1.0" encoding="utf-8"?>
+<file path=ppt/slides/slide18.xml><?xml version="1.0" encoding="utf-8"?>
 <p:sld xmlns:a="http://schemas.openxmlformats.org/drawingml/2006/main" xmlns:r="http://schemas.openxmlformats.org/officeDocument/2006/relationships" xmlns:p="http://schemas.openxmlformats.org/presentationml/2006/main">
   <p:cSld>
     <p:spTree>
@@ -10701,20 +11117,12 @@
 </p:sld>
 </file>
 
-<file path=ppt/slides/slide18.xml><?xml version="1.0" encoding="utf-8"?>
+<file path=ppt/slides/slide19.xml><?xml version="1.0" encoding="utf-8"?>
 <p:sld xmlns:a="http://schemas.openxmlformats.org/drawingml/2006/main" xmlns:r="http://schemas.openxmlformats.org/officeDocument/2006/relationships" xmlns:p="http://schemas.openxmlformats.org/presentationml/2006/main">
   <p:cSld>
-    <p:bg>
-      <p:bgPr>
-        <a:solidFill>
-          <a:srgbClr val="D9EAD3"/>
-        </a:solidFill>
-        <a:effectLst/>
-      </p:bgPr>
-    </p:bg>
     <p:spTree>
       <p:nvGrpSpPr>
-        <p:cNvPr id="1" name="Shape 83"/>
+        <p:cNvPr id="1" name="Shape 77"/>
         <p:cNvGrpSpPr/>
         <p:nvPr/>
       </p:nvGrpSpPr>
@@ -10728,7 +11136,7 @@
       </p:grpSpPr>
       <p:sp>
         <p:nvSpPr>
-          <p:cNvPr id="84" name="Google Shape;84;p18"/>
+          <p:cNvPr id="78" name="Google Shape;78;p17"/>
           <p:cNvSpPr txBox="1">
             <a:spLocks noGrp="1"/>
           </p:cNvSpPr>
@@ -10738,8 +11146,8 @@
         </p:nvSpPr>
         <p:spPr>
           <a:xfrm>
-            <a:off x="311700" y="445025"/>
-            <a:ext cx="8520600" cy="572700"/>
+            <a:off x="136253" y="87913"/>
+            <a:ext cx="8520600" cy="1132264"/>
           </a:xfrm>
           <a:prstGeom prst="rect">
             <a:avLst/>
@@ -10761,135 +11169,297 @@
               <a:buNone/>
             </a:pPr>
             <a:r>
-              <a:rPr lang="en"/>
-              <a:t>Version Control Evidence</a:t>
+              <a:rPr lang="en" dirty="0"/>
+              <a:t>Component 3 version 3 - Test Plan (?and screenshot)</a:t>
             </a:r>
-            <a:endParaRPr/>
+            <a:br>
+              <a:rPr lang="en" dirty="0"/>
+            </a:br>
+            <a:endParaRPr dirty="0"/>
           </a:p>
         </p:txBody>
       </p:sp>
-      <p:sp>
-        <p:nvSpPr>
-          <p:cNvPr id="85" name="Google Shape;85;p18"/>
-          <p:cNvSpPr txBox="1">
-            <a:spLocks noGrp="1"/>
-          </p:cNvSpPr>
-          <p:nvPr>
-            <p:ph type="body" idx="1"/>
-          </p:nvPr>
-        </p:nvSpPr>
+      <p:graphicFrame>
+        <p:nvGraphicFramePr>
+          <p:cNvPr id="79" name="Google Shape;79;p17"/>
+          <p:cNvGraphicFramePr/>
+          <p:nvPr/>
+        </p:nvGraphicFramePr>
+        <p:xfrm>
+          <a:off x="311700" y="3406200"/>
+          <a:ext cx="8520600" cy="1539593"/>
+        </p:xfrm>
+        <a:graphic>
+          <a:graphicData uri="http://schemas.openxmlformats.org/drawingml/2006/table">
+            <a:tbl>
+              <a:tblPr>
+                <a:noFill/>
+                <a:tableStyleId>{E1099E06-0E6B-448D-9D27-60429F06E6F4}</a:tableStyleId>
+              </a:tblPr>
+              <a:tblGrid>
+                <a:gridCol w="4260300">
+                  <a:extLst>
+                    <a:ext uri="{9D8B030D-6E8A-4147-A177-3AD203B41FA5}">
+                      <a16:colId xmlns:a16="http://schemas.microsoft.com/office/drawing/2014/main" val="20000"/>
+                    </a:ext>
+                  </a:extLst>
+                </a:gridCol>
+                <a:gridCol w="4260300">
+                  <a:extLst>
+                    <a:ext uri="{9D8B030D-6E8A-4147-A177-3AD203B41FA5}">
+                      <a16:colId xmlns:a16="http://schemas.microsoft.com/office/drawing/2014/main" val="20001"/>
+                    </a:ext>
+                  </a:extLst>
+                </a:gridCol>
+              </a:tblGrid>
+              <a:tr h="386564">
+                <a:tc>
+                  <a:txBody>
+                    <a:bodyPr/>
+                    <a:lstStyle/>
+                    <a:p>
+                      <a:pPr marL="0" lvl="0" indent="0" algn="l" rtl="0">
+                        <a:spcBef>
+                          <a:spcPts val="0"/>
+                        </a:spcBef>
+                        <a:spcAft>
+                          <a:spcPts val="0"/>
+                        </a:spcAft>
+                        <a:buNone/>
+                      </a:pPr>
+                      <a:r>
+                        <a:rPr lang="en" sz="1800" b="1" dirty="0"/>
+                        <a:t>Test Case</a:t>
+                      </a:r>
+                      <a:endParaRPr sz="1800" b="1" dirty="0"/>
+                    </a:p>
+                  </a:txBody>
+                  <a:tcPr marL="91425" marR="91425" marT="91425" marB="91425">
+                    <a:solidFill>
+                      <a:srgbClr val="CCCCCC"/>
+                    </a:solidFill>
+                  </a:tcPr>
+                </a:tc>
+                <a:tc>
+                  <a:txBody>
+                    <a:bodyPr/>
+                    <a:lstStyle/>
+                    <a:p>
+                      <a:pPr marL="0" lvl="0" indent="0" algn="l" rtl="0">
+                        <a:spcBef>
+                          <a:spcPts val="0"/>
+                        </a:spcBef>
+                        <a:spcAft>
+                          <a:spcPts val="0"/>
+                        </a:spcAft>
+                        <a:buNone/>
+                      </a:pPr>
+                      <a:r>
+                        <a:rPr lang="en" sz="1800" b="1"/>
+                        <a:t>Expected Values</a:t>
+                      </a:r>
+                      <a:endParaRPr sz="1800" b="1"/>
+                    </a:p>
+                  </a:txBody>
+                  <a:tcPr marL="91425" marR="91425" marT="91425" marB="91425">
+                    <a:solidFill>
+                      <a:srgbClr val="CCCCCC"/>
+                    </a:solidFill>
+                  </a:tcPr>
+                </a:tc>
+                <a:extLst>
+                  <a:ext uri="{0D108BD9-81ED-4DB2-BD59-A6C34878D82A}">
+                    <a16:rowId xmlns:a16="http://schemas.microsoft.com/office/drawing/2014/main" val="10000"/>
+                  </a:ext>
+                </a:extLst>
+              </a:tr>
+              <a:tr h="1082423">
+                <a:tc>
+                  <a:txBody>
+                    <a:bodyPr/>
+                    <a:lstStyle/>
+                    <a:p>
+                      <a:pPr marL="0" lvl="0" indent="0" algn="l" rtl="0">
+                        <a:spcBef>
+                          <a:spcPts val="0"/>
+                        </a:spcBef>
+                        <a:spcAft>
+                          <a:spcPts val="0"/>
+                        </a:spcAft>
+                        <a:buNone/>
+                      </a:pPr>
+                      <a:r>
+                        <a:rPr lang="en-NZ" sz="1800" dirty="0"/>
+                        <a:t>Input name</a:t>
+                      </a:r>
+                    </a:p>
+                    <a:p>
+                      <a:pPr marL="0" lvl="0" indent="0" algn="l" rtl="0">
+                        <a:spcBef>
+                          <a:spcPts val="0"/>
+                        </a:spcBef>
+                        <a:spcAft>
+                          <a:spcPts val="0"/>
+                        </a:spcAft>
+                        <a:buNone/>
+                      </a:pPr>
+                      <a:r>
+                        <a:rPr lang="en-NZ" sz="1800" dirty="0"/>
+                        <a:t>Input phone</a:t>
+                      </a:r>
+                    </a:p>
+                    <a:p>
+                      <a:pPr marL="0" lvl="0" indent="0" algn="l" rtl="0">
+                        <a:spcBef>
+                          <a:spcPts val="0"/>
+                        </a:spcBef>
+                        <a:spcAft>
+                          <a:spcPts val="0"/>
+                        </a:spcAft>
+                        <a:buNone/>
+                      </a:pPr>
+                      <a:r>
+                        <a:rPr lang="en-NZ" sz="1800" dirty="0"/>
+                        <a:t>Left input blank</a:t>
+                      </a:r>
+                      <a:endParaRPr sz="1800" dirty="0"/>
+                    </a:p>
+                  </a:txBody>
+                  <a:tcPr marL="91425" marR="91425" marT="91425" marB="91425"/>
+                </a:tc>
+                <a:tc>
+                  <a:txBody>
+                    <a:bodyPr/>
+                    <a:lstStyle/>
+                    <a:p>
+                      <a:pPr marL="0" lvl="0" indent="0" algn="l" rtl="0">
+                        <a:spcBef>
+                          <a:spcPts val="0"/>
+                        </a:spcBef>
+                        <a:spcAft>
+                          <a:spcPts val="0"/>
+                        </a:spcAft>
+                        <a:buNone/>
+                      </a:pPr>
+                      <a:r>
+                        <a:rPr lang="en-NZ" sz="1800" dirty="0"/>
+                        <a:t>Printed name correctly </a:t>
+                      </a:r>
+                    </a:p>
+                    <a:p>
+                      <a:pPr marL="0" lvl="0" indent="0" algn="l" rtl="0">
+                        <a:spcBef>
+                          <a:spcPts val="0"/>
+                        </a:spcBef>
+                        <a:spcAft>
+                          <a:spcPts val="0"/>
+                        </a:spcAft>
+                        <a:buNone/>
+                      </a:pPr>
+                      <a:r>
+                        <a:rPr lang="en-NZ" sz="1800" dirty="0"/>
+                        <a:t>Printed phone correctly</a:t>
+                      </a:r>
+                    </a:p>
+                    <a:p>
+                      <a:pPr marL="0" lvl="0" indent="0" algn="l" rtl="0">
+                        <a:spcBef>
+                          <a:spcPts val="0"/>
+                        </a:spcBef>
+                        <a:spcAft>
+                          <a:spcPts val="0"/>
+                        </a:spcAft>
+                        <a:buNone/>
+                      </a:pPr>
+                      <a:r>
+                        <a:rPr lang="en-NZ" sz="1800" dirty="0"/>
+                        <a:t>Prints message saying can’t </a:t>
+                      </a:r>
+                      <a:r>
+                        <a:rPr lang="en-NZ" sz="1800"/>
+                        <a:t>be blank</a:t>
+                      </a:r>
+                      <a:endParaRPr sz="1800" dirty="0"/>
+                    </a:p>
+                  </a:txBody>
+                  <a:tcPr marL="91425" marR="91425" marT="91425" marB="91425"/>
+                </a:tc>
+                <a:extLst>
+                  <a:ext uri="{0D108BD9-81ED-4DB2-BD59-A6C34878D82A}">
+                    <a16:rowId xmlns:a16="http://schemas.microsoft.com/office/drawing/2014/main" val="10001"/>
+                  </a:ext>
+                </a:extLst>
+              </a:tr>
+            </a:tbl>
+          </a:graphicData>
+        </a:graphic>
+      </p:graphicFrame>
+      <p:pic>
+        <p:nvPicPr>
+          <p:cNvPr id="3" name="Picture 2">
+            <a:extLst>
+              <a:ext uri="{FF2B5EF4-FFF2-40B4-BE49-F238E27FC236}">
+                <a16:creationId xmlns:a16="http://schemas.microsoft.com/office/drawing/2014/main" id="{EE28DCC0-169E-48EF-B14F-07DCEAA1EEEE}"/>
+              </a:ext>
+            </a:extLst>
+          </p:cNvPr>
+          <p:cNvPicPr>
+            <a:picLocks noChangeAspect="1"/>
+          </p:cNvPicPr>
+          <p:nvPr/>
+        </p:nvPicPr>
+        <p:blipFill>
+          <a:blip r:embed="rId3"/>
+          <a:stretch>
+            <a:fillRect/>
+          </a:stretch>
+        </p:blipFill>
         <p:spPr>
           <a:xfrm>
-            <a:off x="311700" y="1152475"/>
-            <a:ext cx="8464200" cy="3739200"/>
+            <a:off x="487147" y="1019447"/>
+            <a:ext cx="3576782" cy="2307353"/>
           </a:xfrm>
           <a:prstGeom prst="rect">
             <a:avLst/>
           </a:prstGeom>
         </p:spPr>
-        <p:txBody>
-          <a:bodyPr spcFirstLastPara="1" wrap="square" lIns="91425" tIns="91425" rIns="91425" bIns="91425" anchor="t" anchorCtr="0">
-            <a:noAutofit/>
-          </a:bodyPr>
-          <a:lstStyle/>
-          <a:p>
-            <a:pPr marL="0" lvl="0" indent="0" algn="l" rtl="0">
-              <a:spcBef>
-                <a:spcPts val="0"/>
-              </a:spcBef>
-              <a:spcAft>
-                <a:spcPts val="1600"/>
-              </a:spcAft>
-              <a:buNone/>
-            </a:pPr>
-            <a:r>
-              <a:rPr lang="en" i="1"/>
-              <a:t>Your version control evidence should go here.  This could be in the form of annotated screenshots which show you you managed this process or you could make a brief screencast explaining how you implemented version control.</a:t>
-            </a:r>
-            <a:endParaRPr i="1"/>
-          </a:p>
-        </p:txBody>
-      </p:sp>
-    </p:spTree>
-  </p:cSld>
-  <p:clrMapOvr>
-    <a:masterClrMapping/>
-  </p:clrMapOvr>
-</p:sld>
-</file>
-
-<file path=ppt/slides/slide19.xml><?xml version="1.0" encoding="utf-8"?>
-<p:sld xmlns:a="http://schemas.openxmlformats.org/drawingml/2006/main" xmlns:r="http://schemas.openxmlformats.org/officeDocument/2006/relationships" xmlns:p="http://schemas.openxmlformats.org/presentationml/2006/main">
-  <p:cSld>
-    <p:bg>
-      <p:bgPr>
-        <a:solidFill>
-          <a:srgbClr val="FFE599"/>
-        </a:solidFill>
-        <a:effectLst/>
-      </p:bgPr>
-    </p:bg>
-    <p:spTree>
-      <p:nvGrpSpPr>
-        <p:cNvPr id="1" name="Shape 89"/>
-        <p:cNvGrpSpPr/>
-        <p:nvPr/>
-      </p:nvGrpSpPr>
-      <p:grpSpPr>
-        <a:xfrm>
-          <a:off x="0" y="0"/>
-          <a:ext cx="0" cy="0"/>
-          <a:chOff x="0" y="0"/>
-          <a:chExt cx="0" cy="0"/>
-        </a:xfrm>
-      </p:grpSpPr>
-      <p:sp>
-        <p:nvSpPr>
-          <p:cNvPr id="90" name="Google Shape;90;p19"/>
-          <p:cNvSpPr txBox="1">
-            <a:spLocks noGrp="1"/>
-          </p:cNvSpPr>
-          <p:nvPr>
-            <p:ph type="body" idx="1"/>
-          </p:nvPr>
-        </p:nvSpPr>
+      </p:pic>
+      <p:pic>
+        <p:nvPicPr>
+          <p:cNvPr id="6" name="Picture 5">
+            <a:extLst>
+              <a:ext uri="{FF2B5EF4-FFF2-40B4-BE49-F238E27FC236}">
+                <a16:creationId xmlns:a16="http://schemas.microsoft.com/office/drawing/2014/main" id="{28E656CF-66C1-4F6C-ACBD-54C12ED43695}"/>
+              </a:ext>
+            </a:extLst>
+          </p:cNvPr>
+          <p:cNvPicPr>
+            <a:picLocks noChangeAspect="1"/>
+          </p:cNvPicPr>
+          <p:nvPr/>
+        </p:nvPicPr>
+        <p:blipFill>
+          <a:blip r:embed="rId4"/>
+          <a:stretch>
+            <a:fillRect/>
+          </a:stretch>
+        </p:blipFill>
         <p:spPr>
           <a:xfrm>
-            <a:off x="311700" y="397700"/>
-            <a:ext cx="8520600" cy="4171200"/>
+            <a:off x="4414823" y="1528657"/>
+            <a:ext cx="4254881" cy="1150651"/>
           </a:xfrm>
           <a:prstGeom prst="rect">
             <a:avLst/>
           </a:prstGeom>
         </p:spPr>
-        <p:txBody>
-          <a:bodyPr spcFirstLastPara="1" wrap="square" lIns="91425" tIns="91425" rIns="91425" bIns="91425" anchor="t" anchorCtr="0">
-            <a:noAutofit/>
-          </a:bodyPr>
-          <a:lstStyle/>
-          <a:p>
-            <a:pPr marL="0" lvl="0" indent="0" algn="l" rtl="0">
-              <a:spcBef>
-                <a:spcPts val="0"/>
-              </a:spcBef>
-              <a:spcAft>
-                <a:spcPts val="1600"/>
-              </a:spcAft>
-              <a:buNone/>
-            </a:pPr>
-            <a:r>
-              <a:rPr lang="en" b="1" i="1">
-                <a:solidFill>
-                  <a:srgbClr val="595959"/>
-                </a:solidFill>
-              </a:rPr>
-              <a:t>Discusses how the information from planning, testing and trialling of components assisted in the development of a high-quality outcome</a:t>
-            </a:r>
-            <a:endParaRPr/>
-          </a:p>
-        </p:txBody>
-      </p:sp>
+      </p:pic>
     </p:spTree>
+    <p:extLst>
+      <p:ext uri="{BB962C8B-B14F-4D97-AF65-F5344CB8AC3E}">
+        <p14:creationId xmlns:p14="http://schemas.microsoft.com/office/powerpoint/2010/main" val="1878121505"/>
+      </p:ext>
+    </p:extLst>
   </p:cSld>
   <p:clrMapOvr>
     <a:masterClrMapping/>
@@ -11048,6 +11618,202 @@
               <a:t> to learn how to do this.</a:t>
             </a:r>
             <a:endParaRPr dirty="0"/>
+          </a:p>
+        </p:txBody>
+      </p:sp>
+    </p:spTree>
+  </p:cSld>
+  <p:clrMapOvr>
+    <a:masterClrMapping/>
+  </p:clrMapOvr>
+</p:sld>
+</file>
+
+<file path=ppt/slides/slide20.xml><?xml version="1.0" encoding="utf-8"?>
+<p:sld xmlns:a="http://schemas.openxmlformats.org/drawingml/2006/main" xmlns:r="http://schemas.openxmlformats.org/officeDocument/2006/relationships" xmlns:p="http://schemas.openxmlformats.org/presentationml/2006/main">
+  <p:cSld>
+    <p:bg>
+      <p:bgPr>
+        <a:solidFill>
+          <a:srgbClr val="D9EAD3"/>
+        </a:solidFill>
+        <a:effectLst/>
+      </p:bgPr>
+    </p:bg>
+    <p:spTree>
+      <p:nvGrpSpPr>
+        <p:cNvPr id="1" name="Shape 83"/>
+        <p:cNvGrpSpPr/>
+        <p:nvPr/>
+      </p:nvGrpSpPr>
+      <p:grpSpPr>
+        <a:xfrm>
+          <a:off x="0" y="0"/>
+          <a:ext cx="0" cy="0"/>
+          <a:chOff x="0" y="0"/>
+          <a:chExt cx="0" cy="0"/>
+        </a:xfrm>
+      </p:grpSpPr>
+      <p:sp>
+        <p:nvSpPr>
+          <p:cNvPr id="84" name="Google Shape;84;p18"/>
+          <p:cNvSpPr txBox="1">
+            <a:spLocks noGrp="1"/>
+          </p:cNvSpPr>
+          <p:nvPr>
+            <p:ph type="title"/>
+          </p:nvPr>
+        </p:nvSpPr>
+        <p:spPr>
+          <a:xfrm>
+            <a:off x="311700" y="445025"/>
+            <a:ext cx="8520600" cy="572700"/>
+          </a:xfrm>
+          <a:prstGeom prst="rect">
+            <a:avLst/>
+          </a:prstGeom>
+        </p:spPr>
+        <p:txBody>
+          <a:bodyPr spcFirstLastPara="1" wrap="square" lIns="91425" tIns="91425" rIns="91425" bIns="91425" anchor="t" anchorCtr="0">
+            <a:noAutofit/>
+          </a:bodyPr>
+          <a:lstStyle/>
+          <a:p>
+            <a:pPr marL="0" lvl="0" indent="0" algn="l" rtl="0">
+              <a:spcBef>
+                <a:spcPts val="0"/>
+              </a:spcBef>
+              <a:spcAft>
+                <a:spcPts val="0"/>
+              </a:spcAft>
+              <a:buNone/>
+            </a:pPr>
+            <a:r>
+              <a:rPr lang="en"/>
+              <a:t>Version Control Evidence</a:t>
+            </a:r>
+            <a:endParaRPr/>
+          </a:p>
+        </p:txBody>
+      </p:sp>
+      <p:sp>
+        <p:nvSpPr>
+          <p:cNvPr id="85" name="Google Shape;85;p18"/>
+          <p:cNvSpPr txBox="1">
+            <a:spLocks noGrp="1"/>
+          </p:cNvSpPr>
+          <p:nvPr>
+            <p:ph type="body" idx="1"/>
+          </p:nvPr>
+        </p:nvSpPr>
+        <p:spPr>
+          <a:xfrm>
+            <a:off x="311700" y="1152475"/>
+            <a:ext cx="8464200" cy="3739200"/>
+          </a:xfrm>
+          <a:prstGeom prst="rect">
+            <a:avLst/>
+          </a:prstGeom>
+        </p:spPr>
+        <p:txBody>
+          <a:bodyPr spcFirstLastPara="1" wrap="square" lIns="91425" tIns="91425" rIns="91425" bIns="91425" anchor="t" anchorCtr="0">
+            <a:noAutofit/>
+          </a:bodyPr>
+          <a:lstStyle/>
+          <a:p>
+            <a:pPr marL="0" lvl="0" indent="0" algn="l" rtl="0">
+              <a:spcBef>
+                <a:spcPts val="0"/>
+              </a:spcBef>
+              <a:spcAft>
+                <a:spcPts val="1600"/>
+              </a:spcAft>
+              <a:buNone/>
+            </a:pPr>
+            <a:r>
+              <a:rPr lang="en" i="1"/>
+              <a:t>Your version control evidence should go here.  This could be in the form of annotated screenshots which show you you managed this process or you could make a brief screencast explaining how you implemented version control.</a:t>
+            </a:r>
+            <a:endParaRPr i="1"/>
+          </a:p>
+        </p:txBody>
+      </p:sp>
+    </p:spTree>
+  </p:cSld>
+  <p:clrMapOvr>
+    <a:masterClrMapping/>
+  </p:clrMapOvr>
+</p:sld>
+</file>
+
+<file path=ppt/slides/slide21.xml><?xml version="1.0" encoding="utf-8"?>
+<p:sld xmlns:a="http://schemas.openxmlformats.org/drawingml/2006/main" xmlns:r="http://schemas.openxmlformats.org/officeDocument/2006/relationships" xmlns:p="http://schemas.openxmlformats.org/presentationml/2006/main">
+  <p:cSld>
+    <p:bg>
+      <p:bgPr>
+        <a:solidFill>
+          <a:srgbClr val="FFE599"/>
+        </a:solidFill>
+        <a:effectLst/>
+      </p:bgPr>
+    </p:bg>
+    <p:spTree>
+      <p:nvGrpSpPr>
+        <p:cNvPr id="1" name="Shape 89"/>
+        <p:cNvGrpSpPr/>
+        <p:nvPr/>
+      </p:nvGrpSpPr>
+      <p:grpSpPr>
+        <a:xfrm>
+          <a:off x="0" y="0"/>
+          <a:ext cx="0" cy="0"/>
+          <a:chOff x="0" y="0"/>
+          <a:chExt cx="0" cy="0"/>
+        </a:xfrm>
+      </p:grpSpPr>
+      <p:sp>
+        <p:nvSpPr>
+          <p:cNvPr id="90" name="Google Shape;90;p19"/>
+          <p:cNvSpPr txBox="1">
+            <a:spLocks noGrp="1"/>
+          </p:cNvSpPr>
+          <p:nvPr>
+            <p:ph type="body" idx="1"/>
+          </p:nvPr>
+        </p:nvSpPr>
+        <p:spPr>
+          <a:xfrm>
+            <a:off x="311700" y="397700"/>
+            <a:ext cx="8520600" cy="4171200"/>
+          </a:xfrm>
+          <a:prstGeom prst="rect">
+            <a:avLst/>
+          </a:prstGeom>
+        </p:spPr>
+        <p:txBody>
+          <a:bodyPr spcFirstLastPara="1" wrap="square" lIns="91425" tIns="91425" rIns="91425" bIns="91425" anchor="t" anchorCtr="0">
+            <a:noAutofit/>
+          </a:bodyPr>
+          <a:lstStyle/>
+          <a:p>
+            <a:pPr marL="0" lvl="0" indent="0" algn="l" rtl="0">
+              <a:spcBef>
+                <a:spcPts val="0"/>
+              </a:spcBef>
+              <a:spcAft>
+                <a:spcPts val="1600"/>
+              </a:spcAft>
+              <a:buNone/>
+            </a:pPr>
+            <a:r>
+              <a:rPr lang="en" b="1" i="1">
+                <a:solidFill>
+                  <a:srgbClr val="595959"/>
+                </a:solidFill>
+              </a:rPr>
+              <a:t>Discusses how the information from planning, testing and trialling of components assisted in the development of a high-quality outcome</a:t>
+            </a:r>
+            <a:endParaRPr/>
           </a:p>
         </p:txBody>
       </p:sp>
